--- a/predicting_song_popularity_by_album_artwork.pptx
+++ b/predicting_song_popularity_by_album_artwork.pptx
@@ -121,11 +121,11 @@
 </file>
 
 <file path=ppt/diagrams/colors1.xml><?xml version="1.0" encoding="utf-8"?>
-<dgm:colorsDef xmlns:dgm="http://schemas.openxmlformats.org/drawingml/2006/diagram" xmlns:a="http://schemas.openxmlformats.org/drawingml/2006/main" uniqueId="urn:microsoft.com/office/officeart/2005/8/colors/accent1_2">
+<dgm:colorsDef xmlns:dgm="http://schemas.openxmlformats.org/drawingml/2006/diagram" xmlns:a="http://schemas.openxmlformats.org/drawingml/2006/main" uniqueId="urn:microsoft.com/office/officeart/2005/8/colors/colorful1">
   <dgm:title val=""/>
   <dgm:desc val=""/>
   <dgm:catLst>
-    <dgm:cat type="accent1" pri="11200"/>
+    <dgm:cat type="colorful" pri="10100"/>
   </dgm:catLst>
   <dgm:styleLbl name="node0">
     <dgm:fillClrLst meth="repeat">
@@ -139,21 +139,13 @@
     <dgm:txFillClrLst/>
     <dgm:txEffectClrLst/>
   </dgm:styleLbl>
-  <dgm:styleLbl name="alignNode1">
-    <dgm:fillClrLst meth="repeat">
-      <a:schemeClr val="accent1"/>
-    </dgm:fillClrLst>
-    <dgm:linClrLst meth="repeat">
-      <a:schemeClr val="accent1"/>
-    </dgm:linClrLst>
-    <dgm:effectClrLst/>
-    <dgm:txLinClrLst/>
-    <dgm:txFillClrLst/>
-    <dgm:txEffectClrLst/>
-  </dgm:styleLbl>
   <dgm:styleLbl name="node1">
     <dgm:fillClrLst meth="repeat">
-      <a:schemeClr val="accent1"/>
+      <a:schemeClr val="accent2"/>
+      <a:schemeClr val="accent3"/>
+      <a:schemeClr val="accent4"/>
+      <a:schemeClr val="accent5"/>
+      <a:schemeClr val="accent6"/>
     </dgm:fillClrLst>
     <dgm:linClrLst meth="repeat">
       <a:schemeClr val="lt1"/>
@@ -163,9 +155,33 @@
     <dgm:txFillClrLst/>
     <dgm:txEffectClrLst/>
   </dgm:styleLbl>
+  <dgm:styleLbl name="alignNode1">
+    <dgm:fillClrLst meth="repeat">
+      <a:schemeClr val="accent2"/>
+      <a:schemeClr val="accent3"/>
+      <a:schemeClr val="accent4"/>
+      <a:schemeClr val="accent5"/>
+      <a:schemeClr val="accent6"/>
+    </dgm:fillClrLst>
+    <dgm:linClrLst meth="repeat">
+      <a:schemeClr val="accent2"/>
+      <a:schemeClr val="accent3"/>
+      <a:schemeClr val="accent4"/>
+      <a:schemeClr val="accent5"/>
+      <a:schemeClr val="accent6"/>
+    </dgm:linClrLst>
+    <dgm:effectClrLst/>
+    <dgm:txLinClrLst/>
+    <dgm:txFillClrLst/>
+    <dgm:txEffectClrLst/>
+  </dgm:styleLbl>
   <dgm:styleLbl name="lnNode1">
     <dgm:fillClrLst meth="repeat">
-      <a:schemeClr val="accent1"/>
+      <a:schemeClr val="accent2"/>
+      <a:schemeClr val="accent3"/>
+      <a:schemeClr val="accent4"/>
+      <a:schemeClr val="accent5"/>
+      <a:schemeClr val="accent6"/>
     </dgm:fillClrLst>
     <dgm:linClrLst meth="repeat">
       <a:schemeClr val="lt1"/>
@@ -177,7 +193,19 @@
   </dgm:styleLbl>
   <dgm:styleLbl name="vennNode1">
     <dgm:fillClrLst meth="repeat">
-      <a:schemeClr val="accent1">
+      <a:schemeClr val="accent2">
+        <a:alpha val="50000"/>
+      </a:schemeClr>
+      <a:schemeClr val="accent3">
+        <a:alpha val="50000"/>
+      </a:schemeClr>
+      <a:schemeClr val="accent4">
+        <a:alpha val="50000"/>
+      </a:schemeClr>
+      <a:schemeClr val="accent5">
+        <a:alpha val="50000"/>
+      </a:schemeClr>
+      <a:schemeClr val="accent6">
         <a:alpha val="50000"/>
       </a:schemeClr>
     </dgm:fillClrLst>
@@ -190,8 +218,8 @@
     <dgm:txEffectClrLst/>
   </dgm:styleLbl>
   <dgm:styleLbl name="node2">
-    <dgm:fillClrLst meth="repeat">
-      <a:schemeClr val="accent1"/>
+    <dgm:fillClrLst>
+      <a:schemeClr val="accent2"/>
     </dgm:fillClrLst>
     <dgm:linClrLst meth="repeat">
       <a:schemeClr val="lt1"/>
@@ -202,8 +230,8 @@
     <dgm:txEffectClrLst/>
   </dgm:styleLbl>
   <dgm:styleLbl name="node3">
-    <dgm:fillClrLst meth="repeat">
-      <a:schemeClr val="accent1"/>
+    <dgm:fillClrLst>
+      <a:schemeClr val="accent3"/>
     </dgm:fillClrLst>
     <dgm:linClrLst meth="repeat">
       <a:schemeClr val="lt1"/>
@@ -214,8 +242,8 @@
     <dgm:txEffectClrLst/>
   </dgm:styleLbl>
   <dgm:styleLbl name="node4">
-    <dgm:fillClrLst meth="repeat">
-      <a:schemeClr val="accent1"/>
+    <dgm:fillClrLst>
+      <a:schemeClr val="accent4"/>
     </dgm:fillClrLst>
     <dgm:linClrLst meth="repeat">
       <a:schemeClr val="lt1"/>
@@ -227,7 +255,19 @@
   </dgm:styleLbl>
   <dgm:styleLbl name="fgImgPlace1">
     <dgm:fillClrLst meth="repeat">
-      <a:schemeClr val="accent1">
+      <a:schemeClr val="accent2">
+        <a:tint val="50000"/>
+      </a:schemeClr>
+      <a:schemeClr val="accent3">
+        <a:tint val="50000"/>
+      </a:schemeClr>
+      <a:schemeClr val="accent4">
+        <a:tint val="50000"/>
+      </a:schemeClr>
+      <a:schemeClr val="accent5">
+        <a:tint val="50000"/>
+      </a:schemeClr>
+      <a:schemeClr val="accent6">
         <a:tint val="50000"/>
       </a:schemeClr>
     </dgm:fillClrLst>
@@ -242,9 +282,12 @@
     <dgm:txEffectClrLst/>
   </dgm:styleLbl>
   <dgm:styleLbl name="alignImgPlace1">
-    <dgm:fillClrLst meth="repeat">
+    <dgm:fillClrLst>
       <a:schemeClr val="accent1">
         <a:tint val="50000"/>
+      </a:schemeClr>
+      <a:schemeClr val="accent2">
+        <a:tint val="20000"/>
       </a:schemeClr>
     </dgm:fillClrLst>
     <dgm:linClrLst meth="repeat">
@@ -258,9 +301,12 @@
     <dgm:txEffectClrLst/>
   </dgm:styleLbl>
   <dgm:styleLbl name="bgImgPlace1">
-    <dgm:fillClrLst meth="repeat">
+    <dgm:fillClrLst>
       <a:schemeClr val="accent1">
         <a:tint val="50000"/>
+      </a:schemeClr>
+      <a:schemeClr val="accent2">
+        <a:tint val="20000"/>
       </a:schemeClr>
     </dgm:fillClrLst>
     <dgm:linClrLst meth="repeat">
@@ -275,14 +321,14 @@
   </dgm:styleLbl>
   <dgm:styleLbl name="sibTrans2D1">
     <dgm:fillClrLst meth="repeat">
-      <a:schemeClr val="accent1">
-        <a:tint val="60000"/>
-      </a:schemeClr>
+      <a:schemeClr val="accent2"/>
+      <a:schemeClr val="accent3"/>
+      <a:schemeClr val="accent4"/>
+      <a:schemeClr val="accent5"/>
+      <a:schemeClr val="accent6"/>
     </dgm:fillClrLst>
-    <dgm:linClrLst meth="repeat">
-      <a:schemeClr val="accent1">
-        <a:tint val="60000"/>
-      </a:schemeClr>
+    <dgm:linClrLst meth="cycle">
+      <a:schemeClr val="lt1"/>
     </dgm:linClrLst>
     <dgm:effectClrLst/>
     <dgm:txLinClrLst/>
@@ -291,42 +337,54 @@
   </dgm:styleLbl>
   <dgm:styleLbl name="fgSibTrans2D1">
     <dgm:fillClrLst meth="repeat">
-      <a:schemeClr val="accent1">
-        <a:tint val="60000"/>
-      </a:schemeClr>
+      <a:schemeClr val="accent2"/>
+      <a:schemeClr val="accent3"/>
+      <a:schemeClr val="accent4"/>
+      <a:schemeClr val="accent5"/>
+      <a:schemeClr val="accent6"/>
     </dgm:fillClrLst>
-    <dgm:linClrLst meth="repeat">
-      <a:schemeClr val="accent1">
-        <a:tint val="60000"/>
-      </a:schemeClr>
+    <dgm:linClrLst meth="cycle">
+      <a:schemeClr val="lt1"/>
     </dgm:linClrLst>
     <dgm:effectClrLst/>
     <dgm:txLinClrLst/>
-    <dgm:txFillClrLst/>
+    <dgm:txFillClrLst meth="repeat">
+      <a:schemeClr val="lt1"/>
+    </dgm:txFillClrLst>
     <dgm:txEffectClrLst/>
   </dgm:styleLbl>
   <dgm:styleLbl name="bgSibTrans2D1">
     <dgm:fillClrLst meth="repeat">
-      <a:schemeClr val="accent1">
-        <a:tint val="60000"/>
-      </a:schemeClr>
+      <a:schemeClr val="accent2"/>
+      <a:schemeClr val="accent3"/>
+      <a:schemeClr val="accent4"/>
+      <a:schemeClr val="accent5"/>
+      <a:schemeClr val="accent6"/>
     </dgm:fillClrLst>
-    <dgm:linClrLst meth="repeat">
-      <a:schemeClr val="accent1">
-        <a:tint val="60000"/>
-      </a:schemeClr>
+    <dgm:linClrLst meth="cycle">
+      <a:schemeClr val="lt1"/>
     </dgm:linClrLst>
     <dgm:effectClrLst/>
     <dgm:txLinClrLst/>
-    <dgm:txFillClrLst/>
+    <dgm:txFillClrLst meth="repeat">
+      <a:schemeClr val="lt1"/>
+    </dgm:txFillClrLst>
     <dgm:txEffectClrLst/>
   </dgm:styleLbl>
   <dgm:styleLbl name="sibTrans1D1">
     <dgm:fillClrLst meth="repeat">
-      <a:schemeClr val="accent1"/>
+      <a:schemeClr val="accent2"/>
+      <a:schemeClr val="accent3"/>
+      <a:schemeClr val="accent4"/>
+      <a:schemeClr val="accent5"/>
+      <a:schemeClr val="accent6"/>
     </dgm:fillClrLst>
     <dgm:linClrLst meth="repeat">
-      <a:schemeClr val="accent1"/>
+      <a:schemeClr val="accent2"/>
+      <a:schemeClr val="accent3"/>
+      <a:schemeClr val="accent4"/>
+      <a:schemeClr val="accent5"/>
+      <a:schemeClr val="accent6"/>
     </dgm:linClrLst>
     <dgm:effectClrLst/>
     <dgm:txLinClrLst/>
@@ -337,10 +395,10 @@
   </dgm:styleLbl>
   <dgm:styleLbl name="callout">
     <dgm:fillClrLst meth="repeat">
-      <a:schemeClr val="accent1"/>
+      <a:schemeClr val="accent2"/>
     </dgm:fillClrLst>
     <dgm:linClrLst meth="repeat">
-      <a:schemeClr val="accent1">
+      <a:schemeClr val="accent2">
         <a:tint val="50000"/>
       </a:schemeClr>
     </dgm:linClrLst>
@@ -365,7 +423,7 @@
   </dgm:styleLbl>
   <dgm:styleLbl name="asst1">
     <dgm:fillClrLst meth="repeat">
-      <a:schemeClr val="accent1"/>
+      <a:schemeClr val="accent2"/>
     </dgm:fillClrLst>
     <dgm:linClrLst meth="repeat">
       <a:schemeClr val="lt1"/>
@@ -376,8 +434,8 @@
     <dgm:txEffectClrLst/>
   </dgm:styleLbl>
   <dgm:styleLbl name="asst2">
-    <dgm:fillClrLst meth="repeat">
-      <a:schemeClr val="accent1"/>
+    <dgm:fillClrLst>
+      <a:schemeClr val="accent3"/>
     </dgm:fillClrLst>
     <dgm:linClrLst meth="repeat">
       <a:schemeClr val="lt1"/>
@@ -388,8 +446,8 @@
     <dgm:txEffectClrLst/>
   </dgm:styleLbl>
   <dgm:styleLbl name="asst3">
-    <dgm:fillClrLst meth="repeat">
-      <a:schemeClr val="accent1"/>
+    <dgm:fillClrLst>
+      <a:schemeClr val="accent4"/>
     </dgm:fillClrLst>
     <dgm:linClrLst meth="repeat">
       <a:schemeClr val="lt1"/>
@@ -400,8 +458,8 @@
     <dgm:txEffectClrLst/>
   </dgm:styleLbl>
   <dgm:styleLbl name="asst4">
-    <dgm:fillClrLst meth="repeat">
-      <a:schemeClr val="accent1"/>
+    <dgm:fillClrLst>
+      <a:schemeClr val="accent5"/>
     </dgm:fillClrLst>
     <dgm:linClrLst meth="repeat">
       <a:schemeClr val="lt1"/>
@@ -413,14 +471,10 @@
   </dgm:styleLbl>
   <dgm:styleLbl name="parChTrans2D1">
     <dgm:fillClrLst meth="repeat">
-      <a:schemeClr val="accent1">
-        <a:tint val="60000"/>
-      </a:schemeClr>
+      <a:schemeClr val="accent2"/>
     </dgm:fillClrLst>
     <dgm:linClrLst meth="repeat">
-      <a:schemeClr val="accent1">
-        <a:tint val="60000"/>
-      </a:schemeClr>
+      <a:schemeClr val="lt1"/>
     </dgm:linClrLst>
     <dgm:effectClrLst/>
     <dgm:txLinClrLst/>
@@ -431,38 +485,34 @@
   </dgm:styleLbl>
   <dgm:styleLbl name="parChTrans2D2">
     <dgm:fillClrLst meth="repeat">
-      <a:schemeClr val="accent1"/>
+      <a:schemeClr val="accent3"/>
     </dgm:fillClrLst>
     <dgm:linClrLst meth="repeat">
-      <a:schemeClr val="accent1"/>
+      <a:schemeClr val="lt1"/>
     </dgm:linClrLst>
     <dgm:effectClrLst/>
     <dgm:txLinClrLst/>
-    <dgm:txFillClrLst meth="repeat">
-      <a:schemeClr val="lt1"/>
-    </dgm:txFillClrLst>
+    <dgm:txFillClrLst/>
     <dgm:txEffectClrLst/>
   </dgm:styleLbl>
   <dgm:styleLbl name="parChTrans2D3">
     <dgm:fillClrLst meth="repeat">
-      <a:schemeClr val="accent1"/>
+      <a:schemeClr val="accent4"/>
     </dgm:fillClrLst>
     <dgm:linClrLst meth="repeat">
-      <a:schemeClr val="accent1"/>
+      <a:schemeClr val="lt1"/>
     </dgm:linClrLst>
     <dgm:effectClrLst/>
     <dgm:txLinClrLst/>
-    <dgm:txFillClrLst meth="repeat">
-      <a:schemeClr val="lt1"/>
-    </dgm:txFillClrLst>
+    <dgm:txFillClrLst/>
     <dgm:txEffectClrLst/>
   </dgm:styleLbl>
   <dgm:styleLbl name="parChTrans2D4">
     <dgm:fillClrLst meth="repeat">
-      <a:schemeClr val="accent1"/>
+      <a:schemeClr val="accent5"/>
     </dgm:fillClrLst>
     <dgm:linClrLst meth="repeat">
-      <a:schemeClr val="accent1"/>
+      <a:schemeClr val="lt1"/>
     </dgm:linClrLst>
     <dgm:effectClrLst/>
     <dgm:txLinClrLst/>
@@ -473,12 +523,10 @@
   </dgm:styleLbl>
   <dgm:styleLbl name="parChTrans1D1">
     <dgm:fillClrLst meth="repeat">
-      <a:schemeClr val="accent1"/>
+      <a:schemeClr val="accent2"/>
     </dgm:fillClrLst>
     <dgm:linClrLst meth="repeat">
-      <a:schemeClr val="accent1">
-        <a:shade val="60000"/>
-      </a:schemeClr>
+      <a:schemeClr val="accent1"/>
     </dgm:linClrLst>
     <dgm:effectClrLst/>
     <dgm:txLinClrLst/>
@@ -489,12 +537,12 @@
   </dgm:styleLbl>
   <dgm:styleLbl name="parChTrans1D2">
     <dgm:fillClrLst meth="repeat">
-      <a:schemeClr val="accent1"/>
+      <a:schemeClr val="accent3">
+        <a:tint val="90000"/>
+      </a:schemeClr>
     </dgm:fillClrLst>
     <dgm:linClrLst meth="repeat">
-      <a:schemeClr val="accent1">
-        <a:shade val="60000"/>
-      </a:schemeClr>
+      <a:schemeClr val="accent2"/>
     </dgm:linClrLst>
     <dgm:effectClrLst/>
     <dgm:txLinClrLst/>
@@ -505,12 +553,12 @@
   </dgm:styleLbl>
   <dgm:styleLbl name="parChTrans1D3">
     <dgm:fillClrLst meth="repeat">
-      <a:schemeClr val="accent1"/>
+      <a:schemeClr val="accent4">
+        <a:tint val="70000"/>
+      </a:schemeClr>
     </dgm:fillClrLst>
     <dgm:linClrLst meth="repeat">
-      <a:schemeClr val="accent1">
-        <a:shade val="80000"/>
-      </a:schemeClr>
+      <a:schemeClr val="accent3"/>
     </dgm:linClrLst>
     <dgm:effectClrLst/>
     <dgm:txLinClrLst/>
@@ -521,12 +569,12 @@
   </dgm:styleLbl>
   <dgm:styleLbl name="parChTrans1D4">
     <dgm:fillClrLst meth="repeat">
-      <a:schemeClr val="accent1"/>
+      <a:schemeClr val="accent5">
+        <a:tint val="50000"/>
+      </a:schemeClr>
     </dgm:fillClrLst>
     <dgm:linClrLst meth="repeat">
-      <a:schemeClr val="accent1">
-        <a:shade val="80000"/>
-      </a:schemeClr>
+      <a:schemeClr val="accent4"/>
     </dgm:linClrLst>
     <dgm:effectClrLst/>
     <dgm:txLinClrLst/>
@@ -542,7 +590,11 @@
       </a:schemeClr>
     </dgm:fillClrLst>
     <dgm:linClrLst meth="repeat">
-      <a:schemeClr val="accent1"/>
+      <a:schemeClr val="accent2"/>
+      <a:schemeClr val="accent3"/>
+      <a:schemeClr val="accent4"/>
+      <a:schemeClr val="accent5"/>
+      <a:schemeClr val="accent6"/>
     </dgm:linClrLst>
     <dgm:effectClrLst/>
     <dgm:txLinClrLst/>
@@ -558,7 +610,11 @@
       </a:schemeClr>
     </dgm:fillClrLst>
     <dgm:linClrLst meth="repeat">
-      <a:schemeClr val="accent1"/>
+      <a:schemeClr val="accent2"/>
+      <a:schemeClr val="accent3"/>
+      <a:schemeClr val="accent4"/>
+      <a:schemeClr val="accent5"/>
+      <a:schemeClr val="accent6"/>
     </dgm:linClrLst>
     <dgm:effectClrLst/>
     <dgm:txLinClrLst/>
@@ -574,7 +630,11 @@
       </a:schemeClr>
     </dgm:fillClrLst>
     <dgm:linClrLst meth="repeat">
-      <a:schemeClr val="accent1"/>
+      <a:schemeClr val="accent2"/>
+      <a:schemeClr val="accent3"/>
+      <a:schemeClr val="accent4"/>
+      <a:schemeClr val="accent5"/>
+      <a:schemeClr val="accent6"/>
     </dgm:linClrLst>
     <dgm:effectClrLst/>
     <dgm:txLinClrLst/>
@@ -606,7 +666,11 @@
       </a:schemeClr>
     </dgm:fillClrLst>
     <dgm:linClrLst meth="repeat">
-      <a:schemeClr val="accent1"/>
+      <a:schemeClr val="accent2"/>
+      <a:schemeClr val="accent3"/>
+      <a:schemeClr val="accent4"/>
+      <a:schemeClr val="accent5"/>
+      <a:schemeClr val="accent6"/>
     </dgm:linClrLst>
     <dgm:effectClrLst/>
     <dgm:txLinClrLst/>
@@ -620,7 +684,11 @@
       <a:schemeClr val="lt1"/>
     </dgm:fillClrLst>
     <dgm:linClrLst meth="repeat">
-      <a:schemeClr val="accent1"/>
+      <a:schemeClr val="accent2"/>
+      <a:schemeClr val="accent3"/>
+      <a:schemeClr val="accent4"/>
+      <a:schemeClr val="accent5"/>
+      <a:schemeClr val="accent6"/>
     </dgm:linClrLst>
     <dgm:effectClrLst/>
     <dgm:txLinClrLst/>
@@ -634,7 +702,11 @@
       <a:schemeClr val="lt1"/>
     </dgm:fillClrLst>
     <dgm:linClrLst meth="repeat">
-      <a:schemeClr val="accent1"/>
+      <a:schemeClr val="accent2"/>
+      <a:schemeClr val="accent3"/>
+      <a:schemeClr val="accent4"/>
+      <a:schemeClr val="accent5"/>
+      <a:schemeClr val="accent6"/>
     </dgm:linClrLst>
     <dgm:effectClrLst/>
     <dgm:txLinClrLst/>
@@ -648,7 +720,11 @@
       <a:schemeClr val="lt1"/>
     </dgm:fillClrLst>
     <dgm:linClrLst meth="repeat">
-      <a:schemeClr val="accent1"/>
+      <a:schemeClr val="accent2"/>
+      <a:schemeClr val="accent3"/>
+      <a:schemeClr val="accent4"/>
+      <a:schemeClr val="accent5"/>
+      <a:schemeClr val="accent6"/>
     </dgm:linClrLst>
     <dgm:effectClrLst/>
     <dgm:txLinClrLst/>
@@ -659,15 +735,47 @@
   </dgm:styleLbl>
   <dgm:styleLbl name="fgAccFollowNode1">
     <dgm:fillClrLst meth="repeat">
-      <a:schemeClr val="accent1">
+      <a:schemeClr val="accent2">
+        <a:tint val="40000"/>
         <a:alpha val="90000"/>
+      </a:schemeClr>
+      <a:schemeClr val="accent3">
         <a:tint val="40000"/>
+        <a:alpha val="90000"/>
+      </a:schemeClr>
+      <a:schemeClr val="accent4">
+        <a:tint val="40000"/>
+        <a:alpha val="90000"/>
+      </a:schemeClr>
+      <a:schemeClr val="accent5">
+        <a:tint val="40000"/>
+        <a:alpha val="90000"/>
+      </a:schemeClr>
+      <a:schemeClr val="accent6">
+        <a:tint val="40000"/>
+        <a:alpha val="90000"/>
       </a:schemeClr>
     </dgm:fillClrLst>
     <dgm:linClrLst meth="repeat">
-      <a:schemeClr val="accent1">
+      <a:schemeClr val="accent2">
+        <a:tint val="40000"/>
         <a:alpha val="90000"/>
+      </a:schemeClr>
+      <a:schemeClr val="accent3">
         <a:tint val="40000"/>
+        <a:alpha val="90000"/>
+      </a:schemeClr>
+      <a:schemeClr val="accent4">
+        <a:tint val="40000"/>
+        <a:alpha val="90000"/>
+      </a:schemeClr>
+      <a:schemeClr val="accent5">
+        <a:tint val="40000"/>
+        <a:alpha val="90000"/>
+      </a:schemeClr>
+      <a:schemeClr val="accent6">
+        <a:tint val="40000"/>
+        <a:alpha val="90000"/>
       </a:schemeClr>
     </dgm:linClrLst>
     <dgm:effectClrLst/>
@@ -679,15 +787,47 @@
   </dgm:styleLbl>
   <dgm:styleLbl name="alignAccFollowNode1">
     <dgm:fillClrLst meth="repeat">
-      <a:schemeClr val="accent1">
+      <a:schemeClr val="accent2">
+        <a:tint val="40000"/>
         <a:alpha val="90000"/>
+      </a:schemeClr>
+      <a:schemeClr val="accent3">
         <a:tint val="40000"/>
+        <a:alpha val="90000"/>
+      </a:schemeClr>
+      <a:schemeClr val="accent4">
+        <a:tint val="40000"/>
+        <a:alpha val="90000"/>
+      </a:schemeClr>
+      <a:schemeClr val="accent5">
+        <a:tint val="40000"/>
+        <a:alpha val="90000"/>
+      </a:schemeClr>
+      <a:schemeClr val="accent6">
+        <a:tint val="40000"/>
+        <a:alpha val="90000"/>
       </a:schemeClr>
     </dgm:fillClrLst>
     <dgm:linClrLst meth="repeat">
-      <a:schemeClr val="accent1">
+      <a:schemeClr val="accent2">
+        <a:tint val="40000"/>
         <a:alpha val="90000"/>
+      </a:schemeClr>
+      <a:schemeClr val="accent3">
         <a:tint val="40000"/>
+        <a:alpha val="90000"/>
+      </a:schemeClr>
+      <a:schemeClr val="accent4">
+        <a:tint val="40000"/>
+        <a:alpha val="90000"/>
+      </a:schemeClr>
+      <a:schemeClr val="accent5">
+        <a:tint val="40000"/>
+        <a:alpha val="90000"/>
+      </a:schemeClr>
+      <a:schemeClr val="accent6">
+        <a:tint val="40000"/>
+        <a:alpha val="90000"/>
       </a:schemeClr>
     </dgm:linClrLst>
     <dgm:effectClrLst/>
@@ -699,15 +839,47 @@
   </dgm:styleLbl>
   <dgm:styleLbl name="bgAccFollowNode1">
     <dgm:fillClrLst meth="repeat">
-      <a:schemeClr val="accent1">
+      <a:schemeClr val="accent2">
+        <a:tint val="40000"/>
         <a:alpha val="90000"/>
+      </a:schemeClr>
+      <a:schemeClr val="accent3">
         <a:tint val="40000"/>
+        <a:alpha val="90000"/>
+      </a:schemeClr>
+      <a:schemeClr val="accent4">
+        <a:tint val="40000"/>
+        <a:alpha val="90000"/>
+      </a:schemeClr>
+      <a:schemeClr val="accent5">
+        <a:tint val="40000"/>
+        <a:alpha val="90000"/>
+      </a:schemeClr>
+      <a:schemeClr val="accent6">
+        <a:tint val="40000"/>
+        <a:alpha val="90000"/>
       </a:schemeClr>
     </dgm:fillClrLst>
     <dgm:linClrLst meth="repeat">
-      <a:schemeClr val="accent1">
+      <a:schemeClr val="accent2">
+        <a:tint val="40000"/>
         <a:alpha val="90000"/>
+      </a:schemeClr>
+      <a:schemeClr val="accent3">
         <a:tint val="40000"/>
+        <a:alpha val="90000"/>
+      </a:schemeClr>
+      <a:schemeClr val="accent4">
+        <a:tint val="40000"/>
+        <a:alpha val="90000"/>
+      </a:schemeClr>
+      <a:schemeClr val="accent5">
+        <a:tint val="40000"/>
+        <a:alpha val="90000"/>
+      </a:schemeClr>
+      <a:schemeClr val="accent6">
+        <a:tint val="40000"/>
+        <a:alpha val="90000"/>
       </a:schemeClr>
     </dgm:linClrLst>
     <dgm:effectClrLst/>
@@ -723,7 +895,7 @@
         <a:alpha val="90000"/>
       </a:schemeClr>
     </dgm:fillClrLst>
-    <dgm:linClrLst meth="repeat">
+    <dgm:linClrLst>
       <a:schemeClr val="accent1"/>
     </dgm:linClrLst>
     <dgm:effectClrLst/>
@@ -739,8 +911,8 @@
         <a:alpha val="90000"/>
       </a:schemeClr>
     </dgm:fillClrLst>
-    <dgm:linClrLst meth="repeat">
-      <a:schemeClr val="accent1"/>
+    <dgm:linClrLst>
+      <a:schemeClr val="accent2"/>
     </dgm:linClrLst>
     <dgm:effectClrLst/>
     <dgm:txLinClrLst/>
@@ -755,8 +927,8 @@
         <a:alpha val="90000"/>
       </a:schemeClr>
     </dgm:fillClrLst>
-    <dgm:linClrLst meth="repeat">
-      <a:schemeClr val="accent1"/>
+    <dgm:linClrLst>
+      <a:schemeClr val="accent3"/>
     </dgm:linClrLst>
     <dgm:effectClrLst/>
     <dgm:txLinClrLst/>
@@ -771,8 +943,8 @@
         <a:alpha val="90000"/>
       </a:schemeClr>
     </dgm:fillClrLst>
-    <dgm:linClrLst meth="repeat">
-      <a:schemeClr val="accent1"/>
+    <dgm:linClrLst>
+      <a:schemeClr val="accent4"/>
     </dgm:linClrLst>
     <dgm:effectClrLst/>
     <dgm:txLinClrLst/>
@@ -783,12 +955,12 @@
   </dgm:styleLbl>
   <dgm:styleLbl name="bgShp">
     <dgm:fillClrLst meth="repeat">
-      <a:schemeClr val="accent1">
+      <a:schemeClr val="accent2">
         <a:tint val="40000"/>
       </a:schemeClr>
     </dgm:fillClrLst>
     <dgm:linClrLst meth="repeat">
-      <a:schemeClr val="accent1"/>
+      <a:schemeClr val="dk1"/>
     </dgm:linClrLst>
     <dgm:effectClrLst/>
     <dgm:txLinClrLst/>
@@ -799,12 +971,12 @@
   </dgm:styleLbl>
   <dgm:styleLbl name="dkBgShp">
     <dgm:fillClrLst meth="repeat">
-      <a:schemeClr val="accent1">
-        <a:shade val="80000"/>
+      <a:schemeClr val="accent2">
+        <a:shade val="90000"/>
       </a:schemeClr>
     </dgm:fillClrLst>
     <dgm:linClrLst meth="repeat">
-      <a:schemeClr val="accent1"/>
+      <a:schemeClr val="dk1"/>
     </dgm:linClrLst>
     <dgm:effectClrLst/>
     <dgm:txLinClrLst/>
@@ -821,7 +993,7 @@
       </a:schemeClr>
     </dgm:fillClrLst>
     <dgm:linClrLst meth="repeat">
-      <a:schemeClr val="accent1"/>
+      <a:schemeClr val="accent2"/>
     </dgm:linClrLst>
     <dgm:effectClrLst/>
     <dgm:txLinClrLst/>
@@ -832,8 +1004,8 @@
   </dgm:styleLbl>
   <dgm:styleLbl name="fgShp">
     <dgm:fillClrLst meth="repeat">
-      <a:schemeClr val="accent1">
-        <a:tint val="60000"/>
+      <a:schemeClr val="accent2">
+        <a:tint val="40000"/>
       </a:schemeClr>
     </dgm:fillClrLst>
     <dgm:linClrLst meth="repeat">
@@ -870,8 +1042,8 @@
 <file path=ppt/diagrams/data1.xml><?xml version="1.0" encoding="utf-8"?>
 <dgm:dataModel xmlns:dgm="http://schemas.openxmlformats.org/drawingml/2006/diagram" xmlns:a="http://schemas.openxmlformats.org/drawingml/2006/main">
   <dgm:ptLst>
-    <dgm:pt modelId="{442B33D8-3850-4A47-A3C5-D78BD81418DB}" type="doc">
-      <dgm:prSet loTypeId="urn:microsoft.com/office/officeart/2016/7/layout/BasicLinearProcessNumbered" loCatId="process" qsTypeId="urn:microsoft.com/office/officeart/2005/8/quickstyle/simple1" qsCatId="simple" csTypeId="urn:microsoft.com/office/officeart/2005/8/colors/accent1_2" csCatId="accent1"/>
+    <dgm:pt modelId="{F90425AB-01F0-44BF-9157-06BC906AD18B}" type="doc">
+      <dgm:prSet loTypeId="urn:microsoft.com/office/officeart/2008/layout/LinedList" loCatId="list" qsTypeId="urn:microsoft.com/office/officeart/2005/8/quickstyle/simple1" qsCatId="simple" csTypeId="urn:microsoft.com/office/officeart/2005/8/colors/colorful1" csCatId="colorful" phldr="1"/>
       <dgm:spPr/>
       <dgm:t>
         <a:bodyPr/>
@@ -881,21 +1053,18 @@
         </a:p>
       </dgm:t>
     </dgm:pt>
-    <dgm:pt modelId="{A32E9175-4213-453E-87A0-6088BA3AE344}">
+    <dgm:pt modelId="{C70E5662-B979-4D1B-982A-3C9EBD9C77E0}">
       <dgm:prSet/>
       <dgm:spPr/>
       <dgm:t>
         <a:bodyPr/>
         <a:lstStyle/>
         <a:p>
-          <a:r>
-            <a:rPr lang="en-US" dirty="0"/>
-            <a:t>Consider reallocating resources away from album art creation</a:t>
-          </a:r>
+          <a:endParaRPr lang="en-US" dirty="0"/>
         </a:p>
       </dgm:t>
     </dgm:pt>
-    <dgm:pt modelId="{A8059257-C44F-466B-A456-F6E166FFBF73}" type="parTrans" cxnId="{FF61783A-E7A9-4655-9DFE-4B0DF614A0D1}">
+    <dgm:pt modelId="{2E901A25-21B7-4B4A-BB76-19A407F22E77}" type="parTrans" cxnId="{257C4EB3-5B79-4E64-BB98-C6882F82776C}">
       <dgm:prSet/>
       <dgm:spPr/>
       <dgm:t>
@@ -906,35 +1075,7 @@
         </a:p>
       </dgm:t>
     </dgm:pt>
-    <dgm:pt modelId="{D50EDB57-5321-4BBE-9E91-36516470E2DD}" type="sibTrans" cxnId="{FF61783A-E7A9-4655-9DFE-4B0DF614A0D1}">
-      <dgm:prSet phldrT="1" phldr="0"/>
-      <dgm:spPr/>
-      <dgm:t>
-        <a:bodyPr/>
-        <a:lstStyle/>
-        <a:p>
-          <a:r>
-            <a:rPr lang="en-US" dirty="0"/>
-            <a:t>1</a:t>
-          </a:r>
-        </a:p>
-      </dgm:t>
-    </dgm:pt>
-    <dgm:pt modelId="{A30080FA-D42C-4C40-AEFA-E9B51BF9E7F1}">
-      <dgm:prSet/>
-      <dgm:spPr/>
-      <dgm:t>
-        <a:bodyPr/>
-        <a:lstStyle/>
-        <a:p>
-          <a:r>
-            <a:rPr lang="en-US" dirty="0"/>
-            <a:t>Commission a study on album / track name to understand effect on Spotify popularity</a:t>
-          </a:r>
-        </a:p>
-      </dgm:t>
-    </dgm:pt>
-    <dgm:pt modelId="{82B2C75E-1CE5-4CAD-8ADC-09705D7C7C3F}" type="parTrans" cxnId="{4CAC384E-72CE-4CC1-8DE5-4313FBF321F2}">
+    <dgm:pt modelId="{E34E4FB0-90F5-441C-8215-D344C47E94FF}" type="sibTrans" cxnId="{257C4EB3-5B79-4E64-BB98-C6882F82776C}">
       <dgm:prSet/>
       <dgm:spPr/>
       <dgm:t>
@@ -945,35 +1086,30 @@
         </a:p>
       </dgm:t>
     </dgm:pt>
-    <dgm:pt modelId="{BFF31220-9F82-4D6D-A3EA-742D4A885450}" type="sibTrans" cxnId="{4CAC384E-72CE-4CC1-8DE5-4313FBF321F2}">
-      <dgm:prSet phldrT="2" phldr="0"/>
+    <dgm:pt modelId="{7A5EE561-9A2B-4432-A563-61DF4F3E63B0}">
+      <dgm:prSet custT="1"/>
       <dgm:spPr/>
       <dgm:t>
-        <a:bodyPr/>
+        <a:bodyPr anchor="ctr"/>
         <a:lstStyle/>
         <a:p>
+          <a:pPr algn="l"/>
           <a:r>
-            <a:rPr lang="en-US" dirty="0"/>
-            <a:t>2</a:t>
+            <a:rPr lang="en-US" sz="2400" dirty="0"/>
+            <a:t>Consider </a:t>
+          </a:r>
+          <a:r>
+            <a:rPr lang="en-US" sz="2400" b="1" dirty="0"/>
+            <a:t>reallocating resources away from album art creation</a:t>
+          </a:r>
+          <a:r>
+            <a:rPr lang="en-US" sz="2400" dirty="0"/>
+            <a:t>, as artwork style doesn’t seem to affect popularity</a:t>
           </a:r>
         </a:p>
       </dgm:t>
     </dgm:pt>
-    <dgm:pt modelId="{C18DAFFF-046D-483D-8AFE-41C6C5B9AA9E}">
-      <dgm:prSet/>
-      <dgm:spPr/>
-      <dgm:t>
-        <a:bodyPr/>
-        <a:lstStyle/>
-        <a:p>
-          <a:r>
-            <a:rPr lang="en-US" dirty="0"/>
-            <a:t>If artwork is crucial for album, consider other means of distribution outside of Spotify, as users don’t seem engaged with it </a:t>
-          </a:r>
-        </a:p>
-      </dgm:t>
-    </dgm:pt>
-    <dgm:pt modelId="{91F26C24-4939-4EF9-B222-09A73185486C}" type="parTrans" cxnId="{099AC7DC-96FF-4B29-8FA3-DA6B992DE6E3}">
+    <dgm:pt modelId="{9BB3E649-830B-410A-ADC6-C87FBCE93BF5}" type="parTrans" cxnId="{C662C22A-F798-4AB9-A75F-321BFB8733C1}">
       <dgm:prSet/>
       <dgm:spPr/>
       <dgm:t>
@@ -984,174 +1120,358 @@
         </a:p>
       </dgm:t>
     </dgm:pt>
-    <dgm:pt modelId="{46EF1517-ECA9-48D2-8095-4AA752B0B9BF}" type="sibTrans" cxnId="{099AC7DC-96FF-4B29-8FA3-DA6B992DE6E3}">
-      <dgm:prSet phldrT="3" phldr="0"/>
+    <dgm:pt modelId="{55533A57-FB4F-4BC1-87E3-B4E3E4F2777C}" type="sibTrans" cxnId="{C662C22A-F798-4AB9-A75F-321BFB8733C1}">
+      <dgm:prSet/>
       <dgm:spPr/>
       <dgm:t>
         <a:bodyPr/>
         <a:lstStyle/>
         <a:p>
+          <a:endParaRPr lang="en-US"/>
+        </a:p>
+      </dgm:t>
+    </dgm:pt>
+    <dgm:pt modelId="{5FB1F415-53B3-4D3A-A973-FD77B512B3C9}">
+      <dgm:prSet/>
+      <dgm:spPr/>
+      <dgm:t>
+        <a:bodyPr/>
+        <a:lstStyle/>
+        <a:p>
+          <a:endParaRPr lang="en-US" dirty="0"/>
+        </a:p>
+      </dgm:t>
+    </dgm:pt>
+    <dgm:pt modelId="{CC0B6AA4-EB11-4A80-9EE8-7AF8BA34CE64}" type="parTrans" cxnId="{9FBB957A-EB17-47A8-81CA-EA84B00C0145}">
+      <dgm:prSet/>
+      <dgm:spPr/>
+      <dgm:t>
+        <a:bodyPr/>
+        <a:lstStyle/>
+        <a:p>
+          <a:endParaRPr lang="en-US"/>
+        </a:p>
+      </dgm:t>
+    </dgm:pt>
+    <dgm:pt modelId="{C5BBDE26-A614-4BF8-8A7F-BA4CC61BCCB4}" type="sibTrans" cxnId="{9FBB957A-EB17-47A8-81CA-EA84B00C0145}">
+      <dgm:prSet/>
+      <dgm:spPr/>
+      <dgm:t>
+        <a:bodyPr/>
+        <a:lstStyle/>
+        <a:p>
+          <a:endParaRPr lang="en-US"/>
+        </a:p>
+      </dgm:t>
+    </dgm:pt>
+    <dgm:pt modelId="{4060774B-0DC2-4627-AB94-A2EDA23B6390}">
+      <dgm:prSet custT="1"/>
+      <dgm:spPr/>
+      <dgm:t>
+        <a:bodyPr anchor="ctr"/>
+        <a:lstStyle/>
+        <a:p>
           <a:r>
-            <a:rPr lang="en-US"/>
-            <a:t>3</a:t>
+            <a:rPr lang="en-US" sz="2400" dirty="0"/>
+            <a:t>Commission a study on album and/or song name to </a:t>
+          </a:r>
+          <a:r>
+            <a:rPr lang="en-US" sz="2400" b="1" dirty="0"/>
+            <a:t>understand naming effect on Spotify popularity</a:t>
           </a:r>
         </a:p>
       </dgm:t>
     </dgm:pt>
-    <dgm:pt modelId="{66DCF7EC-30E6-B946-91CB-D6C50D1FE8E5}" type="pres">
-      <dgm:prSet presAssocID="{442B33D8-3850-4A47-A3C5-D78BD81418DB}" presName="Name0" presStyleCnt="0">
+    <dgm:pt modelId="{81970A1F-F601-4976-BE84-2CA425E949FD}" type="parTrans" cxnId="{DA15CCDC-53EB-4D01-B348-FCA8C4DD40F5}">
+      <dgm:prSet/>
+      <dgm:spPr/>
+      <dgm:t>
+        <a:bodyPr/>
+        <a:lstStyle/>
+        <a:p>
+          <a:endParaRPr lang="en-US"/>
+        </a:p>
+      </dgm:t>
+    </dgm:pt>
+    <dgm:pt modelId="{E0E40A42-E510-43CF-908E-CE26FA9A5977}" type="sibTrans" cxnId="{DA15CCDC-53EB-4D01-B348-FCA8C4DD40F5}">
+      <dgm:prSet/>
+      <dgm:spPr/>
+      <dgm:t>
+        <a:bodyPr/>
+        <a:lstStyle/>
+        <a:p>
+          <a:endParaRPr lang="en-US"/>
+        </a:p>
+      </dgm:t>
+    </dgm:pt>
+    <dgm:pt modelId="{DE059F6B-4005-4AE9-A61F-89B32C2EE044}">
+      <dgm:prSet/>
+      <dgm:spPr/>
+      <dgm:t>
+        <a:bodyPr/>
+        <a:lstStyle/>
+        <a:p>
+          <a:endParaRPr lang="en-US" dirty="0"/>
+        </a:p>
+      </dgm:t>
+    </dgm:pt>
+    <dgm:pt modelId="{148AE6C7-6A17-4129-9F14-9A0D9C1E5789}" type="parTrans" cxnId="{C554D0AA-EC32-4564-8FDE-5DAAB0B38B7F}">
+      <dgm:prSet/>
+      <dgm:spPr/>
+      <dgm:t>
+        <a:bodyPr/>
+        <a:lstStyle/>
+        <a:p>
+          <a:endParaRPr lang="en-US"/>
+        </a:p>
+      </dgm:t>
+    </dgm:pt>
+    <dgm:pt modelId="{FDE1BF89-644A-4F95-A395-45477F0894C7}" type="sibTrans" cxnId="{C554D0AA-EC32-4564-8FDE-5DAAB0B38B7F}">
+      <dgm:prSet/>
+      <dgm:spPr/>
+      <dgm:t>
+        <a:bodyPr/>
+        <a:lstStyle/>
+        <a:p>
+          <a:endParaRPr lang="en-US"/>
+        </a:p>
+      </dgm:t>
+    </dgm:pt>
+    <dgm:pt modelId="{550C30C0-3F78-4580-892D-4A7E18AAE045}">
+      <dgm:prSet custT="1"/>
+      <dgm:spPr/>
+      <dgm:t>
+        <a:bodyPr anchor="ctr"/>
+        <a:lstStyle/>
+        <a:p>
+          <a:pPr algn="l"/>
+          <a:r>
+            <a:rPr lang="en-US" sz="2400" dirty="0"/>
+            <a:t>If artwork context is crucial, consider </a:t>
+          </a:r>
+          <a:r>
+            <a:rPr lang="en-US" sz="2400" b="1" dirty="0"/>
+            <a:t>other means of distribution outside of Spotify </a:t>
+          </a:r>
+          <a:r>
+            <a:rPr lang="en-US" sz="2400" dirty="0"/>
+            <a:t>as users don’t seem engaged with it </a:t>
+          </a:r>
+        </a:p>
+      </dgm:t>
+    </dgm:pt>
+    <dgm:pt modelId="{41D54C06-7F61-4771-951F-1EEA5C2A9B69}" type="parTrans" cxnId="{DD5A290C-CBF6-4B11-A4BA-3F80825036D2}">
+      <dgm:prSet/>
+      <dgm:spPr/>
+      <dgm:t>
+        <a:bodyPr/>
+        <a:lstStyle/>
+        <a:p>
+          <a:endParaRPr lang="en-US"/>
+        </a:p>
+      </dgm:t>
+    </dgm:pt>
+    <dgm:pt modelId="{218BCABC-D2E4-4247-83F0-BDF64983460D}" type="sibTrans" cxnId="{DD5A290C-CBF6-4B11-A4BA-3F80825036D2}">
+      <dgm:prSet/>
+      <dgm:spPr/>
+      <dgm:t>
+        <a:bodyPr/>
+        <a:lstStyle/>
+        <a:p>
+          <a:endParaRPr lang="en-US"/>
+        </a:p>
+      </dgm:t>
+    </dgm:pt>
+    <dgm:pt modelId="{7A19CF94-27E1-4048-ACAA-0B6BBB7FAD04}" type="pres">
+      <dgm:prSet presAssocID="{F90425AB-01F0-44BF-9157-06BC906AD18B}" presName="vert0" presStyleCnt="0">
         <dgm:presLayoutVars>
+          <dgm:dir/>
+          <dgm:animOne val="branch"/>
           <dgm:animLvl val="lvl"/>
-          <dgm:resizeHandles val="exact"/>
         </dgm:presLayoutVars>
       </dgm:prSet>
       <dgm:spPr/>
     </dgm:pt>
-    <dgm:pt modelId="{5F7FE5C8-9E1F-9F4F-99FA-9AB82ABFEAE0}" type="pres">
-      <dgm:prSet presAssocID="{A32E9175-4213-453E-87A0-6088BA3AE344}" presName="compositeNode" presStyleCnt="0">
-        <dgm:presLayoutVars>
-          <dgm:bulletEnabled val="1"/>
-        </dgm:presLayoutVars>
-      </dgm:prSet>
+    <dgm:pt modelId="{7396E752-16AF-6948-B734-FA0ADC0DF483}" type="pres">
+      <dgm:prSet presAssocID="{C70E5662-B979-4D1B-982A-3C9EBD9C77E0}" presName="thickLine" presStyleLbl="alignNode1" presStyleIdx="0" presStyleCnt="3"/>
       <dgm:spPr/>
     </dgm:pt>
-    <dgm:pt modelId="{0245DAAB-0C46-8946-BD12-3B9BB675BA70}" type="pres">
-      <dgm:prSet presAssocID="{A32E9175-4213-453E-87A0-6088BA3AE344}" presName="bgRect" presStyleLbl="bgAccFollowNode1" presStyleIdx="0" presStyleCnt="3"/>
+    <dgm:pt modelId="{DF55988E-AF75-C449-8297-A6108F688022}" type="pres">
+      <dgm:prSet presAssocID="{C70E5662-B979-4D1B-982A-3C9EBD9C77E0}" presName="horz1" presStyleCnt="0"/>
       <dgm:spPr/>
     </dgm:pt>
-    <dgm:pt modelId="{2FB7EBAB-26FE-D647-8721-A1B0DD38C7D6}" type="pres">
-      <dgm:prSet presAssocID="{D50EDB57-5321-4BBE-9E91-36516470E2DD}" presName="sibTransNodeCircle" presStyleLbl="alignNode1" presStyleIdx="0" presStyleCnt="6">
-        <dgm:presLayoutVars>
-          <dgm:chMax val="0"/>
-          <dgm:bulletEnabled/>
-        </dgm:presLayoutVars>
-      </dgm:prSet>
+    <dgm:pt modelId="{BE777D4D-081B-934C-9D12-FF773CB93243}" type="pres">
+      <dgm:prSet presAssocID="{C70E5662-B979-4D1B-982A-3C9EBD9C77E0}" presName="tx1" presStyleLbl="revTx" presStyleIdx="0" presStyleCnt="6"/>
       <dgm:spPr/>
     </dgm:pt>
-    <dgm:pt modelId="{22399FAE-6789-DD44-9F80-29ED4384E98B}" type="pres">
-      <dgm:prSet presAssocID="{A32E9175-4213-453E-87A0-6088BA3AE344}" presName="bottomLine" presStyleLbl="alignNode1" presStyleIdx="1" presStyleCnt="6">
-        <dgm:presLayoutVars/>
-      </dgm:prSet>
+    <dgm:pt modelId="{C72FA427-2A95-3146-B8CB-F1B97657A520}" type="pres">
+      <dgm:prSet presAssocID="{C70E5662-B979-4D1B-982A-3C9EBD9C77E0}" presName="vert1" presStyleCnt="0"/>
       <dgm:spPr/>
     </dgm:pt>
-    <dgm:pt modelId="{CFA0EFA0-3B85-4B44-9C0B-623ADA138AB7}" type="pres">
-      <dgm:prSet presAssocID="{A32E9175-4213-453E-87A0-6088BA3AE344}" presName="nodeText" presStyleLbl="bgAccFollowNode1" presStyleIdx="0" presStyleCnt="3">
-        <dgm:presLayoutVars>
-          <dgm:bulletEnabled val="1"/>
-        </dgm:presLayoutVars>
-      </dgm:prSet>
+    <dgm:pt modelId="{5CE32543-ED2E-354C-A5DB-C4808A5D8F27}" type="pres">
+      <dgm:prSet presAssocID="{7A5EE561-9A2B-4432-A563-61DF4F3E63B0}" presName="vertSpace2a" presStyleCnt="0"/>
       <dgm:spPr/>
     </dgm:pt>
-    <dgm:pt modelId="{26C355C4-3964-B943-9FED-A4D0C7625B46}" type="pres">
-      <dgm:prSet presAssocID="{D50EDB57-5321-4BBE-9E91-36516470E2DD}" presName="sibTrans" presStyleCnt="0"/>
+    <dgm:pt modelId="{A17A1727-2241-8C49-AFB9-6FF81050C087}" type="pres">
+      <dgm:prSet presAssocID="{7A5EE561-9A2B-4432-A563-61DF4F3E63B0}" presName="horz2" presStyleCnt="0"/>
       <dgm:spPr/>
     </dgm:pt>
-    <dgm:pt modelId="{97561E93-9332-724B-A388-C656A1850A34}" type="pres">
-      <dgm:prSet presAssocID="{A30080FA-D42C-4C40-AEFA-E9B51BF9E7F1}" presName="compositeNode" presStyleCnt="0">
-        <dgm:presLayoutVars>
-          <dgm:bulletEnabled val="1"/>
-        </dgm:presLayoutVars>
-      </dgm:prSet>
+    <dgm:pt modelId="{97B8020A-13C0-2D4B-9B44-1EBCED661ED3}" type="pres">
+      <dgm:prSet presAssocID="{7A5EE561-9A2B-4432-A563-61DF4F3E63B0}" presName="horzSpace2" presStyleCnt="0"/>
       <dgm:spPr/>
     </dgm:pt>
-    <dgm:pt modelId="{61E4DF41-61A2-0E4F-B1C8-687B3EA049CD}" type="pres">
-      <dgm:prSet presAssocID="{A30080FA-D42C-4C40-AEFA-E9B51BF9E7F1}" presName="bgRect" presStyleLbl="bgAccFollowNode1" presStyleIdx="1" presStyleCnt="3"/>
+    <dgm:pt modelId="{D4DAE844-5103-5E4B-9BA0-31652F8FB7F3}" type="pres">
+      <dgm:prSet presAssocID="{7A5EE561-9A2B-4432-A563-61DF4F3E63B0}" presName="tx2" presStyleLbl="revTx" presStyleIdx="1" presStyleCnt="6"/>
       <dgm:spPr/>
     </dgm:pt>
-    <dgm:pt modelId="{F30B9404-9A1B-E149-943F-A3030AFD37F6}" type="pres">
-      <dgm:prSet presAssocID="{BFF31220-9F82-4D6D-A3EA-742D4A885450}" presName="sibTransNodeCircle" presStyleLbl="alignNode1" presStyleIdx="2" presStyleCnt="6">
-        <dgm:presLayoutVars>
-          <dgm:chMax val="0"/>
-          <dgm:bulletEnabled/>
-        </dgm:presLayoutVars>
-      </dgm:prSet>
+    <dgm:pt modelId="{ABB5EABA-462E-1349-941A-0C85E0807A28}" type="pres">
+      <dgm:prSet presAssocID="{7A5EE561-9A2B-4432-A563-61DF4F3E63B0}" presName="vert2" presStyleCnt="0"/>
       <dgm:spPr/>
     </dgm:pt>
-    <dgm:pt modelId="{49193687-5F3B-C140-A529-F7B1D0357BC6}" type="pres">
-      <dgm:prSet presAssocID="{A30080FA-D42C-4C40-AEFA-E9B51BF9E7F1}" presName="bottomLine" presStyleLbl="alignNode1" presStyleIdx="3" presStyleCnt="6">
-        <dgm:presLayoutVars/>
-      </dgm:prSet>
+    <dgm:pt modelId="{5CCFC8C8-148D-2246-B3BA-E273CB72708D}" type="pres">
+      <dgm:prSet presAssocID="{7A5EE561-9A2B-4432-A563-61DF4F3E63B0}" presName="thinLine2b" presStyleLbl="callout" presStyleIdx="0" presStyleCnt="3"/>
       <dgm:spPr/>
     </dgm:pt>
-    <dgm:pt modelId="{54FED53B-293A-7B4E-8B76-115D509F2E56}" type="pres">
-      <dgm:prSet presAssocID="{A30080FA-D42C-4C40-AEFA-E9B51BF9E7F1}" presName="nodeText" presStyleLbl="bgAccFollowNode1" presStyleIdx="1" presStyleCnt="3">
-        <dgm:presLayoutVars>
-          <dgm:bulletEnabled val="1"/>
-        </dgm:presLayoutVars>
-      </dgm:prSet>
+    <dgm:pt modelId="{18D39510-9C9E-F644-A54A-981A7DFD4A3D}" type="pres">
+      <dgm:prSet presAssocID="{7A5EE561-9A2B-4432-A563-61DF4F3E63B0}" presName="vertSpace2b" presStyleCnt="0"/>
       <dgm:spPr/>
     </dgm:pt>
-    <dgm:pt modelId="{A3153A47-D8F2-844D-9AED-D180C02B5F07}" type="pres">
-      <dgm:prSet presAssocID="{BFF31220-9F82-4D6D-A3EA-742D4A885450}" presName="sibTrans" presStyleCnt="0"/>
+    <dgm:pt modelId="{A7CFC464-A456-DA4D-853B-94C2B9254F2B}" type="pres">
+      <dgm:prSet presAssocID="{5FB1F415-53B3-4D3A-A973-FD77B512B3C9}" presName="thickLine" presStyleLbl="alignNode1" presStyleIdx="1" presStyleCnt="3"/>
       <dgm:spPr/>
     </dgm:pt>
-    <dgm:pt modelId="{70EB7BE2-977F-0747-BEA1-E25973332F26}" type="pres">
-      <dgm:prSet presAssocID="{C18DAFFF-046D-483D-8AFE-41C6C5B9AA9E}" presName="compositeNode" presStyleCnt="0">
-        <dgm:presLayoutVars>
-          <dgm:bulletEnabled val="1"/>
-        </dgm:presLayoutVars>
-      </dgm:prSet>
+    <dgm:pt modelId="{1FCF2CD0-0CBB-0541-9FFB-F36A5F441B6A}" type="pres">
+      <dgm:prSet presAssocID="{5FB1F415-53B3-4D3A-A973-FD77B512B3C9}" presName="horz1" presStyleCnt="0"/>
       <dgm:spPr/>
     </dgm:pt>
-    <dgm:pt modelId="{31C6639C-2E1B-5F40-A1D6-DBCF951B5B10}" type="pres">
-      <dgm:prSet presAssocID="{C18DAFFF-046D-483D-8AFE-41C6C5B9AA9E}" presName="bgRect" presStyleLbl="bgAccFollowNode1" presStyleIdx="2" presStyleCnt="3"/>
+    <dgm:pt modelId="{86422520-0A57-A840-9B95-C95E4FA3EB0A}" type="pres">
+      <dgm:prSet presAssocID="{5FB1F415-53B3-4D3A-A973-FD77B512B3C9}" presName="tx1" presStyleLbl="revTx" presStyleIdx="2" presStyleCnt="6"/>
       <dgm:spPr/>
     </dgm:pt>
-    <dgm:pt modelId="{1D936A92-AFBC-7C4D-89C9-06F16AFFB7E8}" type="pres">
-      <dgm:prSet presAssocID="{46EF1517-ECA9-48D2-8095-4AA752B0B9BF}" presName="sibTransNodeCircle" presStyleLbl="alignNode1" presStyleIdx="4" presStyleCnt="6">
-        <dgm:presLayoutVars>
-          <dgm:chMax val="0"/>
-          <dgm:bulletEnabled/>
-        </dgm:presLayoutVars>
-      </dgm:prSet>
+    <dgm:pt modelId="{D3D40911-CE84-734B-BF9A-665F1F659F3D}" type="pres">
+      <dgm:prSet presAssocID="{5FB1F415-53B3-4D3A-A973-FD77B512B3C9}" presName="vert1" presStyleCnt="0"/>
       <dgm:spPr/>
     </dgm:pt>
-    <dgm:pt modelId="{F2F07765-F894-2E49-B747-250CCA122ACF}" type="pres">
-      <dgm:prSet presAssocID="{C18DAFFF-046D-483D-8AFE-41C6C5B9AA9E}" presName="bottomLine" presStyleLbl="alignNode1" presStyleIdx="5" presStyleCnt="6">
-        <dgm:presLayoutVars/>
-      </dgm:prSet>
+    <dgm:pt modelId="{0EDCD804-6201-E64B-8F80-D85AC6879FB7}" type="pres">
+      <dgm:prSet presAssocID="{4060774B-0DC2-4627-AB94-A2EDA23B6390}" presName="vertSpace2a" presStyleCnt="0"/>
       <dgm:spPr/>
     </dgm:pt>
-    <dgm:pt modelId="{4C98E392-1099-414D-A571-76E60EE4C140}" type="pres">
-      <dgm:prSet presAssocID="{C18DAFFF-046D-483D-8AFE-41C6C5B9AA9E}" presName="nodeText" presStyleLbl="bgAccFollowNode1" presStyleIdx="2" presStyleCnt="3">
-        <dgm:presLayoutVars>
-          <dgm:bulletEnabled val="1"/>
-        </dgm:presLayoutVars>
-      </dgm:prSet>
+    <dgm:pt modelId="{7B15B111-29F4-FD48-B0CB-DB03705ACA94}" type="pres">
+      <dgm:prSet presAssocID="{4060774B-0DC2-4627-AB94-A2EDA23B6390}" presName="horz2" presStyleCnt="0"/>
+      <dgm:spPr/>
+    </dgm:pt>
+    <dgm:pt modelId="{BA8FD29A-213D-074F-8EA3-E0D899A063E3}" type="pres">
+      <dgm:prSet presAssocID="{4060774B-0DC2-4627-AB94-A2EDA23B6390}" presName="horzSpace2" presStyleCnt="0"/>
+      <dgm:spPr/>
+    </dgm:pt>
+    <dgm:pt modelId="{C5D4B271-1079-EA46-9E06-507E84EE53B1}" type="pres">
+      <dgm:prSet presAssocID="{4060774B-0DC2-4627-AB94-A2EDA23B6390}" presName="tx2" presStyleLbl="revTx" presStyleIdx="3" presStyleCnt="6"/>
+      <dgm:spPr/>
+    </dgm:pt>
+    <dgm:pt modelId="{19A144B3-FEAC-B54E-9F80-435D781E129B}" type="pres">
+      <dgm:prSet presAssocID="{4060774B-0DC2-4627-AB94-A2EDA23B6390}" presName="vert2" presStyleCnt="0"/>
+      <dgm:spPr/>
+    </dgm:pt>
+    <dgm:pt modelId="{F603974E-3560-5041-822D-E2E74E3E6BFB}" type="pres">
+      <dgm:prSet presAssocID="{4060774B-0DC2-4627-AB94-A2EDA23B6390}" presName="thinLine2b" presStyleLbl="callout" presStyleIdx="1" presStyleCnt="3"/>
+      <dgm:spPr/>
+    </dgm:pt>
+    <dgm:pt modelId="{91352B8D-0C72-3148-8F40-FCBF1C0CEDFD}" type="pres">
+      <dgm:prSet presAssocID="{4060774B-0DC2-4627-AB94-A2EDA23B6390}" presName="vertSpace2b" presStyleCnt="0"/>
+      <dgm:spPr/>
+    </dgm:pt>
+    <dgm:pt modelId="{99C370AE-3F58-6E4E-8795-1A311FD422F8}" type="pres">
+      <dgm:prSet presAssocID="{DE059F6B-4005-4AE9-A61F-89B32C2EE044}" presName="thickLine" presStyleLbl="alignNode1" presStyleIdx="2" presStyleCnt="3"/>
+      <dgm:spPr/>
+    </dgm:pt>
+    <dgm:pt modelId="{6389860E-A968-BE45-A71F-92CE0AFA041F}" type="pres">
+      <dgm:prSet presAssocID="{DE059F6B-4005-4AE9-A61F-89B32C2EE044}" presName="horz1" presStyleCnt="0"/>
+      <dgm:spPr/>
+    </dgm:pt>
+    <dgm:pt modelId="{B5980DF1-244B-1349-847C-7A0669E55842}" type="pres">
+      <dgm:prSet presAssocID="{DE059F6B-4005-4AE9-A61F-89B32C2EE044}" presName="tx1" presStyleLbl="revTx" presStyleIdx="4" presStyleCnt="6"/>
+      <dgm:spPr/>
+    </dgm:pt>
+    <dgm:pt modelId="{C492CB1F-856E-E048-968D-6263B0F0B574}" type="pres">
+      <dgm:prSet presAssocID="{DE059F6B-4005-4AE9-A61F-89B32C2EE044}" presName="vert1" presStyleCnt="0"/>
+      <dgm:spPr/>
+    </dgm:pt>
+    <dgm:pt modelId="{EEFF8E81-8058-A842-86AF-E863B468DB5D}" type="pres">
+      <dgm:prSet presAssocID="{550C30C0-3F78-4580-892D-4A7E18AAE045}" presName="vertSpace2a" presStyleCnt="0"/>
+      <dgm:spPr/>
+    </dgm:pt>
+    <dgm:pt modelId="{E28F36BE-F357-694E-A5A2-887ED2B40FA1}" type="pres">
+      <dgm:prSet presAssocID="{550C30C0-3F78-4580-892D-4A7E18AAE045}" presName="horz2" presStyleCnt="0"/>
+      <dgm:spPr/>
+    </dgm:pt>
+    <dgm:pt modelId="{9A1D0F20-5CBB-5640-A9BD-E39C4F99E3A5}" type="pres">
+      <dgm:prSet presAssocID="{550C30C0-3F78-4580-892D-4A7E18AAE045}" presName="horzSpace2" presStyleCnt="0"/>
+      <dgm:spPr/>
+    </dgm:pt>
+    <dgm:pt modelId="{F7422584-9EEC-C54F-8CA4-A6F71FC18D33}" type="pres">
+      <dgm:prSet presAssocID="{550C30C0-3F78-4580-892D-4A7E18AAE045}" presName="tx2" presStyleLbl="revTx" presStyleIdx="5" presStyleCnt="6"/>
+      <dgm:spPr/>
+    </dgm:pt>
+    <dgm:pt modelId="{BF80D82F-DCE7-F941-AC9C-E6BEA1C54C09}" type="pres">
+      <dgm:prSet presAssocID="{550C30C0-3F78-4580-892D-4A7E18AAE045}" presName="vert2" presStyleCnt="0"/>
+      <dgm:spPr/>
+    </dgm:pt>
+    <dgm:pt modelId="{3DA6C3A0-8C5E-764F-BC99-3E5F0B3304DE}" type="pres">
+      <dgm:prSet presAssocID="{550C30C0-3F78-4580-892D-4A7E18AAE045}" presName="thinLine2b" presStyleLbl="callout" presStyleIdx="2" presStyleCnt="3"/>
+      <dgm:spPr/>
+    </dgm:pt>
+    <dgm:pt modelId="{3B957AC0-A376-7841-8080-9D763C060B52}" type="pres">
+      <dgm:prSet presAssocID="{550C30C0-3F78-4580-892D-4A7E18AAE045}" presName="vertSpace2b" presStyleCnt="0"/>
       <dgm:spPr/>
     </dgm:pt>
   </dgm:ptLst>
   <dgm:cxnLst>
-    <dgm:cxn modelId="{0E5F0903-68CC-F141-BAE4-E48E0B0E2B16}" type="presOf" srcId="{46EF1517-ECA9-48D2-8095-4AA752B0B9BF}" destId="{1D936A92-AFBC-7C4D-89C9-06F16AFFB7E8}" srcOrd="0" destOrd="0" presId="urn:microsoft.com/office/officeart/2016/7/layout/BasicLinearProcessNumbered"/>
-    <dgm:cxn modelId="{AA3B041B-1238-AE45-B784-7958B96911BC}" type="presOf" srcId="{A32E9175-4213-453E-87A0-6088BA3AE344}" destId="{CFA0EFA0-3B85-4B44-9C0B-623ADA138AB7}" srcOrd="1" destOrd="0" presId="urn:microsoft.com/office/officeart/2016/7/layout/BasicLinearProcessNumbered"/>
-    <dgm:cxn modelId="{AD33F022-6A4B-A04F-878A-47C9806BB7E0}" type="presOf" srcId="{C18DAFFF-046D-483D-8AFE-41C6C5B9AA9E}" destId="{4C98E392-1099-414D-A571-76E60EE4C140}" srcOrd="1" destOrd="0" presId="urn:microsoft.com/office/officeart/2016/7/layout/BasicLinearProcessNumbered"/>
-    <dgm:cxn modelId="{FF61783A-E7A9-4655-9DFE-4B0DF614A0D1}" srcId="{442B33D8-3850-4A47-A3C5-D78BD81418DB}" destId="{A32E9175-4213-453E-87A0-6088BA3AE344}" srcOrd="0" destOrd="0" parTransId="{A8059257-C44F-466B-A456-F6E166FFBF73}" sibTransId="{D50EDB57-5321-4BBE-9E91-36516470E2DD}"/>
-    <dgm:cxn modelId="{6B34B53A-45D5-AA4F-992D-056E195C8C25}" type="presOf" srcId="{D50EDB57-5321-4BBE-9E91-36516470E2DD}" destId="{2FB7EBAB-26FE-D647-8721-A1B0DD38C7D6}" srcOrd="0" destOrd="0" presId="urn:microsoft.com/office/officeart/2016/7/layout/BasicLinearProcessNumbered"/>
-    <dgm:cxn modelId="{1D54903C-CC8A-A94A-BABA-F2AD4C341AEA}" type="presOf" srcId="{442B33D8-3850-4A47-A3C5-D78BD81418DB}" destId="{66DCF7EC-30E6-B946-91CB-D6C50D1FE8E5}" srcOrd="0" destOrd="0" presId="urn:microsoft.com/office/officeart/2016/7/layout/BasicLinearProcessNumbered"/>
-    <dgm:cxn modelId="{4ED96B3E-3D4E-2044-8244-EA4D8A79FD1E}" type="presOf" srcId="{C18DAFFF-046D-483D-8AFE-41C6C5B9AA9E}" destId="{31C6639C-2E1B-5F40-A1D6-DBCF951B5B10}" srcOrd="0" destOrd="0" presId="urn:microsoft.com/office/officeart/2016/7/layout/BasicLinearProcessNumbered"/>
-    <dgm:cxn modelId="{B7C02046-50FC-744E-B7FF-459EF262F8FB}" type="presOf" srcId="{A30080FA-D42C-4C40-AEFA-E9B51BF9E7F1}" destId="{54FED53B-293A-7B4E-8B76-115D509F2E56}" srcOrd="1" destOrd="0" presId="urn:microsoft.com/office/officeart/2016/7/layout/BasicLinearProcessNumbered"/>
-    <dgm:cxn modelId="{4CAC384E-72CE-4CC1-8DE5-4313FBF321F2}" srcId="{442B33D8-3850-4A47-A3C5-D78BD81418DB}" destId="{A30080FA-D42C-4C40-AEFA-E9B51BF9E7F1}" srcOrd="1" destOrd="0" parTransId="{82B2C75E-1CE5-4CAD-8ADC-09705D7C7C3F}" sibTransId="{BFF31220-9F82-4D6D-A3EA-742D4A885450}"/>
-    <dgm:cxn modelId="{222FE4B1-C1E7-FF48-A218-F7B0A6BAFAF7}" type="presOf" srcId="{A32E9175-4213-453E-87A0-6088BA3AE344}" destId="{0245DAAB-0C46-8946-BD12-3B9BB675BA70}" srcOrd="0" destOrd="0" presId="urn:microsoft.com/office/officeart/2016/7/layout/BasicLinearProcessNumbered"/>
-    <dgm:cxn modelId="{9B9652B9-D861-5149-80F0-AC6009B9765F}" type="presOf" srcId="{BFF31220-9F82-4D6D-A3EA-742D4A885450}" destId="{F30B9404-9A1B-E149-943F-A3030AFD37F6}" srcOrd="0" destOrd="0" presId="urn:microsoft.com/office/officeart/2016/7/layout/BasicLinearProcessNumbered"/>
-    <dgm:cxn modelId="{099AC7DC-96FF-4B29-8FA3-DA6B992DE6E3}" srcId="{442B33D8-3850-4A47-A3C5-D78BD81418DB}" destId="{C18DAFFF-046D-483D-8AFE-41C6C5B9AA9E}" srcOrd="2" destOrd="0" parTransId="{91F26C24-4939-4EF9-B222-09A73185486C}" sibTransId="{46EF1517-ECA9-48D2-8095-4AA752B0B9BF}"/>
-    <dgm:cxn modelId="{71675FEE-8952-F94C-95BA-82FC8D9E9C5D}" type="presOf" srcId="{A30080FA-D42C-4C40-AEFA-E9B51BF9E7F1}" destId="{61E4DF41-61A2-0E4F-B1C8-687B3EA049CD}" srcOrd="0" destOrd="0" presId="urn:microsoft.com/office/officeart/2016/7/layout/BasicLinearProcessNumbered"/>
-    <dgm:cxn modelId="{B8DA7694-B588-4347-A6F7-237AC25B1515}" type="presParOf" srcId="{66DCF7EC-30E6-B946-91CB-D6C50D1FE8E5}" destId="{5F7FE5C8-9E1F-9F4F-99FA-9AB82ABFEAE0}" srcOrd="0" destOrd="0" presId="urn:microsoft.com/office/officeart/2016/7/layout/BasicLinearProcessNumbered"/>
-    <dgm:cxn modelId="{EB6B3EC7-66A7-7F41-863E-E7975414A154}" type="presParOf" srcId="{5F7FE5C8-9E1F-9F4F-99FA-9AB82ABFEAE0}" destId="{0245DAAB-0C46-8946-BD12-3B9BB675BA70}" srcOrd="0" destOrd="0" presId="urn:microsoft.com/office/officeart/2016/7/layout/BasicLinearProcessNumbered"/>
-    <dgm:cxn modelId="{1FCE2566-4858-2348-A27B-3FA83996D321}" type="presParOf" srcId="{5F7FE5C8-9E1F-9F4F-99FA-9AB82ABFEAE0}" destId="{2FB7EBAB-26FE-D647-8721-A1B0DD38C7D6}" srcOrd="1" destOrd="0" presId="urn:microsoft.com/office/officeart/2016/7/layout/BasicLinearProcessNumbered"/>
-    <dgm:cxn modelId="{7B156960-73CB-594C-9761-B5F4DEFF4C15}" type="presParOf" srcId="{5F7FE5C8-9E1F-9F4F-99FA-9AB82ABFEAE0}" destId="{22399FAE-6789-DD44-9F80-29ED4384E98B}" srcOrd="2" destOrd="0" presId="urn:microsoft.com/office/officeart/2016/7/layout/BasicLinearProcessNumbered"/>
-    <dgm:cxn modelId="{F4B6D157-1D98-D54E-914B-96B5E211A904}" type="presParOf" srcId="{5F7FE5C8-9E1F-9F4F-99FA-9AB82ABFEAE0}" destId="{CFA0EFA0-3B85-4B44-9C0B-623ADA138AB7}" srcOrd="3" destOrd="0" presId="urn:microsoft.com/office/officeart/2016/7/layout/BasicLinearProcessNumbered"/>
-    <dgm:cxn modelId="{5C5D2519-5F9D-FA4E-BADD-0B53DC6A27B2}" type="presParOf" srcId="{66DCF7EC-30E6-B946-91CB-D6C50D1FE8E5}" destId="{26C355C4-3964-B943-9FED-A4D0C7625B46}" srcOrd="1" destOrd="0" presId="urn:microsoft.com/office/officeart/2016/7/layout/BasicLinearProcessNumbered"/>
-    <dgm:cxn modelId="{A9FE4D54-6F57-6B48-9748-E24FF32DB08F}" type="presParOf" srcId="{66DCF7EC-30E6-B946-91CB-D6C50D1FE8E5}" destId="{97561E93-9332-724B-A388-C656A1850A34}" srcOrd="2" destOrd="0" presId="urn:microsoft.com/office/officeart/2016/7/layout/BasicLinearProcessNumbered"/>
-    <dgm:cxn modelId="{FC941FEE-9467-134F-8D2E-99F87DD3D786}" type="presParOf" srcId="{97561E93-9332-724B-A388-C656A1850A34}" destId="{61E4DF41-61A2-0E4F-B1C8-687B3EA049CD}" srcOrd="0" destOrd="0" presId="urn:microsoft.com/office/officeart/2016/7/layout/BasicLinearProcessNumbered"/>
-    <dgm:cxn modelId="{D1E74D17-7964-AA42-AC9C-374ECCC6A37A}" type="presParOf" srcId="{97561E93-9332-724B-A388-C656A1850A34}" destId="{F30B9404-9A1B-E149-943F-A3030AFD37F6}" srcOrd="1" destOrd="0" presId="urn:microsoft.com/office/officeart/2016/7/layout/BasicLinearProcessNumbered"/>
-    <dgm:cxn modelId="{1A806294-2926-BC49-89FF-97F095CC6DEC}" type="presParOf" srcId="{97561E93-9332-724B-A388-C656A1850A34}" destId="{49193687-5F3B-C140-A529-F7B1D0357BC6}" srcOrd="2" destOrd="0" presId="urn:microsoft.com/office/officeart/2016/7/layout/BasicLinearProcessNumbered"/>
-    <dgm:cxn modelId="{37F429BE-95B0-4A46-BDE0-645F1776764E}" type="presParOf" srcId="{97561E93-9332-724B-A388-C656A1850A34}" destId="{54FED53B-293A-7B4E-8B76-115D509F2E56}" srcOrd="3" destOrd="0" presId="urn:microsoft.com/office/officeart/2016/7/layout/BasicLinearProcessNumbered"/>
-    <dgm:cxn modelId="{F7C19501-6E8A-B449-B368-818B3DEE044A}" type="presParOf" srcId="{66DCF7EC-30E6-B946-91CB-D6C50D1FE8E5}" destId="{A3153A47-D8F2-844D-9AED-D180C02B5F07}" srcOrd="3" destOrd="0" presId="urn:microsoft.com/office/officeart/2016/7/layout/BasicLinearProcessNumbered"/>
-    <dgm:cxn modelId="{73380E06-611E-E043-9F1B-AC9A1120A860}" type="presParOf" srcId="{66DCF7EC-30E6-B946-91CB-D6C50D1FE8E5}" destId="{70EB7BE2-977F-0747-BEA1-E25973332F26}" srcOrd="4" destOrd="0" presId="urn:microsoft.com/office/officeart/2016/7/layout/BasicLinearProcessNumbered"/>
-    <dgm:cxn modelId="{821D6E7B-7ADA-7D47-95AC-0F85973A363A}" type="presParOf" srcId="{70EB7BE2-977F-0747-BEA1-E25973332F26}" destId="{31C6639C-2E1B-5F40-A1D6-DBCF951B5B10}" srcOrd="0" destOrd="0" presId="urn:microsoft.com/office/officeart/2016/7/layout/BasicLinearProcessNumbered"/>
-    <dgm:cxn modelId="{6B5D57AF-B5ED-464C-B312-8424853D68D1}" type="presParOf" srcId="{70EB7BE2-977F-0747-BEA1-E25973332F26}" destId="{1D936A92-AFBC-7C4D-89C9-06F16AFFB7E8}" srcOrd="1" destOrd="0" presId="urn:microsoft.com/office/officeart/2016/7/layout/BasicLinearProcessNumbered"/>
-    <dgm:cxn modelId="{6B32FAC8-8E86-F043-8FCF-61BACC805F8F}" type="presParOf" srcId="{70EB7BE2-977F-0747-BEA1-E25973332F26}" destId="{F2F07765-F894-2E49-B747-250CCA122ACF}" srcOrd="2" destOrd="0" presId="urn:microsoft.com/office/officeart/2016/7/layout/BasicLinearProcessNumbered"/>
-    <dgm:cxn modelId="{DEB892AB-20CA-7E4B-A437-20D65645A34D}" type="presParOf" srcId="{70EB7BE2-977F-0747-BEA1-E25973332F26}" destId="{4C98E392-1099-414D-A571-76E60EE4C140}" srcOrd="3" destOrd="0" presId="urn:microsoft.com/office/officeart/2016/7/layout/BasicLinearProcessNumbered"/>
+    <dgm:cxn modelId="{DD5A290C-CBF6-4B11-A4BA-3F80825036D2}" srcId="{DE059F6B-4005-4AE9-A61F-89B32C2EE044}" destId="{550C30C0-3F78-4580-892D-4A7E18AAE045}" srcOrd="0" destOrd="0" parTransId="{41D54C06-7F61-4771-951F-1EEA5C2A9B69}" sibTransId="{218BCABC-D2E4-4247-83F0-BDF64983460D}"/>
+    <dgm:cxn modelId="{8125431E-57FD-2B43-A33D-4088D077E6CB}" type="presOf" srcId="{5FB1F415-53B3-4D3A-A973-FD77B512B3C9}" destId="{86422520-0A57-A840-9B95-C95E4FA3EB0A}" srcOrd="0" destOrd="0" presId="urn:microsoft.com/office/officeart/2008/layout/LinedList"/>
+    <dgm:cxn modelId="{C662C22A-F798-4AB9-A75F-321BFB8733C1}" srcId="{C70E5662-B979-4D1B-982A-3C9EBD9C77E0}" destId="{7A5EE561-9A2B-4432-A563-61DF4F3E63B0}" srcOrd="0" destOrd="0" parTransId="{9BB3E649-830B-410A-ADC6-C87FBCE93BF5}" sibTransId="{55533A57-FB4F-4BC1-87E3-B4E3E4F2777C}"/>
+    <dgm:cxn modelId="{6AB10D63-DF71-EB42-AAD0-125418A27D69}" type="presOf" srcId="{550C30C0-3F78-4580-892D-4A7E18AAE045}" destId="{F7422584-9EEC-C54F-8CA4-A6F71FC18D33}" srcOrd="0" destOrd="0" presId="urn:microsoft.com/office/officeart/2008/layout/LinedList"/>
+    <dgm:cxn modelId="{5D807666-EA8F-F04A-AD5D-8220681E5CAE}" type="presOf" srcId="{7A5EE561-9A2B-4432-A563-61DF4F3E63B0}" destId="{D4DAE844-5103-5E4B-9BA0-31652F8FB7F3}" srcOrd="0" destOrd="0" presId="urn:microsoft.com/office/officeart/2008/layout/LinedList"/>
+    <dgm:cxn modelId="{9FBB957A-EB17-47A8-81CA-EA84B00C0145}" srcId="{F90425AB-01F0-44BF-9157-06BC906AD18B}" destId="{5FB1F415-53B3-4D3A-A973-FD77B512B3C9}" srcOrd="1" destOrd="0" parTransId="{CC0B6AA4-EB11-4A80-9EE8-7AF8BA34CE64}" sibTransId="{C5BBDE26-A614-4BF8-8A7F-BA4CC61BCCB4}"/>
+    <dgm:cxn modelId="{E5CB42A1-DB71-3D45-9294-6FB698502C19}" type="presOf" srcId="{DE059F6B-4005-4AE9-A61F-89B32C2EE044}" destId="{B5980DF1-244B-1349-847C-7A0669E55842}" srcOrd="0" destOrd="0" presId="urn:microsoft.com/office/officeart/2008/layout/LinedList"/>
+    <dgm:cxn modelId="{C554D0AA-EC32-4564-8FDE-5DAAB0B38B7F}" srcId="{F90425AB-01F0-44BF-9157-06BC906AD18B}" destId="{DE059F6B-4005-4AE9-A61F-89B32C2EE044}" srcOrd="2" destOrd="0" parTransId="{148AE6C7-6A17-4129-9F14-9A0D9C1E5789}" sibTransId="{FDE1BF89-644A-4F95-A395-45477F0894C7}"/>
+    <dgm:cxn modelId="{3E07DFB1-C635-794D-8A33-D156578587F7}" type="presOf" srcId="{F90425AB-01F0-44BF-9157-06BC906AD18B}" destId="{7A19CF94-27E1-4048-ACAA-0B6BBB7FAD04}" srcOrd="0" destOrd="0" presId="urn:microsoft.com/office/officeart/2008/layout/LinedList"/>
+    <dgm:cxn modelId="{257C4EB3-5B79-4E64-BB98-C6882F82776C}" srcId="{F90425AB-01F0-44BF-9157-06BC906AD18B}" destId="{C70E5662-B979-4D1B-982A-3C9EBD9C77E0}" srcOrd="0" destOrd="0" parTransId="{2E901A25-21B7-4B4A-BB76-19A407F22E77}" sibTransId="{E34E4FB0-90F5-441C-8215-D344C47E94FF}"/>
+    <dgm:cxn modelId="{B4B466BB-2CE1-0240-8457-6CF93B590C34}" type="presOf" srcId="{C70E5662-B979-4D1B-982A-3C9EBD9C77E0}" destId="{BE777D4D-081B-934C-9D12-FF773CB93243}" srcOrd="0" destOrd="0" presId="urn:microsoft.com/office/officeart/2008/layout/LinedList"/>
+    <dgm:cxn modelId="{142897D9-E005-384D-AF35-174B206EFC86}" type="presOf" srcId="{4060774B-0DC2-4627-AB94-A2EDA23B6390}" destId="{C5D4B271-1079-EA46-9E06-507E84EE53B1}" srcOrd="0" destOrd="0" presId="urn:microsoft.com/office/officeart/2008/layout/LinedList"/>
+    <dgm:cxn modelId="{DA15CCDC-53EB-4D01-B348-FCA8C4DD40F5}" srcId="{5FB1F415-53B3-4D3A-A973-FD77B512B3C9}" destId="{4060774B-0DC2-4627-AB94-A2EDA23B6390}" srcOrd="0" destOrd="0" parTransId="{81970A1F-F601-4976-BE84-2CA425E949FD}" sibTransId="{E0E40A42-E510-43CF-908E-CE26FA9A5977}"/>
+    <dgm:cxn modelId="{75917EF2-D6F0-324B-A3B0-58B705A48217}" type="presParOf" srcId="{7A19CF94-27E1-4048-ACAA-0B6BBB7FAD04}" destId="{7396E752-16AF-6948-B734-FA0ADC0DF483}" srcOrd="0" destOrd="0" presId="urn:microsoft.com/office/officeart/2008/layout/LinedList"/>
+    <dgm:cxn modelId="{2848B977-EE9A-6042-822E-8E55D9886976}" type="presParOf" srcId="{7A19CF94-27E1-4048-ACAA-0B6BBB7FAD04}" destId="{DF55988E-AF75-C449-8297-A6108F688022}" srcOrd="1" destOrd="0" presId="urn:microsoft.com/office/officeart/2008/layout/LinedList"/>
+    <dgm:cxn modelId="{743B853D-667A-A540-818F-14DD4056C4BD}" type="presParOf" srcId="{DF55988E-AF75-C449-8297-A6108F688022}" destId="{BE777D4D-081B-934C-9D12-FF773CB93243}" srcOrd="0" destOrd="0" presId="urn:microsoft.com/office/officeart/2008/layout/LinedList"/>
+    <dgm:cxn modelId="{B9AF240A-10EE-7340-A8C1-457F8C96CD7E}" type="presParOf" srcId="{DF55988E-AF75-C449-8297-A6108F688022}" destId="{C72FA427-2A95-3146-B8CB-F1B97657A520}" srcOrd="1" destOrd="0" presId="urn:microsoft.com/office/officeart/2008/layout/LinedList"/>
+    <dgm:cxn modelId="{BF484CBA-89A7-0849-A2B8-F4F6A732B52B}" type="presParOf" srcId="{C72FA427-2A95-3146-B8CB-F1B97657A520}" destId="{5CE32543-ED2E-354C-A5DB-C4808A5D8F27}" srcOrd="0" destOrd="0" presId="urn:microsoft.com/office/officeart/2008/layout/LinedList"/>
+    <dgm:cxn modelId="{E815BF50-558D-2D42-9920-1F6094F6BA17}" type="presParOf" srcId="{C72FA427-2A95-3146-B8CB-F1B97657A520}" destId="{A17A1727-2241-8C49-AFB9-6FF81050C087}" srcOrd="1" destOrd="0" presId="urn:microsoft.com/office/officeart/2008/layout/LinedList"/>
+    <dgm:cxn modelId="{76528E99-5B02-8C49-9A07-69CC9839CB3F}" type="presParOf" srcId="{A17A1727-2241-8C49-AFB9-6FF81050C087}" destId="{97B8020A-13C0-2D4B-9B44-1EBCED661ED3}" srcOrd="0" destOrd="0" presId="urn:microsoft.com/office/officeart/2008/layout/LinedList"/>
+    <dgm:cxn modelId="{EF2234A6-7713-134A-B73D-787174F58ECD}" type="presParOf" srcId="{A17A1727-2241-8C49-AFB9-6FF81050C087}" destId="{D4DAE844-5103-5E4B-9BA0-31652F8FB7F3}" srcOrd="1" destOrd="0" presId="urn:microsoft.com/office/officeart/2008/layout/LinedList"/>
+    <dgm:cxn modelId="{98ECA24C-BED8-FB43-ADE4-85D75DCB54F3}" type="presParOf" srcId="{A17A1727-2241-8C49-AFB9-6FF81050C087}" destId="{ABB5EABA-462E-1349-941A-0C85E0807A28}" srcOrd="2" destOrd="0" presId="urn:microsoft.com/office/officeart/2008/layout/LinedList"/>
+    <dgm:cxn modelId="{41223FB9-C461-EF4C-B724-6D0F7516885C}" type="presParOf" srcId="{C72FA427-2A95-3146-B8CB-F1B97657A520}" destId="{5CCFC8C8-148D-2246-B3BA-E273CB72708D}" srcOrd="2" destOrd="0" presId="urn:microsoft.com/office/officeart/2008/layout/LinedList"/>
+    <dgm:cxn modelId="{E50D032F-9E29-4B46-BE93-48D9D03C36A0}" type="presParOf" srcId="{C72FA427-2A95-3146-B8CB-F1B97657A520}" destId="{18D39510-9C9E-F644-A54A-981A7DFD4A3D}" srcOrd="3" destOrd="0" presId="urn:microsoft.com/office/officeart/2008/layout/LinedList"/>
+    <dgm:cxn modelId="{409D57ED-FC92-224E-870A-B8F4C287A68B}" type="presParOf" srcId="{7A19CF94-27E1-4048-ACAA-0B6BBB7FAD04}" destId="{A7CFC464-A456-DA4D-853B-94C2B9254F2B}" srcOrd="2" destOrd="0" presId="urn:microsoft.com/office/officeart/2008/layout/LinedList"/>
+    <dgm:cxn modelId="{824DC911-DA14-2F4E-AD73-8DD0605187CB}" type="presParOf" srcId="{7A19CF94-27E1-4048-ACAA-0B6BBB7FAD04}" destId="{1FCF2CD0-0CBB-0541-9FFB-F36A5F441B6A}" srcOrd="3" destOrd="0" presId="urn:microsoft.com/office/officeart/2008/layout/LinedList"/>
+    <dgm:cxn modelId="{4C890D7E-475B-FE43-AA25-C3C6AB9EB658}" type="presParOf" srcId="{1FCF2CD0-0CBB-0541-9FFB-F36A5F441B6A}" destId="{86422520-0A57-A840-9B95-C95E4FA3EB0A}" srcOrd="0" destOrd="0" presId="urn:microsoft.com/office/officeart/2008/layout/LinedList"/>
+    <dgm:cxn modelId="{01B59DC0-EF54-F242-B317-2003287C4155}" type="presParOf" srcId="{1FCF2CD0-0CBB-0541-9FFB-F36A5F441B6A}" destId="{D3D40911-CE84-734B-BF9A-665F1F659F3D}" srcOrd="1" destOrd="0" presId="urn:microsoft.com/office/officeart/2008/layout/LinedList"/>
+    <dgm:cxn modelId="{2BEC4D32-4348-A84D-ABFD-68B207857013}" type="presParOf" srcId="{D3D40911-CE84-734B-BF9A-665F1F659F3D}" destId="{0EDCD804-6201-E64B-8F80-D85AC6879FB7}" srcOrd="0" destOrd="0" presId="urn:microsoft.com/office/officeart/2008/layout/LinedList"/>
+    <dgm:cxn modelId="{9240267C-BF6C-5445-A4AD-44FFE7A8981C}" type="presParOf" srcId="{D3D40911-CE84-734B-BF9A-665F1F659F3D}" destId="{7B15B111-29F4-FD48-B0CB-DB03705ACA94}" srcOrd="1" destOrd="0" presId="urn:microsoft.com/office/officeart/2008/layout/LinedList"/>
+    <dgm:cxn modelId="{4F00BDE3-A171-094A-952F-E05D6B7DD87B}" type="presParOf" srcId="{7B15B111-29F4-FD48-B0CB-DB03705ACA94}" destId="{BA8FD29A-213D-074F-8EA3-E0D899A063E3}" srcOrd="0" destOrd="0" presId="urn:microsoft.com/office/officeart/2008/layout/LinedList"/>
+    <dgm:cxn modelId="{24F61030-4B41-E24B-9C01-FD37285F2C42}" type="presParOf" srcId="{7B15B111-29F4-FD48-B0CB-DB03705ACA94}" destId="{C5D4B271-1079-EA46-9E06-507E84EE53B1}" srcOrd="1" destOrd="0" presId="urn:microsoft.com/office/officeart/2008/layout/LinedList"/>
+    <dgm:cxn modelId="{C55EF2A1-4458-D440-8A5B-8CEEF06DAA72}" type="presParOf" srcId="{7B15B111-29F4-FD48-B0CB-DB03705ACA94}" destId="{19A144B3-FEAC-B54E-9F80-435D781E129B}" srcOrd="2" destOrd="0" presId="urn:microsoft.com/office/officeart/2008/layout/LinedList"/>
+    <dgm:cxn modelId="{6BAEE4A2-EDDA-A447-B275-C0588E63B799}" type="presParOf" srcId="{D3D40911-CE84-734B-BF9A-665F1F659F3D}" destId="{F603974E-3560-5041-822D-E2E74E3E6BFB}" srcOrd="2" destOrd="0" presId="urn:microsoft.com/office/officeart/2008/layout/LinedList"/>
+    <dgm:cxn modelId="{E5F37B31-BAF9-5249-B100-6779D3D868C9}" type="presParOf" srcId="{D3D40911-CE84-734B-BF9A-665F1F659F3D}" destId="{91352B8D-0C72-3148-8F40-FCBF1C0CEDFD}" srcOrd="3" destOrd="0" presId="urn:microsoft.com/office/officeart/2008/layout/LinedList"/>
+    <dgm:cxn modelId="{1F8A6B35-70FF-E04A-A5D7-51F90D79B1E1}" type="presParOf" srcId="{7A19CF94-27E1-4048-ACAA-0B6BBB7FAD04}" destId="{99C370AE-3F58-6E4E-8795-1A311FD422F8}" srcOrd="4" destOrd="0" presId="urn:microsoft.com/office/officeart/2008/layout/LinedList"/>
+    <dgm:cxn modelId="{6D60A052-4941-0C47-B37A-50BE8113B5EE}" type="presParOf" srcId="{7A19CF94-27E1-4048-ACAA-0B6BBB7FAD04}" destId="{6389860E-A968-BE45-A71F-92CE0AFA041F}" srcOrd="5" destOrd="0" presId="urn:microsoft.com/office/officeart/2008/layout/LinedList"/>
+    <dgm:cxn modelId="{F860F8FB-2EF3-3143-B553-DF232D5B1FCB}" type="presParOf" srcId="{6389860E-A968-BE45-A71F-92CE0AFA041F}" destId="{B5980DF1-244B-1349-847C-7A0669E55842}" srcOrd="0" destOrd="0" presId="urn:microsoft.com/office/officeart/2008/layout/LinedList"/>
+    <dgm:cxn modelId="{9AED1738-BDE2-AB4A-9B68-08B840B2C0BC}" type="presParOf" srcId="{6389860E-A968-BE45-A71F-92CE0AFA041F}" destId="{C492CB1F-856E-E048-968D-6263B0F0B574}" srcOrd="1" destOrd="0" presId="urn:microsoft.com/office/officeart/2008/layout/LinedList"/>
+    <dgm:cxn modelId="{F97E63E3-9D61-C649-8E31-3888098BCC96}" type="presParOf" srcId="{C492CB1F-856E-E048-968D-6263B0F0B574}" destId="{EEFF8E81-8058-A842-86AF-E863B468DB5D}" srcOrd="0" destOrd="0" presId="urn:microsoft.com/office/officeart/2008/layout/LinedList"/>
+    <dgm:cxn modelId="{98767393-2F4E-B542-AD46-3EE54EDC97A2}" type="presParOf" srcId="{C492CB1F-856E-E048-968D-6263B0F0B574}" destId="{E28F36BE-F357-694E-A5A2-887ED2B40FA1}" srcOrd="1" destOrd="0" presId="urn:microsoft.com/office/officeart/2008/layout/LinedList"/>
+    <dgm:cxn modelId="{F5F30C66-E6C2-C64A-BBD2-461DDC0AE779}" type="presParOf" srcId="{E28F36BE-F357-694E-A5A2-887ED2B40FA1}" destId="{9A1D0F20-5CBB-5640-A9BD-E39C4F99E3A5}" srcOrd="0" destOrd="0" presId="urn:microsoft.com/office/officeart/2008/layout/LinedList"/>
+    <dgm:cxn modelId="{7ABA79BD-A36B-D042-A7CE-E206E318E9CD}" type="presParOf" srcId="{E28F36BE-F357-694E-A5A2-887ED2B40FA1}" destId="{F7422584-9EEC-C54F-8CA4-A6F71FC18D33}" srcOrd="1" destOrd="0" presId="urn:microsoft.com/office/officeart/2008/layout/LinedList"/>
+    <dgm:cxn modelId="{914109BD-D8C9-EF40-9CEF-21AEAC978C4F}" type="presParOf" srcId="{E28F36BE-F357-694E-A5A2-887ED2B40FA1}" destId="{BF80D82F-DCE7-F941-AC9C-E6BEA1C54C09}" srcOrd="2" destOrd="0" presId="urn:microsoft.com/office/officeart/2008/layout/LinedList"/>
+    <dgm:cxn modelId="{44090208-F582-2548-814C-3D1697B0E193}" type="presParOf" srcId="{C492CB1F-856E-E048-968D-6263B0F0B574}" destId="{3DA6C3A0-8C5E-764F-BC99-3E5F0B3304DE}" srcOrd="2" destOrd="0" presId="urn:microsoft.com/office/officeart/2008/layout/LinedList"/>
+    <dgm:cxn modelId="{9421FD46-4159-5C45-9175-48576DC824A3}" type="presParOf" srcId="{C492CB1F-856E-E048-968D-6263B0F0B574}" destId="{3B957AC0-A376-7841-8080-9D763C060B52}" srcOrd="3" destOrd="0" presId="urn:microsoft.com/office/officeart/2008/layout/LinedList"/>
   </dgm:cxnLst>
   <dgm:bg/>
   <dgm:whole/>
@@ -1171,23 +1491,21 @@
       <dsp:cNvGrpSpPr/>
     </dsp:nvGrpSpPr>
     <dsp:grpSpPr/>
-    <dsp:sp modelId="{0245DAAB-0C46-8946-BD12-3B9BB675BA70}">
+    <dsp:sp modelId="{7396E752-16AF-6948-B734-FA0ADC0DF483}">
       <dsp:nvSpPr>
         <dsp:cNvPr id="0" name=""/>
         <dsp:cNvSpPr/>
       </dsp:nvSpPr>
       <dsp:spPr>
         <a:xfrm>
-          <a:off x="0" y="0"/>
-          <a:ext cx="3287675" cy="3678303"/>
+          <a:off x="0" y="2723"/>
+          <a:ext cx="6506304" cy="0"/>
         </a:xfrm>
-        <a:prstGeom prst="rect">
+        <a:prstGeom prst="line">
           <a:avLst/>
         </a:prstGeom>
         <a:solidFill>
-          <a:schemeClr val="accent1">
-            <a:alpha val="90000"/>
-            <a:tint val="40000"/>
+          <a:schemeClr val="accent2">
             <a:hueOff val="0"/>
             <a:satOff val="0"/>
             <a:lumOff val="0"/>
@@ -1196,161 +1514,7 @@
         </a:solidFill>
         <a:ln w="34925" cap="flat" cmpd="sng" algn="in">
           <a:solidFill>
-            <a:schemeClr val="accent1">
-              <a:alpha val="90000"/>
-              <a:tint val="40000"/>
-              <a:hueOff val="0"/>
-              <a:satOff val="0"/>
-              <a:lumOff val="0"/>
-              <a:alphaOff val="0"/>
-            </a:schemeClr>
-          </a:solidFill>
-          <a:prstDash val="solid"/>
-        </a:ln>
-        <a:effectLst/>
-      </dsp:spPr>
-      <dsp:style>
-        <a:lnRef idx="2">
-          <a:scrgbClr r="0" g="0" b="0"/>
-        </a:lnRef>
-        <a:fillRef idx="1">
-          <a:scrgbClr r="0" g="0" b="0"/>
-        </a:fillRef>
-        <a:effectRef idx="0">
-          <a:scrgbClr r="0" g="0" b="0"/>
-        </a:effectRef>
-        <a:fontRef idx="minor"/>
-      </dsp:style>
-      <dsp:txBody>
-        <a:bodyPr spcFirstLastPara="0" vert="horz" wrap="square" lIns="256320" tIns="330200" rIns="256320" bIns="330200" numCol="1" spcCol="1270" anchor="t" anchorCtr="0">
-          <a:noAutofit/>
-        </a:bodyPr>
-        <a:lstStyle/>
-        <a:p>
-          <a:pPr marL="0" lvl="0" indent="0" algn="l" defTabSz="844550">
-            <a:lnSpc>
-              <a:spcPct val="90000"/>
-            </a:lnSpc>
-            <a:spcBef>
-              <a:spcPct val="0"/>
-            </a:spcBef>
-            <a:spcAft>
-              <a:spcPct val="35000"/>
-            </a:spcAft>
-            <a:buNone/>
-          </a:pPr>
-          <a:r>
-            <a:rPr lang="en-US" sz="1900" kern="1200" dirty="0"/>
-            <a:t>Consider reallocating resources away from album art creation</a:t>
-          </a:r>
-        </a:p>
-      </dsp:txBody>
-      <dsp:txXfrm>
-        <a:off x="0" y="1397755"/>
-        <a:ext cx="3287675" cy="2206981"/>
-      </dsp:txXfrm>
-    </dsp:sp>
-    <dsp:sp modelId="{2FB7EBAB-26FE-D647-8721-A1B0DD38C7D6}">
-      <dsp:nvSpPr>
-        <dsp:cNvPr id="0" name=""/>
-        <dsp:cNvSpPr/>
-      </dsp:nvSpPr>
-      <dsp:spPr>
-        <a:xfrm>
-          <a:off x="1092092" y="367830"/>
-          <a:ext cx="1103490" cy="1103490"/>
-        </a:xfrm>
-        <a:prstGeom prst="ellipse">
-          <a:avLst/>
-        </a:prstGeom>
-        <a:solidFill>
-          <a:schemeClr val="accent1">
-            <a:hueOff val="0"/>
-            <a:satOff val="0"/>
-            <a:lumOff val="0"/>
-            <a:alphaOff val="0"/>
-          </a:schemeClr>
-        </a:solidFill>
-        <a:ln w="34925" cap="flat" cmpd="sng" algn="in">
-          <a:solidFill>
-            <a:schemeClr val="accent1">
-              <a:hueOff val="0"/>
-              <a:satOff val="0"/>
-              <a:lumOff val="0"/>
-              <a:alphaOff val="0"/>
-            </a:schemeClr>
-          </a:solidFill>
-          <a:prstDash val="solid"/>
-        </a:ln>
-        <a:effectLst/>
-      </dsp:spPr>
-      <dsp:style>
-        <a:lnRef idx="2">
-          <a:scrgbClr r="0" g="0" b="0"/>
-        </a:lnRef>
-        <a:fillRef idx="1">
-          <a:scrgbClr r="0" g="0" b="0"/>
-        </a:fillRef>
-        <a:effectRef idx="0">
-          <a:scrgbClr r="0" g="0" b="0"/>
-        </a:effectRef>
-        <a:fontRef idx="minor">
-          <a:schemeClr val="lt1"/>
-        </a:fontRef>
-      </dsp:style>
-      <dsp:txBody>
-        <a:bodyPr spcFirstLastPara="0" vert="horz" wrap="square" lIns="86032" tIns="12700" rIns="86032" bIns="12700" numCol="1" spcCol="1270" anchor="ctr" anchorCtr="0">
-          <a:noAutofit/>
-        </a:bodyPr>
-        <a:lstStyle/>
-        <a:p>
-          <a:pPr marL="0" lvl="0" indent="0" algn="ctr" defTabSz="2133600">
-            <a:lnSpc>
-              <a:spcPct val="90000"/>
-            </a:lnSpc>
-            <a:spcBef>
-              <a:spcPct val="0"/>
-            </a:spcBef>
-            <a:spcAft>
-              <a:spcPct val="35000"/>
-            </a:spcAft>
-            <a:buNone/>
-          </a:pPr>
-          <a:r>
-            <a:rPr lang="en-US" sz="4800" kern="1200" dirty="0"/>
-            <a:t>1</a:t>
-          </a:r>
-        </a:p>
-      </dsp:txBody>
-      <dsp:txXfrm>
-        <a:off x="1253694" y="529432"/>
-        <a:ext cx="780286" cy="780286"/>
-      </dsp:txXfrm>
-    </dsp:sp>
-    <dsp:sp modelId="{22399FAE-6789-DD44-9F80-29ED4384E98B}">
-      <dsp:nvSpPr>
-        <dsp:cNvPr id="0" name=""/>
-        <dsp:cNvSpPr/>
-      </dsp:nvSpPr>
-      <dsp:spPr>
-        <a:xfrm>
-          <a:off x="0" y="3678231"/>
-          <a:ext cx="3287675" cy="72"/>
-        </a:xfrm>
-        <a:prstGeom prst="rect">
-          <a:avLst/>
-        </a:prstGeom>
-        <a:solidFill>
-          <a:schemeClr val="accent1">
-            <a:hueOff val="0"/>
-            <a:satOff val="0"/>
-            <a:lumOff val="0"/>
-            <a:alphaOff val="0"/>
-          </a:schemeClr>
-        </a:solidFill>
-        <a:ln w="34925" cap="flat" cmpd="sng" algn="in">
-          <a:solidFill>
-            <a:schemeClr val="accent1">
+            <a:schemeClr val="accent2">
               <a:hueOff val="0"/>
               <a:satOff val="0"/>
               <a:lumOff val="0"/>
@@ -1376,23 +1540,146 @@
         </a:fontRef>
       </dsp:style>
     </dsp:sp>
-    <dsp:sp modelId="{61E4DF41-61A2-0E4F-B1C8-687B3EA049CD}">
+    <dsp:sp modelId="{BE777D4D-081B-934C-9D12-FF773CB93243}">
       <dsp:nvSpPr>
         <dsp:cNvPr id="0" name=""/>
         <dsp:cNvSpPr/>
       </dsp:nvSpPr>
       <dsp:spPr>
         <a:xfrm>
-          <a:off x="3616443" y="0"/>
-          <a:ext cx="3287675" cy="3678303"/>
+          <a:off x="0" y="2723"/>
+          <a:ext cx="1301260" cy="1857464"/>
         </a:xfrm>
         <a:prstGeom prst="rect">
           <a:avLst/>
         </a:prstGeom>
+        <a:noFill/>
+        <a:ln>
+          <a:noFill/>
+        </a:ln>
+        <a:effectLst/>
+      </dsp:spPr>
+      <dsp:style>
+        <a:lnRef idx="0">
+          <a:scrgbClr r="0" g="0" b="0"/>
+        </a:lnRef>
+        <a:fillRef idx="0">
+          <a:scrgbClr r="0" g="0" b="0"/>
+        </a:fillRef>
+        <a:effectRef idx="0">
+          <a:scrgbClr r="0" g="0" b="0"/>
+        </a:effectRef>
+        <a:fontRef idx="minor"/>
+      </dsp:style>
+      <dsp:txBody>
+        <a:bodyPr spcFirstLastPara="0" vert="horz" wrap="square" lIns="247650" tIns="247650" rIns="247650" bIns="247650" numCol="1" spcCol="1270" anchor="t" anchorCtr="0">
+          <a:noAutofit/>
+        </a:bodyPr>
+        <a:lstStyle/>
+        <a:p>
+          <a:pPr marL="0" lvl="0" indent="0" algn="l" defTabSz="2889250">
+            <a:lnSpc>
+              <a:spcPct val="90000"/>
+            </a:lnSpc>
+            <a:spcBef>
+              <a:spcPct val="0"/>
+            </a:spcBef>
+            <a:spcAft>
+              <a:spcPct val="35000"/>
+            </a:spcAft>
+            <a:buNone/>
+          </a:pPr>
+          <a:endParaRPr lang="en-US" sz="6500" kern="1200" dirty="0"/>
+        </a:p>
+      </dsp:txBody>
+      <dsp:txXfrm>
+        <a:off x="0" y="2723"/>
+        <a:ext cx="1301260" cy="1857464"/>
+      </dsp:txXfrm>
+    </dsp:sp>
+    <dsp:sp modelId="{D4DAE844-5103-5E4B-9BA0-31652F8FB7F3}">
+      <dsp:nvSpPr>
+        <dsp:cNvPr id="0" name=""/>
+        <dsp:cNvSpPr/>
+      </dsp:nvSpPr>
+      <dsp:spPr>
+        <a:xfrm>
+          <a:off x="1398855" y="87071"/>
+          <a:ext cx="5107448" cy="1686954"/>
+        </a:xfrm>
+        <a:prstGeom prst="rect">
+          <a:avLst/>
+        </a:prstGeom>
+        <a:noFill/>
+        <a:ln>
+          <a:noFill/>
+        </a:ln>
+        <a:effectLst/>
+      </dsp:spPr>
+      <dsp:style>
+        <a:lnRef idx="0">
+          <a:scrgbClr r="0" g="0" b="0"/>
+        </a:lnRef>
+        <a:fillRef idx="0">
+          <a:scrgbClr r="0" g="0" b="0"/>
+        </a:fillRef>
+        <a:effectRef idx="0">
+          <a:scrgbClr r="0" g="0" b="0"/>
+        </a:effectRef>
+        <a:fontRef idx="minor"/>
+      </dsp:style>
+      <dsp:txBody>
+        <a:bodyPr spcFirstLastPara="0" vert="horz" wrap="square" lIns="91440" tIns="91440" rIns="91440" bIns="91440" numCol="1" spcCol="1270" anchor="ctr" anchorCtr="0">
+          <a:noAutofit/>
+        </a:bodyPr>
+        <a:lstStyle/>
+        <a:p>
+          <a:pPr marL="0" lvl="0" indent="0" algn="l" defTabSz="1066800">
+            <a:lnSpc>
+              <a:spcPct val="90000"/>
+            </a:lnSpc>
+            <a:spcBef>
+              <a:spcPct val="0"/>
+            </a:spcBef>
+            <a:spcAft>
+              <a:spcPct val="35000"/>
+            </a:spcAft>
+            <a:buNone/>
+          </a:pPr>
+          <a:r>
+            <a:rPr lang="en-US" sz="2400" kern="1200" dirty="0"/>
+            <a:t>Consider </a:t>
+          </a:r>
+          <a:r>
+            <a:rPr lang="en-US" sz="2400" b="1" kern="1200" dirty="0"/>
+            <a:t>reallocating resources away from album art creation</a:t>
+          </a:r>
+          <a:r>
+            <a:rPr lang="en-US" sz="2400" kern="1200" dirty="0"/>
+            <a:t>, as artwork style doesn’t seem to affect popularity</a:t>
+          </a:r>
+        </a:p>
+      </dsp:txBody>
+      <dsp:txXfrm>
+        <a:off x="1398855" y="87071"/>
+        <a:ext cx="5107448" cy="1686954"/>
+      </dsp:txXfrm>
+    </dsp:sp>
+    <dsp:sp modelId="{5CCFC8C8-148D-2246-B3BA-E273CB72708D}">
+      <dsp:nvSpPr>
+        <dsp:cNvPr id="0" name=""/>
+        <dsp:cNvSpPr/>
+      </dsp:nvSpPr>
+      <dsp:spPr>
+        <a:xfrm>
+          <a:off x="1301260" y="1774026"/>
+          <a:ext cx="5205043" cy="0"/>
+        </a:xfrm>
+        <a:prstGeom prst="line">
+          <a:avLst/>
+        </a:prstGeom>
         <a:solidFill>
-          <a:schemeClr val="accent1">
-            <a:alpha val="90000"/>
-            <a:tint val="40000"/>
+          <a:schemeClr val="accent2">
             <a:hueOff val="0"/>
             <a:satOff val="0"/>
             <a:lumOff val="0"/>
@@ -1401,9 +1688,8 @@
         </a:solidFill>
         <a:ln w="34925" cap="flat" cmpd="sng" algn="in">
           <a:solidFill>
-            <a:schemeClr val="accent1">
-              <a:alpha val="90000"/>
-              <a:tint val="40000"/>
+            <a:schemeClr val="accent2">
+              <a:tint val="50000"/>
               <a:hueOff val="0"/>
               <a:satOff val="0"/>
               <a:lumOff val="0"/>
@@ -1426,50 +1712,22 @@
         </a:effectRef>
         <a:fontRef idx="minor"/>
       </dsp:style>
-      <dsp:txBody>
-        <a:bodyPr spcFirstLastPara="0" vert="horz" wrap="square" lIns="256320" tIns="330200" rIns="256320" bIns="330200" numCol="1" spcCol="1270" anchor="t" anchorCtr="0">
-          <a:noAutofit/>
-        </a:bodyPr>
-        <a:lstStyle/>
-        <a:p>
-          <a:pPr marL="0" lvl="0" indent="0" algn="l" defTabSz="844550">
-            <a:lnSpc>
-              <a:spcPct val="90000"/>
-            </a:lnSpc>
-            <a:spcBef>
-              <a:spcPct val="0"/>
-            </a:spcBef>
-            <a:spcAft>
-              <a:spcPct val="35000"/>
-            </a:spcAft>
-            <a:buNone/>
-          </a:pPr>
-          <a:r>
-            <a:rPr lang="en-US" sz="1900" kern="1200" dirty="0"/>
-            <a:t>Commission a study on album / track name to understand effect on Spotify popularity</a:t>
-          </a:r>
-        </a:p>
-      </dsp:txBody>
-      <dsp:txXfrm>
-        <a:off x="3616443" y="1397755"/>
-        <a:ext cx="3287675" cy="2206981"/>
-      </dsp:txXfrm>
     </dsp:sp>
-    <dsp:sp modelId="{F30B9404-9A1B-E149-943F-A3030AFD37F6}">
+    <dsp:sp modelId="{A7CFC464-A456-DA4D-853B-94C2B9254F2B}">
       <dsp:nvSpPr>
         <dsp:cNvPr id="0" name=""/>
         <dsp:cNvSpPr/>
       </dsp:nvSpPr>
       <dsp:spPr>
         <a:xfrm>
-          <a:off x="4708536" y="367830"/>
-          <a:ext cx="1103490" cy="1103490"/>
+          <a:off x="0" y="1860187"/>
+          <a:ext cx="6506304" cy="0"/>
         </a:xfrm>
-        <a:prstGeom prst="ellipse">
+        <a:prstGeom prst="line">
           <a:avLst/>
         </a:prstGeom>
         <a:solidFill>
-          <a:schemeClr val="accent1">
+          <a:schemeClr val="accent3">
             <a:hueOff val="0"/>
             <a:satOff val="0"/>
             <a:lumOff val="0"/>
@@ -1478,84 +1736,7 @@
         </a:solidFill>
         <a:ln w="34925" cap="flat" cmpd="sng" algn="in">
           <a:solidFill>
-            <a:schemeClr val="accent1">
-              <a:hueOff val="0"/>
-              <a:satOff val="0"/>
-              <a:lumOff val="0"/>
-              <a:alphaOff val="0"/>
-            </a:schemeClr>
-          </a:solidFill>
-          <a:prstDash val="solid"/>
-        </a:ln>
-        <a:effectLst/>
-      </dsp:spPr>
-      <dsp:style>
-        <a:lnRef idx="2">
-          <a:scrgbClr r="0" g="0" b="0"/>
-        </a:lnRef>
-        <a:fillRef idx="1">
-          <a:scrgbClr r="0" g="0" b="0"/>
-        </a:fillRef>
-        <a:effectRef idx="0">
-          <a:scrgbClr r="0" g="0" b="0"/>
-        </a:effectRef>
-        <a:fontRef idx="minor">
-          <a:schemeClr val="lt1"/>
-        </a:fontRef>
-      </dsp:style>
-      <dsp:txBody>
-        <a:bodyPr spcFirstLastPara="0" vert="horz" wrap="square" lIns="86032" tIns="12700" rIns="86032" bIns="12700" numCol="1" spcCol="1270" anchor="ctr" anchorCtr="0">
-          <a:noAutofit/>
-        </a:bodyPr>
-        <a:lstStyle/>
-        <a:p>
-          <a:pPr marL="0" lvl="0" indent="0" algn="ctr" defTabSz="2133600">
-            <a:lnSpc>
-              <a:spcPct val="90000"/>
-            </a:lnSpc>
-            <a:spcBef>
-              <a:spcPct val="0"/>
-            </a:spcBef>
-            <a:spcAft>
-              <a:spcPct val="35000"/>
-            </a:spcAft>
-            <a:buNone/>
-          </a:pPr>
-          <a:r>
-            <a:rPr lang="en-US" sz="4800" kern="1200" dirty="0"/>
-            <a:t>2</a:t>
-          </a:r>
-        </a:p>
-      </dsp:txBody>
-      <dsp:txXfrm>
-        <a:off x="4870138" y="529432"/>
-        <a:ext cx="780286" cy="780286"/>
-      </dsp:txXfrm>
-    </dsp:sp>
-    <dsp:sp modelId="{49193687-5F3B-C140-A529-F7B1D0357BC6}">
-      <dsp:nvSpPr>
-        <dsp:cNvPr id="0" name=""/>
-        <dsp:cNvSpPr/>
-      </dsp:nvSpPr>
-      <dsp:spPr>
-        <a:xfrm>
-          <a:off x="3616443" y="3678231"/>
-          <a:ext cx="3287675" cy="72"/>
-        </a:xfrm>
-        <a:prstGeom prst="rect">
-          <a:avLst/>
-        </a:prstGeom>
-        <a:solidFill>
-          <a:schemeClr val="accent1">
-            <a:hueOff val="0"/>
-            <a:satOff val="0"/>
-            <a:lumOff val="0"/>
-            <a:alphaOff val="0"/>
-          </a:schemeClr>
-        </a:solidFill>
-        <a:ln w="34925" cap="flat" cmpd="sng" algn="in">
-          <a:solidFill>
-            <a:schemeClr val="accent1">
+            <a:schemeClr val="accent3">
               <a:hueOff val="0"/>
               <a:satOff val="0"/>
               <a:lumOff val="0"/>
@@ -1581,23 +1762,142 @@
         </a:fontRef>
       </dsp:style>
     </dsp:sp>
-    <dsp:sp modelId="{31C6639C-2E1B-5F40-A1D6-DBCF951B5B10}">
+    <dsp:sp modelId="{86422520-0A57-A840-9B95-C95E4FA3EB0A}">
       <dsp:nvSpPr>
         <dsp:cNvPr id="0" name=""/>
         <dsp:cNvSpPr/>
       </dsp:nvSpPr>
       <dsp:spPr>
         <a:xfrm>
-          <a:off x="7232887" y="0"/>
-          <a:ext cx="3287675" cy="3678303"/>
+          <a:off x="0" y="1860187"/>
+          <a:ext cx="1301260" cy="1857464"/>
         </a:xfrm>
         <a:prstGeom prst="rect">
           <a:avLst/>
         </a:prstGeom>
+        <a:noFill/>
+        <a:ln>
+          <a:noFill/>
+        </a:ln>
+        <a:effectLst/>
+      </dsp:spPr>
+      <dsp:style>
+        <a:lnRef idx="0">
+          <a:scrgbClr r="0" g="0" b="0"/>
+        </a:lnRef>
+        <a:fillRef idx="0">
+          <a:scrgbClr r="0" g="0" b="0"/>
+        </a:fillRef>
+        <a:effectRef idx="0">
+          <a:scrgbClr r="0" g="0" b="0"/>
+        </a:effectRef>
+        <a:fontRef idx="minor"/>
+      </dsp:style>
+      <dsp:txBody>
+        <a:bodyPr spcFirstLastPara="0" vert="horz" wrap="square" lIns="247650" tIns="247650" rIns="247650" bIns="247650" numCol="1" spcCol="1270" anchor="t" anchorCtr="0">
+          <a:noAutofit/>
+        </a:bodyPr>
+        <a:lstStyle/>
+        <a:p>
+          <a:pPr marL="0" lvl="0" indent="0" algn="l" defTabSz="2889250">
+            <a:lnSpc>
+              <a:spcPct val="90000"/>
+            </a:lnSpc>
+            <a:spcBef>
+              <a:spcPct val="0"/>
+            </a:spcBef>
+            <a:spcAft>
+              <a:spcPct val="35000"/>
+            </a:spcAft>
+            <a:buNone/>
+          </a:pPr>
+          <a:endParaRPr lang="en-US" sz="6500" kern="1200" dirty="0"/>
+        </a:p>
+      </dsp:txBody>
+      <dsp:txXfrm>
+        <a:off x="0" y="1860187"/>
+        <a:ext cx="1301260" cy="1857464"/>
+      </dsp:txXfrm>
+    </dsp:sp>
+    <dsp:sp modelId="{C5D4B271-1079-EA46-9E06-507E84EE53B1}">
+      <dsp:nvSpPr>
+        <dsp:cNvPr id="0" name=""/>
+        <dsp:cNvSpPr/>
+      </dsp:nvSpPr>
+      <dsp:spPr>
+        <a:xfrm>
+          <a:off x="1398855" y="1944535"/>
+          <a:ext cx="5107448" cy="1686954"/>
+        </a:xfrm>
+        <a:prstGeom prst="rect">
+          <a:avLst/>
+        </a:prstGeom>
+        <a:noFill/>
+        <a:ln>
+          <a:noFill/>
+        </a:ln>
+        <a:effectLst/>
+      </dsp:spPr>
+      <dsp:style>
+        <a:lnRef idx="0">
+          <a:scrgbClr r="0" g="0" b="0"/>
+        </a:lnRef>
+        <a:fillRef idx="0">
+          <a:scrgbClr r="0" g="0" b="0"/>
+        </a:fillRef>
+        <a:effectRef idx="0">
+          <a:scrgbClr r="0" g="0" b="0"/>
+        </a:effectRef>
+        <a:fontRef idx="minor"/>
+      </dsp:style>
+      <dsp:txBody>
+        <a:bodyPr spcFirstLastPara="0" vert="horz" wrap="square" lIns="91440" tIns="91440" rIns="91440" bIns="91440" numCol="1" spcCol="1270" anchor="ctr" anchorCtr="0">
+          <a:noAutofit/>
+        </a:bodyPr>
+        <a:lstStyle/>
+        <a:p>
+          <a:pPr marL="0" lvl="0" indent="0" algn="l" defTabSz="1066800">
+            <a:lnSpc>
+              <a:spcPct val="90000"/>
+            </a:lnSpc>
+            <a:spcBef>
+              <a:spcPct val="0"/>
+            </a:spcBef>
+            <a:spcAft>
+              <a:spcPct val="35000"/>
+            </a:spcAft>
+            <a:buNone/>
+          </a:pPr>
+          <a:r>
+            <a:rPr lang="en-US" sz="2400" kern="1200" dirty="0"/>
+            <a:t>Commission a study on album and/or song name to </a:t>
+          </a:r>
+          <a:r>
+            <a:rPr lang="en-US" sz="2400" b="1" kern="1200" dirty="0"/>
+            <a:t>understand naming effect on Spotify popularity</a:t>
+          </a:r>
+        </a:p>
+      </dsp:txBody>
+      <dsp:txXfrm>
+        <a:off x="1398855" y="1944535"/>
+        <a:ext cx="5107448" cy="1686954"/>
+      </dsp:txXfrm>
+    </dsp:sp>
+    <dsp:sp modelId="{F603974E-3560-5041-822D-E2E74E3E6BFB}">
+      <dsp:nvSpPr>
+        <dsp:cNvPr id="0" name=""/>
+        <dsp:cNvSpPr/>
+      </dsp:nvSpPr>
+      <dsp:spPr>
+        <a:xfrm>
+          <a:off x="1301260" y="3631490"/>
+          <a:ext cx="5205043" cy="0"/>
+        </a:xfrm>
+        <a:prstGeom prst="line">
+          <a:avLst/>
+        </a:prstGeom>
         <a:solidFill>
-          <a:schemeClr val="accent1">
-            <a:alpha val="90000"/>
-            <a:tint val="40000"/>
+          <a:schemeClr val="accent2">
             <a:hueOff val="0"/>
             <a:satOff val="0"/>
             <a:lumOff val="0"/>
@@ -1606,9 +1906,8 @@
         </a:solidFill>
         <a:ln w="34925" cap="flat" cmpd="sng" algn="in">
           <a:solidFill>
-            <a:schemeClr val="accent1">
-              <a:alpha val="90000"/>
-              <a:tint val="40000"/>
+            <a:schemeClr val="accent2">
+              <a:tint val="50000"/>
               <a:hueOff val="0"/>
               <a:satOff val="0"/>
               <a:lumOff val="0"/>
@@ -1631,50 +1930,22 @@
         </a:effectRef>
         <a:fontRef idx="minor"/>
       </dsp:style>
-      <dsp:txBody>
-        <a:bodyPr spcFirstLastPara="0" vert="horz" wrap="square" lIns="256320" tIns="330200" rIns="256320" bIns="330200" numCol="1" spcCol="1270" anchor="t" anchorCtr="0">
-          <a:noAutofit/>
-        </a:bodyPr>
-        <a:lstStyle/>
-        <a:p>
-          <a:pPr marL="0" lvl="0" indent="0" algn="l" defTabSz="844550">
-            <a:lnSpc>
-              <a:spcPct val="90000"/>
-            </a:lnSpc>
-            <a:spcBef>
-              <a:spcPct val="0"/>
-            </a:spcBef>
-            <a:spcAft>
-              <a:spcPct val="35000"/>
-            </a:spcAft>
-            <a:buNone/>
-          </a:pPr>
-          <a:r>
-            <a:rPr lang="en-US" sz="1900" kern="1200" dirty="0"/>
-            <a:t>If artwork is crucial for album, consider other means of distribution outside of Spotify, as users don’t seem engaged with it </a:t>
-          </a:r>
-        </a:p>
-      </dsp:txBody>
-      <dsp:txXfrm>
-        <a:off x="7232887" y="1397755"/>
-        <a:ext cx="3287675" cy="2206981"/>
-      </dsp:txXfrm>
     </dsp:sp>
-    <dsp:sp modelId="{1D936A92-AFBC-7C4D-89C9-06F16AFFB7E8}">
+    <dsp:sp modelId="{99C370AE-3F58-6E4E-8795-1A311FD422F8}">
       <dsp:nvSpPr>
         <dsp:cNvPr id="0" name=""/>
         <dsp:cNvSpPr/>
       </dsp:nvSpPr>
       <dsp:spPr>
         <a:xfrm>
-          <a:off x="8324979" y="367830"/>
-          <a:ext cx="1103490" cy="1103490"/>
+          <a:off x="0" y="3717652"/>
+          <a:ext cx="6506304" cy="0"/>
         </a:xfrm>
-        <a:prstGeom prst="ellipse">
+        <a:prstGeom prst="line">
           <a:avLst/>
         </a:prstGeom>
         <a:solidFill>
-          <a:schemeClr val="accent1">
+          <a:schemeClr val="accent4">
             <a:hueOff val="0"/>
             <a:satOff val="0"/>
             <a:lumOff val="0"/>
@@ -1683,84 +1954,7 @@
         </a:solidFill>
         <a:ln w="34925" cap="flat" cmpd="sng" algn="in">
           <a:solidFill>
-            <a:schemeClr val="accent1">
-              <a:hueOff val="0"/>
-              <a:satOff val="0"/>
-              <a:lumOff val="0"/>
-              <a:alphaOff val="0"/>
-            </a:schemeClr>
-          </a:solidFill>
-          <a:prstDash val="solid"/>
-        </a:ln>
-        <a:effectLst/>
-      </dsp:spPr>
-      <dsp:style>
-        <a:lnRef idx="2">
-          <a:scrgbClr r="0" g="0" b="0"/>
-        </a:lnRef>
-        <a:fillRef idx="1">
-          <a:scrgbClr r="0" g="0" b="0"/>
-        </a:fillRef>
-        <a:effectRef idx="0">
-          <a:scrgbClr r="0" g="0" b="0"/>
-        </a:effectRef>
-        <a:fontRef idx="minor">
-          <a:schemeClr val="lt1"/>
-        </a:fontRef>
-      </dsp:style>
-      <dsp:txBody>
-        <a:bodyPr spcFirstLastPara="0" vert="horz" wrap="square" lIns="86032" tIns="12700" rIns="86032" bIns="12700" numCol="1" spcCol="1270" anchor="ctr" anchorCtr="0">
-          <a:noAutofit/>
-        </a:bodyPr>
-        <a:lstStyle/>
-        <a:p>
-          <a:pPr marL="0" lvl="0" indent="0" algn="ctr" defTabSz="2133600">
-            <a:lnSpc>
-              <a:spcPct val="90000"/>
-            </a:lnSpc>
-            <a:spcBef>
-              <a:spcPct val="0"/>
-            </a:spcBef>
-            <a:spcAft>
-              <a:spcPct val="35000"/>
-            </a:spcAft>
-            <a:buNone/>
-          </a:pPr>
-          <a:r>
-            <a:rPr lang="en-US" sz="4800" kern="1200"/>
-            <a:t>3</a:t>
-          </a:r>
-        </a:p>
-      </dsp:txBody>
-      <dsp:txXfrm>
-        <a:off x="8486581" y="529432"/>
-        <a:ext cx="780286" cy="780286"/>
-      </dsp:txXfrm>
-    </dsp:sp>
-    <dsp:sp modelId="{F2F07765-F894-2E49-B747-250CCA122ACF}">
-      <dsp:nvSpPr>
-        <dsp:cNvPr id="0" name=""/>
-        <dsp:cNvSpPr/>
-      </dsp:nvSpPr>
-      <dsp:spPr>
-        <a:xfrm>
-          <a:off x="7232887" y="3678231"/>
-          <a:ext cx="3287675" cy="72"/>
-        </a:xfrm>
-        <a:prstGeom prst="rect">
-          <a:avLst/>
-        </a:prstGeom>
-        <a:solidFill>
-          <a:schemeClr val="accent1">
-            <a:hueOff val="0"/>
-            <a:satOff val="0"/>
-            <a:lumOff val="0"/>
-            <a:alphaOff val="0"/>
-          </a:schemeClr>
-        </a:solidFill>
-        <a:ln w="34925" cap="flat" cmpd="sng" algn="in">
-          <a:solidFill>
-            <a:schemeClr val="accent1">
+            <a:schemeClr val="accent4">
               <a:hueOff val="0"/>
               <a:satOff val="0"/>
               <a:lumOff val="0"/>
@@ -1786,16 +1980,190 @@
         </a:fontRef>
       </dsp:style>
     </dsp:sp>
+    <dsp:sp modelId="{B5980DF1-244B-1349-847C-7A0669E55842}">
+      <dsp:nvSpPr>
+        <dsp:cNvPr id="0" name=""/>
+        <dsp:cNvSpPr/>
+      </dsp:nvSpPr>
+      <dsp:spPr>
+        <a:xfrm>
+          <a:off x="0" y="3717652"/>
+          <a:ext cx="1301260" cy="1857464"/>
+        </a:xfrm>
+        <a:prstGeom prst="rect">
+          <a:avLst/>
+        </a:prstGeom>
+        <a:noFill/>
+        <a:ln>
+          <a:noFill/>
+        </a:ln>
+        <a:effectLst/>
+      </dsp:spPr>
+      <dsp:style>
+        <a:lnRef idx="0">
+          <a:scrgbClr r="0" g="0" b="0"/>
+        </a:lnRef>
+        <a:fillRef idx="0">
+          <a:scrgbClr r="0" g="0" b="0"/>
+        </a:fillRef>
+        <a:effectRef idx="0">
+          <a:scrgbClr r="0" g="0" b="0"/>
+        </a:effectRef>
+        <a:fontRef idx="minor"/>
+      </dsp:style>
+      <dsp:txBody>
+        <a:bodyPr spcFirstLastPara="0" vert="horz" wrap="square" lIns="247650" tIns="247650" rIns="247650" bIns="247650" numCol="1" spcCol="1270" anchor="t" anchorCtr="0">
+          <a:noAutofit/>
+        </a:bodyPr>
+        <a:lstStyle/>
+        <a:p>
+          <a:pPr marL="0" lvl="0" indent="0" algn="l" defTabSz="2889250">
+            <a:lnSpc>
+              <a:spcPct val="90000"/>
+            </a:lnSpc>
+            <a:spcBef>
+              <a:spcPct val="0"/>
+            </a:spcBef>
+            <a:spcAft>
+              <a:spcPct val="35000"/>
+            </a:spcAft>
+            <a:buNone/>
+          </a:pPr>
+          <a:endParaRPr lang="en-US" sz="6500" kern="1200" dirty="0"/>
+        </a:p>
+      </dsp:txBody>
+      <dsp:txXfrm>
+        <a:off x="0" y="3717652"/>
+        <a:ext cx="1301260" cy="1857464"/>
+      </dsp:txXfrm>
+    </dsp:sp>
+    <dsp:sp modelId="{F7422584-9EEC-C54F-8CA4-A6F71FC18D33}">
+      <dsp:nvSpPr>
+        <dsp:cNvPr id="0" name=""/>
+        <dsp:cNvSpPr/>
+      </dsp:nvSpPr>
+      <dsp:spPr>
+        <a:xfrm>
+          <a:off x="1398855" y="3801999"/>
+          <a:ext cx="5107448" cy="1686954"/>
+        </a:xfrm>
+        <a:prstGeom prst="rect">
+          <a:avLst/>
+        </a:prstGeom>
+        <a:noFill/>
+        <a:ln>
+          <a:noFill/>
+        </a:ln>
+        <a:effectLst/>
+      </dsp:spPr>
+      <dsp:style>
+        <a:lnRef idx="0">
+          <a:scrgbClr r="0" g="0" b="0"/>
+        </a:lnRef>
+        <a:fillRef idx="0">
+          <a:scrgbClr r="0" g="0" b="0"/>
+        </a:fillRef>
+        <a:effectRef idx="0">
+          <a:scrgbClr r="0" g="0" b="0"/>
+        </a:effectRef>
+        <a:fontRef idx="minor"/>
+      </dsp:style>
+      <dsp:txBody>
+        <a:bodyPr spcFirstLastPara="0" vert="horz" wrap="square" lIns="91440" tIns="91440" rIns="91440" bIns="91440" numCol="1" spcCol="1270" anchor="ctr" anchorCtr="0">
+          <a:noAutofit/>
+        </a:bodyPr>
+        <a:lstStyle/>
+        <a:p>
+          <a:pPr marL="0" lvl="0" indent="0" algn="l" defTabSz="1066800">
+            <a:lnSpc>
+              <a:spcPct val="90000"/>
+            </a:lnSpc>
+            <a:spcBef>
+              <a:spcPct val="0"/>
+            </a:spcBef>
+            <a:spcAft>
+              <a:spcPct val="35000"/>
+            </a:spcAft>
+            <a:buNone/>
+          </a:pPr>
+          <a:r>
+            <a:rPr lang="en-US" sz="2400" kern="1200" dirty="0"/>
+            <a:t>If artwork context is crucial, consider </a:t>
+          </a:r>
+          <a:r>
+            <a:rPr lang="en-US" sz="2400" b="1" kern="1200" dirty="0"/>
+            <a:t>other means of distribution outside of Spotify </a:t>
+          </a:r>
+          <a:r>
+            <a:rPr lang="en-US" sz="2400" kern="1200" dirty="0"/>
+            <a:t>as users don’t seem engaged with it </a:t>
+          </a:r>
+        </a:p>
+      </dsp:txBody>
+      <dsp:txXfrm>
+        <a:off x="1398855" y="3801999"/>
+        <a:ext cx="5107448" cy="1686954"/>
+      </dsp:txXfrm>
+    </dsp:sp>
+    <dsp:sp modelId="{3DA6C3A0-8C5E-764F-BC99-3E5F0B3304DE}">
+      <dsp:nvSpPr>
+        <dsp:cNvPr id="0" name=""/>
+        <dsp:cNvSpPr/>
+      </dsp:nvSpPr>
+      <dsp:spPr>
+        <a:xfrm>
+          <a:off x="1301260" y="5488954"/>
+          <a:ext cx="5205043" cy="0"/>
+        </a:xfrm>
+        <a:prstGeom prst="line">
+          <a:avLst/>
+        </a:prstGeom>
+        <a:solidFill>
+          <a:schemeClr val="accent2">
+            <a:hueOff val="0"/>
+            <a:satOff val="0"/>
+            <a:lumOff val="0"/>
+            <a:alphaOff val="0"/>
+          </a:schemeClr>
+        </a:solidFill>
+        <a:ln w="34925" cap="flat" cmpd="sng" algn="in">
+          <a:solidFill>
+            <a:schemeClr val="accent2">
+              <a:tint val="50000"/>
+              <a:hueOff val="0"/>
+              <a:satOff val="0"/>
+              <a:lumOff val="0"/>
+              <a:alphaOff val="0"/>
+            </a:schemeClr>
+          </a:solidFill>
+          <a:prstDash val="solid"/>
+        </a:ln>
+        <a:effectLst/>
+      </dsp:spPr>
+      <dsp:style>
+        <a:lnRef idx="2">
+          <a:scrgbClr r="0" g="0" b="0"/>
+        </a:lnRef>
+        <a:fillRef idx="1">
+          <a:scrgbClr r="0" g="0" b="0"/>
+        </a:fillRef>
+        <a:effectRef idx="0">
+          <a:scrgbClr r="0" g="0" b="0"/>
+        </a:effectRef>
+        <a:fontRef idx="minor"/>
+      </dsp:style>
+    </dsp:sp>
   </dsp:spTree>
 </dsp:drawing>
 </file>
 
 <file path=ppt/diagrams/layout1.xml><?xml version="1.0" encoding="utf-8"?>
-<dgm:layoutDef xmlns:dgm="http://schemas.openxmlformats.org/drawingml/2006/diagram" xmlns:a="http://schemas.openxmlformats.org/drawingml/2006/main" uniqueId="urn:microsoft.com/office/officeart/2016/7/layout/BasicLinearProcessNumbered">
-  <dgm:title val="Basic Linear Process Numbered"/>
-  <dgm:desc val="Used to show a progression; a timeline; sequential steps in a task, process, or workflow; or to emphasize movement or direction. Automatic numbers have been introduced to show the steps of the process which appears in a circle. Level 1 and Level 2 text appear in a rectangle."/>
+<dgm:layoutDef xmlns:dgm="http://schemas.openxmlformats.org/drawingml/2006/diagram" xmlns:a="http://schemas.openxmlformats.org/drawingml/2006/main" uniqueId="urn:microsoft.com/office/officeart/2008/layout/LinedList">
+  <dgm:title val=""/>
+  <dgm:desc val=""/>
   <dgm:catLst>
-    <dgm:cat type="process" pri="500"/>
+    <dgm:cat type="hierarchy" pri="8000"/>
+    <dgm:cat type="list" pri="2500"/>
   </dgm:catLst>
   <dgm:sampData>
     <dgm:dataModel>
@@ -1807,62 +2175,18 @@
         <dgm:pt modelId="11">
           <dgm:prSet phldr="1"/>
         </dgm:pt>
-        <dgm:pt modelId="2">
+        <dgm:pt modelId="12">
           <dgm:prSet phldr="1"/>
         </dgm:pt>
-        <dgm:pt modelId="21">
+        <dgm:pt modelId="13">
           <dgm:prSet phldr="1"/>
-        </dgm:pt>
-        <dgm:pt modelId="3">
-          <dgm:prSet phldr="1"/>
-        </dgm:pt>
-        <dgm:pt modelId="31">
-          <dgm:prSet phldr="1"/>
-        </dgm:pt>
-        <dgm:pt modelId="101" type="sibTrans" cxnId="4">
-          <dgm:prSet phldrT="1"/>
-          <dgm:t>
-            <a:bodyPr/>
-            <a:lstStyle/>
-            <a:p>
-              <a:r>
-                <a:t>1</a:t>
-              </a:r>
-            </a:p>
-          </dgm:t>
-        </dgm:pt>
-        <dgm:pt modelId="201" type="sibTrans" cxnId="5">
-          <dgm:prSet phldrT="2"/>
-          <dgm:t>
-            <a:bodyPr/>
-            <a:lstStyle/>
-            <a:p>
-              <a:r>
-                <a:t>2</a:t>
-              </a:r>
-            </a:p>
-          </dgm:t>
-        </dgm:pt>
-        <dgm:pt modelId="301" type="sibTrans" cxnId="6">
-          <dgm:prSet phldrT="3"/>
-          <dgm:t>
-            <a:bodyPr/>
-            <a:lstStyle/>
-            <a:p>
-              <a:r>
-                <a:t>3</a:t>
-              </a:r>
-            </a:p>
-          </dgm:t>
         </dgm:pt>
       </dgm:ptLst>
       <dgm:cxnLst>
-        <dgm:cxn modelId="4" srcId="0" destId="1" srcOrd="0" destOrd="0" sibTransId="101"/>
-        <dgm:cxn modelId="5" srcId="0" destId="2" srcOrd="1" destOrd="0" sibTransId="201"/>
-        <dgm:cxn modelId="6" srcId="0" destId="3" srcOrd="2" destOrd="0" sibTransId="301"/>
-        <dgm:cxn modelId="13" srcId="1" destId="11" srcOrd="0" destOrd="0"/>
-        <dgm:cxn modelId="23" srcId="2" destId="21" srcOrd="0" destOrd="0"/>
-        <dgm:cxn modelId="33" srcId="3" destId="31" srcOrd="0" destOrd="0"/>
+        <dgm:cxn modelId="2" srcId="0" destId="1" srcOrd="0" destOrd="0"/>
+        <dgm:cxn modelId="3" srcId="1" destId="11" srcOrd="0" destOrd="0"/>
+        <dgm:cxn modelId="4" srcId="1" destId="12" srcOrd="1" destOrd="0"/>
+        <dgm:cxn modelId="5" srcId="1" destId="13" srcOrd="2" destOrd="0"/>
       </dgm:cxnLst>
       <dgm:bg/>
       <dgm:whole/>
@@ -1872,16 +2196,20 @@
     <dgm:dataModel>
       <dgm:ptLst>
         <dgm:pt modelId="0" type="doc"/>
-        <dgm:pt modelId="1"/>
-        <dgm:pt modelId="11"/>
-        <dgm:pt modelId="2"/>
-        <dgm:pt modelId="21"/>
+        <dgm:pt modelId="1">
+          <dgm:prSet phldr="1"/>
+        </dgm:pt>
+        <dgm:pt modelId="11">
+          <dgm:prSet phldr="1"/>
+        </dgm:pt>
+        <dgm:pt modelId="12">
+          <dgm:prSet phldr="1"/>
+        </dgm:pt>
       </dgm:ptLst>
       <dgm:cxnLst>
-        <dgm:cxn modelId="4" srcId="0" destId="1" srcOrd="0" destOrd="0"/>
-        <dgm:cxn modelId="5" srcId="0" destId="2" srcOrd="1" destOrd="0"/>
-        <dgm:cxn modelId="13" srcId="1" destId="11" srcOrd="0" destOrd="0"/>
-        <dgm:cxn modelId="23" srcId="2" destId="21" srcOrd="0" destOrd="0"/>
+        <dgm:cxn modelId="2" srcId="0" destId="1" srcOrd="0" destOrd="0"/>
+        <dgm:cxn modelId="3" srcId="1" destId="11" srcOrd="0" destOrd="0"/>
+        <dgm:cxn modelId="4" srcId="1" destId="12" srcOrd="1" destOrd="0"/>
       </dgm:cxnLst>
       <dgm:bg/>
       <dgm:whole/>
@@ -1891,179 +2219,407 @@
     <dgm:dataModel>
       <dgm:ptLst>
         <dgm:pt modelId="0" type="doc"/>
-        <dgm:pt modelId="1"/>
-        <dgm:pt modelId="11"/>
-        <dgm:pt modelId="2"/>
-        <dgm:pt modelId="21"/>
-        <dgm:pt modelId="3"/>
-        <dgm:pt modelId="31"/>
-        <dgm:pt modelId="4"/>
-        <dgm:pt modelId="41"/>
+        <dgm:pt modelId="1">
+          <dgm:prSet phldr="1"/>
+        </dgm:pt>
+        <dgm:pt modelId="11">
+          <dgm:prSet phldr="1"/>
+        </dgm:pt>
+        <dgm:pt modelId="12">
+          <dgm:prSet phldr="1"/>
+        </dgm:pt>
       </dgm:ptLst>
       <dgm:cxnLst>
-        <dgm:cxn modelId="5" srcId="0" destId="1" srcOrd="0" destOrd="0"/>
-        <dgm:cxn modelId="6" srcId="0" destId="2" srcOrd="1" destOrd="0"/>
-        <dgm:cxn modelId="7" srcId="0" destId="3" srcOrd="2" destOrd="0"/>
-        <dgm:cxn modelId="8" srcId="0" destId="4" srcOrd="3" destOrd="0"/>
-        <dgm:cxn modelId="13" srcId="1" destId="11" srcOrd="0" destOrd="0"/>
-        <dgm:cxn modelId="23" srcId="2" destId="21" srcOrd="0" destOrd="0"/>
-        <dgm:cxn modelId="33" srcId="3" destId="31" srcOrd="0" destOrd="0"/>
-        <dgm:cxn modelId="43" srcId="4" destId="41" srcOrd="0" destOrd="0"/>
+        <dgm:cxn modelId="2" srcId="0" destId="1" srcOrd="0" destOrd="0"/>
+        <dgm:cxn modelId="3" srcId="1" destId="11" srcOrd="0" destOrd="0"/>
+        <dgm:cxn modelId="4" srcId="1" destId="12" srcOrd="1" destOrd="0"/>
       </dgm:cxnLst>
       <dgm:bg/>
       <dgm:whole/>
     </dgm:dataModel>
   </dgm:clrData>
-  <dgm:layoutNode name="Name0">
+  <dgm:layoutNode name="vert0">
     <dgm:varLst>
+      <dgm:dir/>
+      <dgm:animOne val="branch"/>
       <dgm:animLvl val="lvl"/>
-      <dgm:resizeHandles val="exact"/>
     </dgm:varLst>
-    <dgm:alg type="lin">
-      <dgm:param type="linDir" val="fromL"/>
-      <dgm:param type="nodeVertAlign" val="t"/>
-    </dgm:alg>
+    <dgm:choose name="Name0">
+      <dgm:if name="Name1" func="var" arg="dir" op="equ" val="norm">
+        <dgm:alg type="lin">
+          <dgm:param type="linDir" val="fromT"/>
+          <dgm:param type="nodeHorzAlign" val="l"/>
+        </dgm:alg>
+      </dgm:if>
+      <dgm:else name="Name2">
+        <dgm:alg type="lin">
+          <dgm:param type="linDir" val="fromT"/>
+          <dgm:param type="nodeHorzAlign" val="r"/>
+        </dgm:alg>
+      </dgm:else>
+    </dgm:choose>
     <dgm:shape xmlns:r="http://schemas.openxmlformats.org/officeDocument/2006/relationships" r:blip="">
       <dgm:adjLst/>
     </dgm:shape>
     <dgm:presOf/>
     <dgm:constrLst>
-      <dgm:constr type="h" for="ch" forName="compositeNode" refType="h"/>
-      <dgm:constr type="w" for="ch" forName="compositeNode" refType="w"/>
-      <dgm:constr type="w" for="des" forName="simulatedConn" refType="w" refFor="ch" refForName="compositeNode" fact="0.15"/>
-      <dgm:constr type="h" for="des" forName="simulatedConn" refType="w" refFor="des" refForName="simulatedConn"/>
-      <dgm:constr type="h" for="des" forName="vSp1" refType="w" refFor="ch" refForName="compositeNode" fact="0.8"/>
-      <dgm:constr type="h" for="des" forName="vSp2" refType="w" refFor="ch" refForName="compositeNode" fact="0.07"/>
-      <dgm:constr type="w" for="ch" forName="vProcSp" refType="w" refFor="des" refForName="simulatedConn" op="equ"/>
-      <dgm:constr type="h" for="ch" forName="vProcSp" refType="h" refFor="ch" refForName="compositeNode" op="equ"/>
-      <dgm:constr type="w" for="ch" forName="sibTrans" refType="w" refFor="ch" refForName="compositeNode" fact="0.1"/>
-      <dgm:constr type="primFontSz" for="des" forName="sibTransNodeCircle" op="equ"/>
-      <dgm:constr type="primFontSz" for="des" forName="nodeText" op="equ"/>
-      <dgm:constr type="h" for="des" forName="sibTransNodeCircle" op="equ"/>
-      <dgm:constr type="w" for="des" forName="sibTransNodeCircle" op="equ"/>
+      <dgm:constr type="w" for="ch" forName="horz1" refType="w"/>
+      <dgm:constr type="h" for="ch" forName="horz1" refType="h"/>
+      <dgm:constr type="h" for="des" forName="vert1" refType="h"/>
+      <dgm:constr type="h" for="des" forName="tx1" refType="h"/>
+      <dgm:constr type="h" for="des" forName="horz2" refType="h"/>
+      <dgm:constr type="h" for="des" forName="vert2" refType="h"/>
+      <dgm:constr type="h" for="des" forName="horz3" refType="h"/>
+      <dgm:constr type="h" for="des" forName="vert3" refType="h"/>
+      <dgm:constr type="h" for="des" forName="horz4" refType="h"/>
+      <dgm:constr type="h" for="des" ptType="node" refType="h"/>
+      <dgm:constr type="primFontSz" for="des" forName="tx1" op="equ" val="65"/>
+      <dgm:constr type="primFontSz" for="des" forName="tx2" op="equ" val="65"/>
+      <dgm:constr type="primFontSz" for="des" forName="tx3" op="equ" val="65"/>
+      <dgm:constr type="primFontSz" for="des" forName="tx4" op="equ" val="65"/>
+      <dgm:constr type="w" for="des" forName="thickLine" refType="w"/>
+      <dgm:constr type="h" for="des" forName="thickLine"/>
+      <dgm:constr type="h" for="des" forName="thinLine1"/>
+      <dgm:constr type="h" for="des" forName="thinLine2b"/>
+      <dgm:constr type="h" for="des" forName="thinLine3"/>
+      <dgm:constr type="h" for="des" forName="vertSpace2a" refType="h" fact="0.05"/>
+      <dgm:constr type="h" for="des" forName="vertSpace2b" refType="h" refFor="des" refForName="vertSpace2a"/>
     </dgm:constrLst>
-    <dgm:ruleLst>
-      <dgm:rule type="h" val="NaN" fact="1.2" max="NaN"/>
-    </dgm:ruleLst>
-    <dgm:forEach name="Name4" axis="ch" ptType="node">
-      <dgm:layoutNode name="compositeNode">
-        <dgm:varLst>
-          <dgm:bulletEnabled val="1"/>
-        </dgm:varLst>
-        <dgm:alg type="composite"/>
-        <dgm:constrLst>
-          <dgm:constr type="h" refType="w" op="lte" fact="1.4"/>
-          <dgm:constr type="w" for="ch" forName="bgRect" refType="w"/>
-          <dgm:constr type="h" for="ch" forName="bgRect" refType="h"/>
-          <dgm:constr type="t" for="ch" forName="bgRect"/>
-          <dgm:constr type="l" for="ch" forName="bgRect"/>
-          <dgm:constr type="h" for="ch" forName="sibTransNodeCircle" refType="h" refFor="ch" refForName="bgRect" fact="0.3"/>
-          <dgm:constr type="w" for="ch" forName="sibTransNodeCircle" refType="h" refFor="ch" refForName="sibTransNodeCircle"/>
-          <dgm:constr type="ctrX" for="ch" forName="sibTransNodeCircle" refType="w" fact="0.5"/>
-          <dgm:constr type="ctrY" for="ch" forName="sibTransNodeCircle" refType="h" fact="0.25"/>
-          <dgm:constr type="r" for="ch" forName="nodeText" refType="r" refFor="ch" refForName="bgRect"/>
-          <dgm:constr type="h" for="ch" forName="nodeText" refType="h" refFor="ch" refForName="bgRect" fact="0.6"/>
-          <dgm:constr type="t" for="ch" forName="nodeText" refType="h" refFor="ch" refForName="bgRect" fact="0.38"/>
-          <dgm:constr type="b" for="ch" forName="bottomLine" refType="b" refFor="ch" refForName="bgRect"/>
-          <dgm:constr type="w" for="ch" forName="bottomLine" refType="w" refFor="ch" refForName="bgRect"/>
-          <dgm:constr type="h" for="ch" forName="bottomLine" val="0.002"/>
-        </dgm:constrLst>
-        <dgm:ruleLst/>
-        <dgm:layoutNode name="bgRect" styleLbl="bgAccFollowNode1">
-          <dgm:alg type="sp"/>
-          <dgm:shape xmlns:r="http://schemas.openxmlformats.org/officeDocument/2006/relationships" type="rect" r:blip="">
-            <dgm:adjLst/>
-          </dgm:shape>
-          <dgm:presOf axis="self"/>
-          <dgm:constrLst/>
-          <dgm:ruleLst/>
-        </dgm:layoutNode>
-        <dgm:forEach name="Name19" axis="followSib" ptType="sibTrans" hideLastTrans="0" cnt="1">
-          <dgm:layoutNode name="sibTransNodeCircle" styleLbl="alignNode1">
-            <dgm:varLst>
-              <dgm:chMax val="0"/>
-              <dgm:bulletEnabled/>
-            </dgm:varLst>
-            <dgm:presOf axis="self" ptType="sibTrans"/>
-            <dgm:alg type="tx">
-              <dgm:param type="txAnchorVert" val="mid"/>
-              <dgm:param type="txAnchorHorzCh" val="ctr"/>
+    <dgm:forEach name="Name3" axis="ch" ptType="node">
+      <dgm:layoutNode name="thickLine" styleLbl="alignNode1">
+        <dgm:alg type="sp"/>
+        <dgm:shape xmlns:r="http://schemas.openxmlformats.org/officeDocument/2006/relationships" type="line" r:blip="">
+          <dgm:adjLst/>
+        </dgm:shape>
+        <dgm:presOf/>
+      </dgm:layoutNode>
+      <dgm:layoutNode name="horz1">
+        <dgm:choose name="Name4">
+          <dgm:if name="Name5" func="var" arg="dir" op="equ" val="norm">
+            <dgm:alg type="lin">
+              <dgm:param type="linDir" val="fromL"/>
+              <dgm:param type="nodeVertAlign" val="t"/>
             </dgm:alg>
-            <dgm:shape xmlns:r="http://schemas.openxmlformats.org/officeDocument/2006/relationships" type="ellipse" r:blip="">
-              <dgm:adjLst/>
-            </dgm:shape>
+          </dgm:if>
+          <dgm:else name="Name6">
+            <dgm:alg type="lin">
+              <dgm:param type="linDir" val="fromR"/>
+              <dgm:param type="nodeVertAlign" val="t"/>
+            </dgm:alg>
+          </dgm:else>
+        </dgm:choose>
+        <dgm:shape xmlns:r="http://schemas.openxmlformats.org/officeDocument/2006/relationships" r:blip="">
+          <dgm:adjLst/>
+        </dgm:shape>
+        <dgm:presOf/>
+        <dgm:choose name="Name7">
+          <dgm:if name="Name8" axis="root des" func="maxDepth" op="equ" val="1">
             <dgm:constrLst>
-              <dgm:constr type="w" refType="h" op="lte"/>
-              <dgm:constr type="primFontSz" val="48"/>
-              <dgm:constr type="tMarg" val="1"/>
-              <dgm:constr type="lMarg" refType="w" fact="0.221"/>
-              <dgm:constr type="rMarg" refType="w" fact="0.221"/>
-              <dgm:constr type="bMarg" val="1"/>
+              <dgm:constr type="w" for="ch" forName="tx1" refType="w"/>
             </dgm:constrLst>
-            <dgm:ruleLst>
-              <dgm:rule type="primFontSz" val="14" fact="NaN" max="NaN"/>
-            </dgm:ruleLst>
-          </dgm:layoutNode>
-        </dgm:forEach>
-        <dgm:layoutNode name="bottomLine" styleLbl="alignNode1">
-          <dgm:varLst/>
-          <dgm:presOf/>
-          <dgm:alg type="sp"/>
-          <dgm:shape xmlns:r="http://schemas.openxmlformats.org/officeDocument/2006/relationships" type="rect" r:blip="">
-            <dgm:adjLst/>
-          </dgm:shape>
-          <dgm:constrLst/>
-          <dgm:ruleLst/>
-        </dgm:layoutNode>
-        <dgm:layoutNode name="nodeText" styleLbl="bgAccFollowNode1" moveWith="bgRect">
-          <dgm:varLst>
-            <dgm:bulletEnabled val="1"/>
-          </dgm:varLst>
+          </dgm:if>
+          <dgm:if name="Name9" axis="root des" func="maxDepth" op="equ" val="2">
+            <dgm:constrLst>
+              <dgm:constr type="w" for="ch" forName="tx1" refType="w" fact="0.2"/>
+              <dgm:constr type="w" for="des" forName="tx2" refType="w" fact="0.785"/>
+              <dgm:constr type="w" for="des" forName="horzSpace2" refType="w" fact="0.015"/>
+              <dgm:constr type="w" for="des" forName="thinLine2b" refType="w" fact="0.8"/>
+            </dgm:constrLst>
+          </dgm:if>
+          <dgm:if name="Name10" axis="root des" func="maxDepth" op="equ" val="3">
+            <dgm:constrLst>
+              <dgm:constr type="w" for="ch" forName="tx1" refType="w" fact="0.2"/>
+              <dgm:constr type="w" for="des" forName="tx2" refType="w" fact="0.385"/>
+              <dgm:constr type="w" for="des" forName="tx3" refType="w" fact="0.385"/>
+              <dgm:constr type="w" for="des" forName="horzSpace2" refType="w" fact="0.015"/>
+              <dgm:constr type="w" for="des" forName="horzSpace3" refType="w" fact="0.015"/>
+              <dgm:constr type="w" for="des" forName="thinLine2b" refType="w" fact="0.8"/>
+              <dgm:constr type="w" for="des" forName="thinLine3" refType="w" fact="0.385"/>
+            </dgm:constrLst>
+          </dgm:if>
+          <dgm:if name="Name11" axis="root des" func="maxDepth" op="gte" val="4">
+            <dgm:constrLst>
+              <dgm:constr type="w" for="ch" forName="tx1" refType="w" fact="0.2"/>
+              <dgm:constr type="w" for="des" forName="tx2" refType="w" fact="0.2516"/>
+              <dgm:constr type="w" for="des" forName="tx3" refType="w" fact="0.2516"/>
+              <dgm:constr type="w" for="des" forName="tx4" refType="w" fact="0.2516"/>
+              <dgm:constr type="w" for="des" forName="horzSpace2" refType="w" fact="0.015"/>
+              <dgm:constr type="w" for="des" forName="horzSpace3" refType="w" fact="0.015"/>
+              <dgm:constr type="w" for="des" forName="horzSpace4" refType="w" fact="0.015"/>
+              <dgm:constr type="w" for="des" forName="thinLine2b" refType="w" fact="0.8"/>
+              <dgm:constr type="w" for="des" forName="thinLine3" refType="w" fact="0.5332"/>
+            </dgm:constrLst>
+          </dgm:if>
+          <dgm:else name="Name12"/>
+        </dgm:choose>
+        <dgm:layoutNode name="tx1" styleLbl="revTx">
           <dgm:alg type="tx">
             <dgm:param type="parTxLTRAlign" val="l"/>
             <dgm:param type="parTxRTLAlign" val="r"/>
             <dgm:param type="txAnchorVert" val="t"/>
           </dgm:alg>
-          <dgm:shape xmlns:r="http://schemas.openxmlformats.org/officeDocument/2006/relationships" type="rect" r:blip="" zOrderOff="-1" hideGeom="1">
+          <dgm:shape xmlns:r="http://schemas.openxmlformats.org/officeDocument/2006/relationships" type="rect" r:blip="">
             <dgm:adjLst/>
           </dgm:shape>
-          <dgm:presOf axis="desOrSelf" ptType="node"/>
+          <dgm:presOf axis="self"/>
           <dgm:constrLst>
-            <dgm:constr type="primFontSz" val="26"/>
-            <dgm:constr type="tMarg" val="26"/>
-            <dgm:constr type="lMarg" refType="w" fact="0.221"/>
-            <dgm:constr type="rMarg" refType="w" fact="0.221"/>
-            <dgm:constr type="bMarg" val="26"/>
+            <dgm:constr type="tMarg" refType="primFontSz" fact="0.3"/>
+            <dgm:constr type="bMarg" refType="primFontSz" fact="0.3"/>
+            <dgm:constr type="lMarg" refType="primFontSz" fact="0.3"/>
+            <dgm:constr type="rMarg" refType="primFontSz" fact="0.3"/>
           </dgm:constrLst>
           <dgm:ruleLst>
-            <dgm:rule type="primFontSz" val="11" fact="NaN" max="NaN"/>
+            <dgm:rule type="primFontSz" val="5" fact="NaN" max="NaN"/>
           </dgm:ruleLst>
         </dgm:layoutNode>
-      </dgm:layoutNode>
-      <dgm:forEach name="Name14" axis="followSib" ptType="sibTrans" cnt="1">
-        <dgm:layoutNode name="sibTrans">
-          <dgm:alg type="sp"/>
+        <dgm:layoutNode name="vert1">
+          <dgm:choose name="Name13">
+            <dgm:if name="Name14" func="var" arg="dir" op="equ" val="norm">
+              <dgm:alg type="lin">
+                <dgm:param type="linDir" val="fromT"/>
+                <dgm:param type="nodeHorzAlign" val="l"/>
+              </dgm:alg>
+            </dgm:if>
+            <dgm:else name="Name15">
+              <dgm:alg type="lin">
+                <dgm:param type="linDir" val="fromT"/>
+                <dgm:param type="nodeHorzAlign" val="r"/>
+              </dgm:alg>
+            </dgm:else>
+          </dgm:choose>
           <dgm:shape xmlns:r="http://schemas.openxmlformats.org/officeDocument/2006/relationships" r:blip="">
             <dgm:adjLst/>
           </dgm:shape>
           <dgm:presOf/>
-          <dgm:constrLst/>
-          <dgm:ruleLst/>
+          <dgm:forEach name="Name16" axis="ch" ptType="node">
+            <dgm:choose name="Name17">
+              <dgm:if name="Name18" axis="self" ptType="node" func="pos" op="equ" val="1">
+                <dgm:layoutNode name="vertSpace2a">
+                  <dgm:alg type="sp"/>
+                  <dgm:shape xmlns:r="http://schemas.openxmlformats.org/officeDocument/2006/relationships" r:blip="">
+                    <dgm:adjLst/>
+                  </dgm:shape>
+                  <dgm:presOf/>
+                </dgm:layoutNode>
+              </dgm:if>
+              <dgm:else name="Name19"/>
+            </dgm:choose>
+            <dgm:layoutNode name="horz2">
+              <dgm:choose name="Name20">
+                <dgm:if name="Name21" func="var" arg="dir" op="equ" val="norm">
+                  <dgm:alg type="lin">
+                    <dgm:param type="linDir" val="fromL"/>
+                    <dgm:param type="nodeVertAlign" val="t"/>
+                  </dgm:alg>
+                </dgm:if>
+                <dgm:else name="Name22">
+                  <dgm:alg type="lin">
+                    <dgm:param type="linDir" val="fromR"/>
+                    <dgm:param type="nodeVertAlign" val="t"/>
+                  </dgm:alg>
+                </dgm:else>
+              </dgm:choose>
+              <dgm:shape xmlns:r="http://schemas.openxmlformats.org/officeDocument/2006/relationships" r:blip="">
+                <dgm:adjLst/>
+              </dgm:shape>
+              <dgm:presOf/>
+              <dgm:layoutNode name="horzSpace2">
+                <dgm:alg type="sp"/>
+                <dgm:shape xmlns:r="http://schemas.openxmlformats.org/officeDocument/2006/relationships" r:blip="">
+                  <dgm:adjLst/>
+                </dgm:shape>
+                <dgm:presOf/>
+              </dgm:layoutNode>
+              <dgm:layoutNode name="tx2" styleLbl="revTx">
+                <dgm:alg type="tx">
+                  <dgm:param type="parTxLTRAlign" val="l"/>
+                  <dgm:param type="parTxRTLAlign" val="r"/>
+                  <dgm:param type="txAnchorVert" val="t"/>
+                </dgm:alg>
+                <dgm:shape xmlns:r="http://schemas.openxmlformats.org/officeDocument/2006/relationships" type="rect" r:blip="">
+                  <dgm:adjLst/>
+                </dgm:shape>
+                <dgm:presOf axis="self"/>
+                <dgm:constrLst>
+                  <dgm:constr type="tMarg" refType="primFontSz" fact="0.3"/>
+                  <dgm:constr type="bMarg" refType="primFontSz" fact="0.3"/>
+                  <dgm:constr type="lMarg" refType="primFontSz" fact="0.3"/>
+                  <dgm:constr type="rMarg" refType="primFontSz" fact="0.3"/>
+                </dgm:constrLst>
+                <dgm:ruleLst>
+                  <dgm:rule type="primFontSz" val="5" fact="NaN" max="NaN"/>
+                </dgm:ruleLst>
+              </dgm:layoutNode>
+              <dgm:layoutNode name="vert2">
+                <dgm:choose name="Name23">
+                  <dgm:if name="Name24" func="var" arg="dir" op="equ" val="norm">
+                    <dgm:alg type="lin">
+                      <dgm:param type="linDir" val="fromT"/>
+                      <dgm:param type="nodeHorzAlign" val="l"/>
+                    </dgm:alg>
+                  </dgm:if>
+                  <dgm:else name="Name25">
+                    <dgm:alg type="lin">
+                      <dgm:param type="linDir" val="fromT"/>
+                      <dgm:param type="nodeHorzAlign" val="r"/>
+                    </dgm:alg>
+                  </dgm:else>
+                </dgm:choose>
+                <dgm:shape xmlns:r="http://schemas.openxmlformats.org/officeDocument/2006/relationships" r:blip="">
+                  <dgm:adjLst/>
+                </dgm:shape>
+                <dgm:presOf/>
+                <dgm:forEach name="Name26" axis="ch" ptType="node">
+                  <dgm:layoutNode name="horz3">
+                    <dgm:choose name="Name27">
+                      <dgm:if name="Name28" func="var" arg="dir" op="equ" val="norm">
+                        <dgm:alg type="lin">
+                          <dgm:param type="linDir" val="fromL"/>
+                          <dgm:param type="nodeVertAlign" val="t"/>
+                        </dgm:alg>
+                      </dgm:if>
+                      <dgm:else name="Name29">
+                        <dgm:alg type="lin">
+                          <dgm:param type="linDir" val="fromR"/>
+                          <dgm:param type="nodeVertAlign" val="t"/>
+                        </dgm:alg>
+                      </dgm:else>
+                    </dgm:choose>
+                    <dgm:shape xmlns:r="http://schemas.openxmlformats.org/officeDocument/2006/relationships" r:blip="">
+                      <dgm:adjLst/>
+                    </dgm:shape>
+                    <dgm:presOf/>
+                    <dgm:layoutNode name="horzSpace3">
+                      <dgm:alg type="sp"/>
+                      <dgm:shape xmlns:r="http://schemas.openxmlformats.org/officeDocument/2006/relationships" r:blip="">
+                        <dgm:adjLst/>
+                      </dgm:shape>
+                      <dgm:presOf/>
+                    </dgm:layoutNode>
+                    <dgm:layoutNode name="tx3" styleLbl="revTx">
+                      <dgm:alg type="tx">
+                        <dgm:param type="parTxLTRAlign" val="l"/>
+                        <dgm:param type="parTxRTLAlign" val="r"/>
+                        <dgm:param type="txAnchorVert" val="t"/>
+                      </dgm:alg>
+                      <dgm:shape xmlns:r="http://schemas.openxmlformats.org/officeDocument/2006/relationships" type="rect" r:blip="">
+                        <dgm:adjLst/>
+                      </dgm:shape>
+                      <dgm:presOf axis="self"/>
+                      <dgm:constrLst>
+                        <dgm:constr type="tMarg" refType="primFontSz" fact="0.3"/>
+                        <dgm:constr type="bMarg" refType="primFontSz" fact="0.3"/>
+                        <dgm:constr type="lMarg" refType="primFontSz" fact="0.3"/>
+                        <dgm:constr type="rMarg" refType="primFontSz" fact="0.3"/>
+                      </dgm:constrLst>
+                      <dgm:ruleLst>
+                        <dgm:rule type="primFontSz" val="5" fact="NaN" max="NaN"/>
+                      </dgm:ruleLst>
+                    </dgm:layoutNode>
+                    <dgm:layoutNode name="vert3">
+                      <dgm:choose name="Name30">
+                        <dgm:if name="Name31" func="var" arg="dir" op="equ" val="norm">
+                          <dgm:alg type="lin">
+                            <dgm:param type="linDir" val="fromT"/>
+                            <dgm:param type="nodeHorzAlign" val="l"/>
+                          </dgm:alg>
+                        </dgm:if>
+                        <dgm:else name="Name32">
+                          <dgm:alg type="lin">
+                            <dgm:param type="linDir" val="fromT"/>
+                            <dgm:param type="nodeHorzAlign" val="r"/>
+                          </dgm:alg>
+                        </dgm:else>
+                      </dgm:choose>
+                      <dgm:shape xmlns:r="http://schemas.openxmlformats.org/officeDocument/2006/relationships" r:blip="">
+                        <dgm:adjLst/>
+                      </dgm:shape>
+                      <dgm:presOf/>
+                      <dgm:forEach name="Name33" axis="ch" ptType="node">
+                        <dgm:layoutNode name="horz4">
+                          <dgm:choose name="Name34">
+                            <dgm:if name="Name35" func="var" arg="dir" op="equ" val="norm">
+                              <dgm:alg type="lin">
+                                <dgm:param type="linDir" val="fromL"/>
+                                <dgm:param type="nodeVertAlign" val="t"/>
+                              </dgm:alg>
+                            </dgm:if>
+                            <dgm:else name="Name36">
+                              <dgm:alg type="lin">
+                                <dgm:param type="linDir" val="fromR"/>
+                                <dgm:param type="nodeVertAlign" val="t"/>
+                              </dgm:alg>
+                            </dgm:else>
+                          </dgm:choose>
+                          <dgm:shape xmlns:r="http://schemas.openxmlformats.org/officeDocument/2006/relationships" r:blip="">
+                            <dgm:adjLst/>
+                          </dgm:shape>
+                          <dgm:presOf/>
+                          <dgm:layoutNode name="horzSpace4">
+                            <dgm:alg type="sp"/>
+                            <dgm:shape xmlns:r="http://schemas.openxmlformats.org/officeDocument/2006/relationships" r:blip="">
+                              <dgm:adjLst/>
+                            </dgm:shape>
+                            <dgm:presOf/>
+                          </dgm:layoutNode>
+                          <dgm:layoutNode name="tx4" styleLbl="revTx">
+                            <dgm:varLst>
+                              <dgm:bulletEnabled val="1"/>
+                            </dgm:varLst>
+                            <dgm:alg type="tx">
+                              <dgm:param type="parTxLTRAlign" val="l"/>
+                              <dgm:param type="parTxRTLAlign" val="r"/>
+                              <dgm:param type="txAnchorVert" val="t"/>
+                            </dgm:alg>
+                            <dgm:shape xmlns:r="http://schemas.openxmlformats.org/officeDocument/2006/relationships" type="rect" r:blip="">
+                              <dgm:adjLst/>
+                            </dgm:shape>
+                            <dgm:presOf axis="desOrSelf" ptType="node"/>
+                            <dgm:constrLst>
+                              <dgm:constr type="tMarg" refType="primFontSz" fact="0.3"/>
+                              <dgm:constr type="bMarg" refType="primFontSz" fact="0.3"/>
+                              <dgm:constr type="lMarg" refType="primFontSz" fact="0.3"/>
+                              <dgm:constr type="rMarg" refType="primFontSz" fact="0.3"/>
+                            </dgm:constrLst>
+                            <dgm:ruleLst>
+                              <dgm:rule type="primFontSz" val="5" fact="NaN" max="NaN"/>
+                            </dgm:ruleLst>
+                          </dgm:layoutNode>
+                        </dgm:layoutNode>
+                      </dgm:forEach>
+                    </dgm:layoutNode>
+                  </dgm:layoutNode>
+                  <dgm:forEach name="Name37" axis="followSib" ptType="sibTrans" cnt="1">
+                    <dgm:layoutNode name="thinLine3" styleLbl="callout">
+                      <dgm:alg type="sp"/>
+                      <dgm:shape xmlns:r="http://schemas.openxmlformats.org/officeDocument/2006/relationships" type="line" r:blip="">
+                        <dgm:adjLst/>
+                      </dgm:shape>
+                      <dgm:presOf/>
+                    </dgm:layoutNode>
+                  </dgm:forEach>
+                </dgm:forEach>
+              </dgm:layoutNode>
+            </dgm:layoutNode>
+            <dgm:layoutNode name="thinLine2b" styleLbl="callout">
+              <dgm:alg type="sp"/>
+              <dgm:shape xmlns:r="http://schemas.openxmlformats.org/officeDocument/2006/relationships" type="line" r:blip="">
+                <dgm:adjLst/>
+              </dgm:shape>
+              <dgm:presOf/>
+            </dgm:layoutNode>
+            <dgm:layoutNode name="vertSpace2b">
+              <dgm:alg type="sp"/>
+              <dgm:shape xmlns:r="http://schemas.openxmlformats.org/officeDocument/2006/relationships" r:blip="">
+                <dgm:adjLst/>
+              </dgm:shape>
+              <dgm:presOf/>
+            </dgm:layoutNode>
+          </dgm:forEach>
         </dgm:layoutNode>
-      </dgm:forEach>
+      </dgm:layoutNode>
     </dgm:forEach>
   </dgm:layoutNode>
-  <dgm:extLst>
-    <a:ext uri="{4F341089-5ED1-44EC-B178-C955D00A3D55}">
-      <dgm1611:autoBuNodeInfoLst xmlns:dgm1611="http://schemas.microsoft.com/office/drawing/2016/11/diagram">
-        <dgm1611:autoBuNodeInfo lvl="1" ptType="sibTrans">
-          <dgm1611:buPr prefix="" leadZeros="0">
-            <a:buAutoNum type="arabicParenBoth"/>
-          </dgm1611:buPr>
-        </dgm1611:autoBuNodeInfo>
-      </dgm1611:autoBuNodeInfoLst>
-    </a:ext>
-  </dgm:extLst>
 </dgm:layoutDef>
 </file>
 
@@ -6955,8 +7511,8 @@
         </p:nvSpPr>
         <p:spPr>
           <a:xfrm>
-            <a:off x="2558956" y="1480930"/>
-            <a:ext cx="4975700" cy="3672027"/>
+            <a:off x="1922592" y="1480930"/>
+            <a:ext cx="6010436" cy="3672027"/>
           </a:xfrm>
         </p:spPr>
         <p:txBody>
@@ -6967,9 +7523,17 @@
           <a:p>
             <a:pPr algn="r"/>
             <a:r>
+              <a:rPr lang="en-US" sz="4800" b="1" dirty="0"/>
+              <a:t>Predicting SONG POPULARITY on spotify using album artwork</a:t>
+            </a:r>
+            <a:br>
               <a:rPr lang="en-US" sz="4800" dirty="0"/>
-              <a:t>Predicting track success on spotify using album artwork </a:t>
-            </a:r>
+            </a:br>
+            <a:r>
+              <a:rPr lang="en-US" sz="4400" dirty="0"/>
+              <a:t>FOR VISION RECORDS </a:t>
+            </a:r>
+            <a:endParaRPr lang="en-US" sz="4800" dirty="0"/>
           </a:p>
         </p:txBody>
       </p:sp>
@@ -7019,7 +7583,7 @@
             </a:pPr>
             <a:r>
               <a:rPr lang="en-US" sz="2000" dirty="0"/>
-              <a:t>October 2022</a:t>
+              <a:t>OCTOBER 2022</a:t>
             </a:r>
           </a:p>
         </p:txBody>
@@ -7669,7 +8233,7 @@
           <a:p>
             <a:r>
               <a:rPr lang="en-US" dirty="0"/>
-              <a:t>Business Objective</a:t>
+              <a:t>BUSINESS OBJECTIVE</a:t>
             </a:r>
           </a:p>
         </p:txBody>
@@ -7798,44 +8362,66 @@
         </p:spPr>
         <p:txBody>
           <a:bodyPr>
-            <a:normAutofit/>
+            <a:normAutofit fontScale="92500" lnSpcReduction="10000"/>
           </a:bodyPr>
           <a:lstStyle/>
-          <a:p>
-            <a:endParaRPr lang="en-US" sz="1600" b="1" dirty="0"/>
-          </a:p>
           <a:p>
             <a:pPr marL="0" indent="0">
               <a:buNone/>
             </a:pPr>
-            <a:endParaRPr lang="en-US" sz="1600" b="1" dirty="0"/>
-          </a:p>
-          <a:p>
-            <a:r>
-              <a:rPr lang="en-US" sz="1600" b="1" dirty="0"/>
-              <a:t>VISION is an upcoming record label preparing to upload artists’ music to Spotify</a:t>
-            </a:r>
-          </a:p>
-          <a:p>
-            <a:endParaRPr lang="en-US" sz="1600" b="1" dirty="0"/>
-          </a:p>
-          <a:p>
-            <a:r>
-              <a:rPr lang="en-US" sz="1600" b="1" dirty="0"/>
-              <a:t>In preparation of album releases, VISION would like help allocating its resources</a:t>
-            </a:r>
-          </a:p>
-          <a:p>
-            <a:endParaRPr lang="en-US" sz="1600" b="1" dirty="0"/>
-          </a:p>
-          <a:p>
-            <a:r>
-              <a:rPr lang="en-US" sz="1600" b="1" dirty="0"/>
-              <a:t>The label wants to understand importance of album artwork, and which artwork is most likely to entice Spotify subscribers to explore the full album</a:t>
-            </a:r>
-          </a:p>
-          <a:p>
-            <a:endParaRPr lang="en-US" sz="1600" b="1" dirty="0"/>
+            <a:endParaRPr lang="en-US" sz="2400" dirty="0"/>
+          </a:p>
+          <a:p>
+            <a:r>
+              <a:rPr lang="en-US" sz="2400" dirty="0"/>
+              <a:t>New record label </a:t>
+            </a:r>
+            <a:r>
+              <a:rPr lang="en-US" sz="2600" dirty="0"/>
+              <a:t>Vision</a:t>
+            </a:r>
+            <a:r>
+              <a:rPr lang="en-US" sz="2400" dirty="0"/>
+              <a:t> preparing to upload artists’ music to </a:t>
+            </a:r>
+            <a:r>
+              <a:rPr lang="en-US" sz="2400" b="1" dirty="0"/>
+              <a:t>Spotify</a:t>
+            </a:r>
+          </a:p>
+          <a:p>
+            <a:pPr marL="0" indent="0">
+              <a:buNone/>
+            </a:pPr>
+            <a:endParaRPr lang="en-US" sz="2400" dirty="0"/>
+          </a:p>
+          <a:p>
+            <a:r>
+              <a:rPr lang="en-US" sz="2400" dirty="0"/>
+              <a:t>Efficiently </a:t>
+            </a:r>
+            <a:r>
+              <a:rPr lang="en-US" sz="2400" b="1" dirty="0"/>
+              <a:t>allocate resources </a:t>
+            </a:r>
+            <a:r>
+              <a:rPr lang="en-US" sz="2400" dirty="0"/>
+              <a:t>regarding album artwork creation</a:t>
+            </a:r>
+            <a:endParaRPr lang="en-US" sz="2400" b="1" dirty="0"/>
+          </a:p>
+          <a:p>
+            <a:endParaRPr lang="en-US" sz="2400" dirty="0"/>
+          </a:p>
+          <a:p>
+            <a:r>
+              <a:rPr lang="en-US" sz="2400" dirty="0"/>
+              <a:t>Understand album artwork styles that </a:t>
+            </a:r>
+            <a:r>
+              <a:rPr lang="en-US" sz="2400" b="1" dirty="0"/>
+              <a:t>resonate with Spotify subscribers</a:t>
+            </a:r>
           </a:p>
         </p:txBody>
       </p:sp>
@@ -7883,7 +8469,7 @@
         </p:nvSpPr>
         <p:spPr>
           <a:xfrm>
-            <a:off x="6435968" y="1922585"/>
+            <a:off x="6600090" y="1922585"/>
             <a:ext cx="5310553" cy="4126523"/>
           </a:xfrm>
           <a:prstGeom prst="rect">
@@ -7941,12 +8527,14 @@
         </p:nvSpPr>
         <p:spPr/>
         <p:txBody>
-          <a:bodyPr/>
+          <a:bodyPr>
+            <a:normAutofit/>
+          </a:bodyPr>
           <a:lstStyle/>
           <a:p>
             <a:r>
-              <a:rPr lang="en-US" dirty="0"/>
-              <a:t>Our solution</a:t>
+              <a:rPr lang="en-US" sz="3200" dirty="0"/>
+              <a:t>OUR SOLUTION</a:t>
             </a:r>
           </a:p>
         </p:txBody>
@@ -7969,65 +8557,80 @@
         </p:nvSpPr>
         <p:spPr>
           <a:xfrm>
-            <a:off x="785446" y="2250834"/>
-            <a:ext cx="5310554" cy="3678303"/>
+            <a:off x="785445" y="2250834"/>
+            <a:ext cx="5158156" cy="3678303"/>
           </a:xfrm>
         </p:spPr>
         <p:txBody>
           <a:bodyPr anchor="ctr">
-            <a:normAutofit/>
+            <a:noAutofit/>
           </a:bodyPr>
           <a:lstStyle/>
           <a:p>
-            <a:r>
-              <a:rPr lang="en-US" sz="2000" dirty="0">
+            <a:endParaRPr lang="en-US" dirty="0">
+              <a:solidFill>
+                <a:schemeClr val="tx1"/>
+              </a:solidFill>
+            </a:endParaRPr>
+          </a:p>
+          <a:p>
+            <a:r>
+              <a:rPr lang="en-US" dirty="0">
                 <a:solidFill>
                   <a:schemeClr val="tx1"/>
                 </a:solidFill>
               </a:rPr>
-              <a:t>Pull track data from ”Fresh Finds” playlists on Spotify</a:t>
+              <a:t>Analyze songs from ”Fresh Finds” playlists on Spotify</a:t>
             </a:r>
           </a:p>
           <a:p>
             <a:pPr lvl="1"/>
             <a:r>
-              <a:rPr lang="en-US" sz="1400" dirty="0">
+              <a:rPr lang="en-US" sz="1800" i="0" dirty="0">
                 <a:solidFill>
                   <a:schemeClr val="tx1"/>
                 </a:solidFill>
               </a:rPr>
-              <a:t>Playlist consists of artists represented by lesser known labels</a:t>
-            </a:r>
-          </a:p>
-          <a:p>
-            <a:r>
-              <a:rPr lang="en-US" sz="2000" dirty="0">
+              <a:t>Playlist highlights artists on independent labels</a:t>
+            </a:r>
+          </a:p>
+          <a:p>
+            <a:pPr lvl="1"/>
+            <a:r>
+              <a:rPr lang="en-US" sz="1800" i="0" dirty="0">
                 <a:solidFill>
                   <a:schemeClr val="tx1"/>
                 </a:solidFill>
               </a:rPr>
-              <a:t>Analyze respective album artwork using Convolutional Neural Networks to train models</a:t>
-            </a:r>
-          </a:p>
-          <a:p>
-            <a:r>
-              <a:rPr lang="en-US" sz="2000" dirty="0">
+              <a:t>Use album artwork and popularity index of each track</a:t>
+            </a:r>
+          </a:p>
+          <a:p>
+            <a:endParaRPr lang="en-US" dirty="0">
+              <a:solidFill>
+                <a:schemeClr val="tx1"/>
+              </a:solidFill>
+            </a:endParaRPr>
+          </a:p>
+          <a:p>
+            <a:r>
+              <a:rPr lang="en-US" dirty="0">
                 <a:solidFill>
                   <a:schemeClr val="tx1"/>
                 </a:solidFill>
               </a:rPr>
-              <a:t>Determine if album art plays a role in track success, and if so, which album artwork is predicted to succeed on Spotify</a:t>
-            </a:r>
-          </a:p>
-          <a:p>
-            <a:endParaRPr lang="en-US" sz="2000" dirty="0">
+              <a:t>Determine if album art plays a role in track success, and if so which artwork style</a:t>
+            </a:r>
+          </a:p>
+          <a:p>
+            <a:endParaRPr lang="en-US" dirty="0">
               <a:solidFill>
                 <a:schemeClr val="tx1"/>
               </a:solidFill>
             </a:endParaRPr>
           </a:p>
           <a:p>
-            <a:endParaRPr lang="en-US" sz="1800" dirty="0">
+            <a:endParaRPr lang="en-US" dirty="0">
               <a:solidFill>
                 <a:schemeClr val="tx1"/>
               </a:solidFill>
@@ -8063,7 +8666,7 @@
         </p:blipFill>
         <p:spPr bwMode="auto">
           <a:xfrm>
-            <a:off x="6564922" y="2013080"/>
+            <a:off x="6729044" y="2013080"/>
             <a:ext cx="5069330" cy="3916057"/>
           </a:xfrm>
           <a:prstGeom prst="rect">
@@ -8183,12 +8786,14 @@
         </p:nvSpPr>
         <p:spPr/>
         <p:txBody>
-          <a:bodyPr/>
+          <a:bodyPr>
+            <a:normAutofit/>
+          </a:bodyPr>
           <a:lstStyle/>
           <a:p>
             <a:r>
-              <a:rPr lang="en-US" dirty="0"/>
-              <a:t>Data Understanding</a:t>
+              <a:rPr lang="en-US" sz="3200" dirty="0"/>
+              <a:t>DATA UNDERSTANDING</a:t>
             </a:r>
           </a:p>
         </p:txBody>
@@ -8211,8 +8816,8 @@
         </p:nvSpPr>
         <p:spPr>
           <a:xfrm>
-            <a:off x="417070" y="1989409"/>
-            <a:ext cx="7587916" cy="3678303"/>
+            <a:off x="926123" y="1989409"/>
+            <a:ext cx="6611816" cy="3678303"/>
           </a:xfrm>
         </p:spPr>
         <p:txBody>
@@ -8242,8 +8847,16 @@
               </a:spcAft>
             </a:pPr>
             <a:r>
+              <a:rPr lang="en-US" b="1" dirty="0"/>
+              <a:t>Popularity index </a:t>
+            </a:r>
+            <a:r>
               <a:rPr lang="en-US" dirty="0"/>
-              <a:t>Data used for prediction consists of XX tracks on Spotify’s “Fresh Finds” playlists</a:t>
+              <a:t>is a calculation between 0-100, with </a:t>
+            </a:r>
+            <a:r>
+              <a:rPr lang="en-US" b="1" dirty="0"/>
+              <a:t>100 as most popular</a:t>
             </a:r>
           </a:p>
           <a:p>
@@ -8256,8 +8869,8 @@
               </a:spcAft>
             </a:pPr>
             <a:r>
-              <a:rPr lang="en-US" dirty="0"/>
-              <a:t>Playlist highlights artists on independent labels</a:t>
+              <a:rPr lang="en-US" sz="1800" i="0" dirty="0"/>
+              <a:t>Calculated by total number of plays, and play recency</a:t>
             </a:r>
           </a:p>
           <a:p>
@@ -8269,34 +8882,18 @@
                 <a:spcPts val="0"/>
               </a:spcAft>
             </a:pPr>
-            <a:r>
-              <a:rPr lang="en-US" dirty="0"/>
-              <a:t>Artwork from track and popularity index are pulled</a:t>
-            </a:r>
-          </a:p>
-          <a:p>
-            <a:pPr marL="324000" lvl="1" indent="0">
+            <a:endParaRPr lang="en-US" i="0" dirty="0"/>
+          </a:p>
+          <a:p>
+            <a:pPr lvl="1">
               <a:spcBef>
                 <a:spcPts val="0"/>
               </a:spcBef>
               <a:spcAft>
                 <a:spcPts val="0"/>
               </a:spcAft>
-              <a:buNone/>
             </a:pPr>
-            <a:endParaRPr lang="en-US" dirty="0"/>
-          </a:p>
-          <a:p>
-            <a:pPr marL="324000" lvl="1" indent="0">
-              <a:spcBef>
-                <a:spcPts val="0"/>
-              </a:spcBef>
-              <a:spcAft>
-                <a:spcPts val="0"/>
-              </a:spcAft>
-              <a:buNone/>
-            </a:pPr>
-            <a:endParaRPr lang="en-US" dirty="0"/>
+            <a:endParaRPr lang="en-US" sz="1800" i="0" dirty="0"/>
           </a:p>
           <a:p>
             <a:pPr>
@@ -8309,8 +8906,23 @@
             </a:pPr>
             <a:r>
               <a:rPr lang="en-US" dirty="0"/>
-              <a:t>Popularity index is a calculation between 0-100, with 100 as most popular</a:t>
-            </a:r>
+              <a:t>Album artwork reformatted to be “viewed” by algorithm to </a:t>
+            </a:r>
+            <a:r>
+              <a:rPr lang="en-US" b="1" dirty="0"/>
+              <a:t>predict popularity</a:t>
+            </a:r>
+          </a:p>
+          <a:p>
+            <a:pPr>
+              <a:spcBef>
+                <a:spcPts val="0"/>
+              </a:spcBef>
+              <a:spcAft>
+                <a:spcPts val="0"/>
+              </a:spcAft>
+            </a:pPr>
+            <a:endParaRPr lang="en-US" b="1" dirty="0"/>
           </a:p>
           <a:p>
             <a:pPr lvl="1">
@@ -8322,8 +8934,8 @@
               </a:spcAft>
             </a:pPr>
             <a:r>
-              <a:rPr lang="en-US" dirty="0"/>
-              <a:t>Popularity calculated by total number of plays, and play recency</a:t>
+              <a:rPr lang="en-US" sz="1800" i="0" dirty="0"/>
+              <a:t>An image is 3 matrices of pixel values. </a:t>
             </a:r>
           </a:p>
           <a:p>
@@ -8335,7 +8947,10 @@
                 <a:spcPts val="0"/>
               </a:spcAft>
             </a:pPr>
-            <a:endParaRPr lang="en-US" dirty="0"/>
+            <a:r>
+              <a:rPr lang="en-US" sz="1800" i="0" dirty="0"/>
+              <a:t>Each pixel is represented as the height and width of a matrix</a:t>
+            </a:r>
           </a:p>
           <a:p>
             <a:pPr lvl="1">
@@ -8346,99 +8961,9 @@
                 <a:spcPts val="0"/>
               </a:spcAft>
             </a:pPr>
-            <a:endParaRPr lang="en-US" sz="1800" dirty="0"/>
-          </a:p>
-          <a:p>
-            <a:pPr>
-              <a:spcBef>
-                <a:spcPts val="0"/>
-              </a:spcBef>
-              <a:spcAft>
-                <a:spcPts val="0"/>
-              </a:spcAft>
-            </a:pPr>
-            <a:r>
-              <a:rPr lang="en-US" dirty="0"/>
-              <a:t>Album artwork reformatted to be “read” by computer</a:t>
-            </a:r>
-          </a:p>
-          <a:p>
-            <a:pPr lvl="1">
-              <a:spcBef>
-                <a:spcPts val="0"/>
-              </a:spcBef>
-              <a:spcAft>
-                <a:spcPts val="0"/>
-              </a:spcAft>
-            </a:pPr>
-            <a:r>
-              <a:rPr lang="en-US" dirty="0"/>
-              <a:t>An image is 3 matrices of pixel values. </a:t>
-            </a:r>
-          </a:p>
-          <a:p>
-            <a:pPr lvl="1">
-              <a:spcBef>
-                <a:spcPts val="0"/>
-              </a:spcBef>
-              <a:spcAft>
-                <a:spcPts val="0"/>
-              </a:spcAft>
-            </a:pPr>
-            <a:r>
-              <a:rPr lang="en-US" dirty="0"/>
-              <a:t>Each pixel represents a number</a:t>
-            </a:r>
-          </a:p>
-        </p:txBody>
-      </p:sp>
-      <p:sp>
-        <p:nvSpPr>
-          <p:cNvPr id="6" name="TextBox 5">
-            <a:extLst>
-              <a:ext uri="{FF2B5EF4-FFF2-40B4-BE49-F238E27FC236}">
-                <a16:creationId xmlns:a16="http://schemas.microsoft.com/office/drawing/2014/main" id="{FF8F6CB8-6300-F444-B327-6646CDB330F7}"/>
-              </a:ext>
-            </a:extLst>
-          </p:cNvPr>
-          <p:cNvSpPr txBox="1"/>
-          <p:nvPr/>
-        </p:nvSpPr>
-        <p:spPr>
-          <a:xfrm>
-            <a:off x="786423" y="6482861"/>
-            <a:ext cx="10351477" cy="276999"/>
-          </a:xfrm>
-          <a:prstGeom prst="rect">
-            <a:avLst/>
-          </a:prstGeom>
-          <a:noFill/>
-        </p:spPr>
-        <p:txBody>
-          <a:bodyPr wrap="square" rtlCol="0">
-            <a:spAutoFit/>
-          </a:bodyPr>
-          <a:lstStyle/>
-          <a:p>
-            <a:r>
-              <a:rPr lang="en-US" sz="1200" dirty="0"/>
-              <a:t>Data source:  https://</a:t>
-            </a:r>
-            <a:r>
-              <a:rPr lang="en-US" sz="1200" dirty="0" err="1"/>
-              <a:t>www.kaggle.com</a:t>
-            </a:r>
-            <a:r>
-              <a:rPr lang="en-US" sz="1200" dirty="0"/>
-              <a:t>/code/</a:t>
-            </a:r>
-            <a:r>
-              <a:rPr lang="en-US" sz="1200" dirty="0" err="1"/>
-              <a:t>anayad</a:t>
-            </a:r>
-            <a:r>
-              <a:rPr lang="en-US" sz="1200" dirty="0"/>
-              <a:t>/classifying-cyberbullying-tweets/data</a:t>
+            <a:r>
+              <a:rPr lang="en-US" sz="1800" i="0" dirty="0"/>
+              <a:t>Each matrix represents the Red, Green, Blue values</a:t>
             </a:r>
           </a:p>
         </p:txBody>
@@ -8457,8 +8982,8 @@
         </p:nvSpPr>
         <p:spPr>
           <a:xfrm>
-            <a:off x="8110492" y="1766232"/>
-            <a:ext cx="3617545" cy="307777"/>
+            <a:off x="8110492" y="1856351"/>
+            <a:ext cx="3617545" cy="338554"/>
           </a:xfrm>
           <a:prstGeom prst="rect">
             <a:avLst/>
@@ -8473,7 +8998,7 @@
           <a:p>
             <a:pPr algn="ctr"/>
             <a:r>
-              <a:rPr lang="en-US" sz="1400" dirty="0"/>
+              <a:rPr lang="en-US" sz="1600" dirty="0"/>
               <a:t>Album artwork example from Spotify</a:t>
             </a:r>
           </a:p>
@@ -8570,8 +9095,8 @@
         </p:nvSpPr>
         <p:spPr>
           <a:xfrm>
-            <a:off x="7379267" y="1840523"/>
-            <a:ext cx="4368618" cy="4583723"/>
+            <a:off x="7373818" y="1840523"/>
+            <a:ext cx="4034100" cy="4583723"/>
           </a:xfrm>
           <a:prstGeom prst="rect">
             <a:avLst/>
@@ -8628,12 +9153,14 @@
         </p:nvSpPr>
         <p:spPr/>
         <p:txBody>
-          <a:bodyPr/>
+          <a:bodyPr>
+            <a:normAutofit/>
+          </a:bodyPr>
           <a:lstStyle/>
           <a:p>
             <a:r>
-              <a:rPr lang="en-US" dirty="0"/>
-              <a:t>Preliminary Color Analysis</a:t>
+              <a:rPr lang="en-US" sz="3200" dirty="0"/>
+              <a:t>COLOR OF ALBUM ARTWORK DOES NOT INDICATE SIGNIFICANT DIFFERENCES IN POPULARITY</a:t>
             </a:r>
           </a:p>
         </p:txBody>
@@ -8657,7 +9184,7 @@
         <p:spPr>
           <a:xfrm>
             <a:off x="850822" y="2250834"/>
-            <a:ext cx="6077515" cy="3678303"/>
+            <a:ext cx="6483406" cy="3678303"/>
           </a:xfrm>
         </p:spPr>
         <p:txBody>
@@ -8667,32 +9194,85 @@
           <a:lstStyle/>
           <a:p>
             <a:r>
-              <a:rPr lang="en-US" sz="2000" dirty="0">
+              <a:rPr lang="en-US" dirty="0">
                 <a:solidFill>
                   <a:schemeClr val="tx1"/>
                 </a:solidFill>
               </a:rPr>
-              <a:t>Initial analysis on color does not show significant difference in popularity</a:t>
-            </a:r>
-          </a:p>
-          <a:p>
-            <a:r>
-              <a:rPr lang="en-US" sz="2000" dirty="0">
+              <a:t>Artwork </a:t>
+            </a:r>
+            <a:r>
+              <a:rPr lang="en-US" b="1" dirty="0">
                 <a:solidFill>
                   <a:schemeClr val="tx1"/>
                 </a:solidFill>
               </a:rPr>
-              <a:t>Black and White images have a slightly higher index than colored images</a:t>
-            </a:r>
-          </a:p>
-          <a:p>
-            <a:r>
-              <a:rPr lang="en-US" sz="2000" dirty="0">
+              <a:t>with black as a dominant color </a:t>
+            </a:r>
+            <a:r>
+              <a:rPr lang="en-US" dirty="0">
                 <a:solidFill>
                   <a:schemeClr val="tx1"/>
                 </a:solidFill>
               </a:rPr>
-              <a:t>Album Art with black as its dominant color have a slightly higher index than other colors on average</a:t>
+              <a:t>have </a:t>
+            </a:r>
+            <a:r>
+              <a:rPr lang="en-US" b="1" dirty="0">
+                <a:solidFill>
+                  <a:schemeClr val="tx1"/>
+                </a:solidFill>
+              </a:rPr>
+              <a:t>a slightly higher </a:t>
+            </a:r>
+            <a:r>
+              <a:rPr lang="en-US" dirty="0">
+                <a:solidFill>
+                  <a:schemeClr val="tx1"/>
+                </a:solidFill>
+              </a:rPr>
+              <a:t>index than other colors on average</a:t>
+            </a:r>
+          </a:p>
+          <a:p>
+            <a:endParaRPr lang="en-US" dirty="0">
+              <a:solidFill>
+                <a:schemeClr val="tx1"/>
+              </a:solidFill>
+            </a:endParaRPr>
+          </a:p>
+          <a:p>
+            <a:r>
+              <a:rPr lang="en-US" b="1" dirty="0">
+                <a:solidFill>
+                  <a:schemeClr val="tx1"/>
+                </a:solidFill>
+              </a:rPr>
+              <a:t>Black-and-white images </a:t>
+            </a:r>
+            <a:r>
+              <a:rPr lang="en-US" dirty="0">
+                <a:solidFill>
+                  <a:schemeClr val="tx1"/>
+                </a:solidFill>
+              </a:rPr>
+              <a:t>have </a:t>
+            </a:r>
+            <a:r>
+              <a:rPr lang="en-US" b="1" dirty="0">
+                <a:solidFill>
+                  <a:schemeClr val="tx1"/>
+                </a:solidFill>
+              </a:rPr>
+              <a:t>a slightly higher </a:t>
+            </a:r>
+            <a:r>
+              <a:rPr lang="en-US" dirty="0">
+                <a:solidFill>
+                  <a:schemeClr val="tx1"/>
+                </a:solidFill>
+              </a:rPr>
+              <a:t>average index than colored images</a:t>
             </a:r>
           </a:p>
           <a:p>
@@ -8745,19 +9325,11 @@
             </a:r>
             <a:r>
               <a:rPr lang="en-US" sz="1200" dirty="0" err="1"/>
-              <a:t>www.kaggle.com</a:t>
+              <a:t>developer.spotify.com</a:t>
             </a:r>
             <a:r>
               <a:rPr lang="en-US" sz="1200" dirty="0"/>
-              <a:t>/code/</a:t>
-            </a:r>
-            <a:r>
-              <a:rPr lang="en-US" sz="1200" dirty="0" err="1"/>
-              <a:t>anayad</a:t>
-            </a:r>
-            <a:r>
-              <a:rPr lang="en-US" sz="1200" dirty="0"/>
-              <a:t>/classifying-cyberbullying-tweets/data</a:t>
+              <a:t>/</a:t>
             </a:r>
           </a:p>
         </p:txBody>
@@ -8791,8 +9363,8 @@
         </p:blipFill>
         <p:spPr bwMode="auto">
           <a:xfrm>
-            <a:off x="7424306" y="4230661"/>
-            <a:ext cx="4278540" cy="2182576"/>
+            <a:off x="7479325" y="4230661"/>
+            <a:ext cx="3883554" cy="2182576"/>
           </a:xfrm>
           <a:prstGeom prst="rect">
             <a:avLst/>
@@ -8838,8 +9410,8 @@
         </p:blipFill>
         <p:spPr bwMode="auto">
           <a:xfrm>
-            <a:off x="7424306" y="1898893"/>
-            <a:ext cx="4278540" cy="2303829"/>
+            <a:off x="7491048" y="1898893"/>
+            <a:ext cx="3883554" cy="2303829"/>
           </a:xfrm>
           <a:prstGeom prst="rect">
             <a:avLst/>
@@ -8902,7 +9474,12 @@
             <p:ph type="title"/>
           </p:nvPr>
         </p:nvSpPr>
-        <p:spPr/>
+        <p:spPr>
+          <a:xfrm>
+            <a:off x="1371600" y="685800"/>
+            <a:ext cx="9766300" cy="1485900"/>
+          </a:xfrm>
+        </p:spPr>
         <p:txBody>
           <a:bodyPr>
             <a:normAutofit/>
@@ -8910,8 +9487,16 @@
           <a:lstStyle/>
           <a:p>
             <a:r>
-              <a:rPr lang="en-US" dirty="0"/>
-              <a:t>Evaluation of Model</a:t>
+              <a:rPr lang="en-US" sz="3200" dirty="0"/>
+              <a:t>FINAL MODEL SUGGESTS ALBUM ARTWORK </a:t>
+            </a:r>
+            <a:r>
+              <a:rPr lang="en-US" sz="3200" b="1" dirty="0"/>
+              <a:t>DOES NOT </a:t>
+            </a:r>
+            <a:r>
+              <a:rPr lang="en-US" sz="3200" dirty="0"/>
+              <a:t>PLAY A SIGNIFICANT ROLE IN SPOTIFY POPULARITY</a:t>
             </a:r>
           </a:p>
         </p:txBody>
@@ -8944,47 +9529,94 @@
           </a:bodyPr>
           <a:lstStyle/>
           <a:p>
-            <a:endParaRPr lang="en-US" dirty="0"/>
-          </a:p>
-          <a:p>
-            <a:r>
-              <a:rPr lang="en-US" dirty="0"/>
+            <a:endParaRPr lang="en-US" dirty="0">
+              <a:latin typeface="+mj-lt"/>
+            </a:endParaRPr>
+          </a:p>
+          <a:p>
+            <a:r>
+              <a:rPr lang="en-US" dirty="0">
+                <a:latin typeface="+mj-lt"/>
+              </a:rPr>
               <a:t>Model </a:t>
             </a:r>
             <a:r>
-              <a:rPr lang="en-US" b="1" dirty="0"/>
+              <a:rPr lang="en-US" b="1" dirty="0">
+                <a:latin typeface="+mj-lt"/>
+              </a:rPr>
               <a:t>did not find any relationship </a:t>
             </a:r>
             <a:r>
-              <a:rPr lang="en-US" dirty="0"/>
+              <a:rPr lang="en-US" dirty="0">
+                <a:latin typeface="+mj-lt"/>
+              </a:rPr>
               <a:t>between album artwork and Spotify popularity</a:t>
             </a:r>
           </a:p>
           <a:p>
             <a:r>
-              <a:rPr lang="en-US" dirty="0"/>
-              <a:t>Our model was within a 5 point threshold of predicting popularity </a:t>
-            </a:r>
-            <a:r>
-              <a:rPr lang="en-US" b="1" dirty="0"/>
+              <a:rPr lang="en-US" dirty="0">
+                <a:latin typeface="+mj-lt"/>
+              </a:rPr>
+              <a:t>Model was within a 5-point threshold of predicting popularity </a:t>
+            </a:r>
+            <a:r>
+              <a:rPr lang="en-US" b="1" dirty="0">
+                <a:latin typeface="+mj-lt"/>
+              </a:rPr>
               <a:t>only 25% </a:t>
             </a:r>
             <a:r>
-              <a:rPr lang="en-US" dirty="0"/>
+              <a:rPr lang="en-US" dirty="0">
+                <a:latin typeface="+mj-lt"/>
+              </a:rPr>
               <a:t>of the time.</a:t>
             </a:r>
           </a:p>
           <a:p>
             <a:r>
-              <a:rPr lang="en-US" dirty="0"/>
-              <a:t>The model generated an R-squared value of 0, meaning album artwork explains the popularity index about as efficiently as simply averaging the popularity index does</a:t>
-            </a:r>
-          </a:p>
-          <a:p>
-            <a:endParaRPr lang="en-US" dirty="0"/>
-          </a:p>
-          <a:p>
-            <a:endParaRPr lang="en-US" dirty="0"/>
+              <a:rPr lang="en-US" dirty="0">
+                <a:latin typeface="+mj-lt"/>
+              </a:rPr>
+              <a:t>The model generated an </a:t>
+            </a:r>
+            <a:r>
+              <a:rPr lang="en-US" b="1" dirty="0">
+                <a:latin typeface="+mj-lt"/>
+              </a:rPr>
+              <a:t>R-squared value of 0</a:t>
+            </a:r>
+          </a:p>
+          <a:p>
+            <a:pPr lvl="1"/>
+            <a:r>
+              <a:rPr lang="en-US" sz="1800" i="0" dirty="0">
+                <a:latin typeface="+mj-lt"/>
+              </a:rPr>
+              <a:t>album artwork explains the popularity index about </a:t>
+            </a:r>
+            <a:r>
+              <a:rPr lang="en-US" sz="1800" b="1" i="0" dirty="0">
+                <a:latin typeface="+mj-lt"/>
+              </a:rPr>
+              <a:t>as efficiently as averaging the popularity index </a:t>
+            </a:r>
+            <a:r>
+              <a:rPr lang="en-US" sz="1800" i="0" dirty="0">
+                <a:latin typeface="+mj-lt"/>
+              </a:rPr>
+              <a:t>would</a:t>
+            </a:r>
+          </a:p>
+          <a:p>
+            <a:endParaRPr lang="en-US" dirty="0">
+              <a:latin typeface="+mj-lt"/>
+            </a:endParaRPr>
+          </a:p>
+          <a:p>
+            <a:endParaRPr lang="en-US" dirty="0">
+              <a:latin typeface="+mj-lt"/>
+            </a:endParaRPr>
           </a:p>
         </p:txBody>
       </p:sp>
@@ -9056,19 +9688,11 @@
             </a:r>
             <a:r>
               <a:rPr lang="en-US" sz="1200" dirty="0" err="1"/>
-              <a:t>www.kaggle.com</a:t>
+              <a:t>developer.spotify.com</a:t>
             </a:r>
             <a:r>
               <a:rPr lang="en-US" sz="1200" dirty="0"/>
-              <a:t>/code/</a:t>
-            </a:r>
-            <a:r>
-              <a:rPr lang="en-US" sz="1200" dirty="0" err="1"/>
-              <a:t>anayad</a:t>
-            </a:r>
-            <a:r>
-              <a:rPr lang="en-US" sz="1200" dirty="0"/>
-              <a:t>/classifying-cyberbullying-tweets/data</a:t>
+              <a:t>/</a:t>
             </a:r>
           </a:p>
         </p:txBody>
@@ -9306,6 +9930,14 @@
 <file path=ppt/slides/slide8.xml><?xml version="1.0" encoding="utf-8"?>
 <p:sld xmlns:a="http://schemas.openxmlformats.org/drawingml/2006/main" xmlns:r="http://schemas.openxmlformats.org/officeDocument/2006/relationships" xmlns:p="http://schemas.openxmlformats.org/presentationml/2006/main">
   <p:cSld>
+    <p:bg>
+      <p:bgPr>
+        <a:solidFill>
+          <a:schemeClr val="bg2"/>
+        </a:solidFill>
+        <a:effectLst/>
+      </p:bgPr>
+    </p:bg>
     <p:spTree>
       <p:nvGrpSpPr>
         <p:cNvPr id="1" name=""/>
@@ -9320,6 +9952,66 @@
           <a:chExt cx="0" cy="0"/>
         </a:xfrm>
       </p:grpSpPr>
+      <p:sp useBgFill="1">
+        <p:nvSpPr>
+          <p:cNvPr id="17" name="Rectangle 14">
+            <a:extLst>
+              <a:ext uri="{FF2B5EF4-FFF2-40B4-BE49-F238E27FC236}">
+                <a16:creationId xmlns:a16="http://schemas.microsoft.com/office/drawing/2014/main" id="{30BC9609-A8AF-411F-A9E0-C3B93C8945CA}"/>
+              </a:ext>
+              <a:ext uri="{C183D7F6-B498-43B3-948B-1728B52AA6E4}">
+                <adec:decorative xmlns:adec="http://schemas.microsoft.com/office/drawing/2017/decorative" val="1"/>
+              </a:ext>
+            </a:extLst>
+          </p:cNvPr>
+          <p:cNvSpPr>
+            <a:spLocks noGrp="1" noRot="1" noChangeAspect="1" noMove="1" noResize="1" noEditPoints="1" noAdjustHandles="1" noChangeArrowheads="1" noChangeShapeType="1" noTextEdit="1"/>
+          </p:cNvSpPr>
+          <p:nvPr>
+            <p:extLst>
+              <p:ext uri="{386F3935-93C4-4BCD-93E2-E3B085C9AB24}">
+                <p16:designElem xmlns:p16="http://schemas.microsoft.com/office/powerpoint/2015/main" val="1"/>
+              </p:ext>
+            </p:extLst>
+          </p:nvPr>
+        </p:nvSpPr>
+        <p:spPr>
+          <a:xfrm>
+            <a:off x="0" y="0"/>
+            <a:ext cx="12192000" cy="6858000"/>
+          </a:xfrm>
+          <a:prstGeom prst="rect">
+            <a:avLst/>
+          </a:prstGeom>
+          <a:ln>
+            <a:noFill/>
+          </a:ln>
+        </p:spPr>
+        <p:style>
+          <a:lnRef idx="2">
+            <a:schemeClr val="accent1">
+              <a:shade val="50000"/>
+            </a:schemeClr>
+          </a:lnRef>
+          <a:fillRef idx="1">
+            <a:schemeClr val="accent1"/>
+          </a:fillRef>
+          <a:effectRef idx="0">
+            <a:schemeClr val="accent1"/>
+          </a:effectRef>
+          <a:fontRef idx="minor">
+            <a:schemeClr val="lt1"/>
+          </a:fontRef>
+        </p:style>
+        <p:txBody>
+          <a:bodyPr rtlCol="0" anchor="ctr"/>
+          <a:lstStyle/>
+          <a:p>
+            <a:pPr algn="ctr"/>
+            <a:endParaRPr lang="en-US"/>
+          </a:p>
+        </p:txBody>
+      </p:sp>
       <p:sp>
         <p:nvSpPr>
           <p:cNvPr id="2" name="Title 1">
@@ -9336,42 +10028,54 @@
             <p:ph type="title"/>
           </p:nvPr>
         </p:nvSpPr>
-        <p:spPr/>
+        <p:spPr>
+          <a:xfrm>
+            <a:off x="117231" y="639704"/>
+            <a:ext cx="4325815" cy="5577840"/>
+          </a:xfrm>
+        </p:spPr>
         <p:txBody>
-          <a:bodyPr/>
+          <a:bodyPr anchor="ctr">
+            <a:normAutofit/>
+          </a:bodyPr>
           <a:lstStyle/>
           <a:p>
+            <a:pPr algn="ctr"/>
             <a:r>
               <a:rPr lang="en-US" dirty="0"/>
-              <a:t>Next Steps</a:t>
+              <a:t>CONCLUSIONS AND </a:t>
+            </a:r>
+            <a:br>
+              <a:rPr lang="en-US" dirty="0"/>
+            </a:br>
+            <a:r>
+              <a:rPr lang="en-US" dirty="0"/>
+              <a:t>NEXT STEPS</a:t>
             </a:r>
           </a:p>
         </p:txBody>
       </p:sp>
       <p:graphicFrame>
         <p:nvGraphicFramePr>
-          <p:cNvPr id="9" name="Content Placeholder 2">
+          <p:cNvPr id="11" name="Content Placeholder 2">
             <a:extLst>
               <a:ext uri="{FF2B5EF4-FFF2-40B4-BE49-F238E27FC236}">
-                <a16:creationId xmlns:a16="http://schemas.microsoft.com/office/drawing/2014/main" id="{E0FBC18A-7DF5-A89F-D183-CE2E5076051D}"/>
+                <a16:creationId xmlns:a16="http://schemas.microsoft.com/office/drawing/2014/main" id="{0828A496-7C2D-9BD2-D6BC-79F24E1217A4}"/>
               </a:ext>
             </a:extLst>
           </p:cNvPr>
-          <p:cNvGraphicFramePr>
-            <a:graphicFrameLocks noGrp="1"/>
-          </p:cNvGraphicFramePr>
+          <p:cNvGraphicFramePr/>
           <p:nvPr>
-            <p:ph idx="1"/>
             <p:extLst>
               <p:ext uri="{D42A27DB-BD31-4B8C-83A1-F6EECF244321}">
-                <p14:modId xmlns:p14="http://schemas.microsoft.com/office/powerpoint/2010/main" val="4110817273"/>
+                <p14:modId xmlns:p14="http://schemas.microsoft.com/office/powerpoint/2010/main" val="1560408939"/>
               </p:ext>
             </p:extLst>
           </p:nvPr>
         </p:nvGraphicFramePr>
         <p:xfrm>
-          <a:off x="1155622" y="2250834"/>
-          <a:ext cx="10520563" cy="3678303"/>
+          <a:off x="4901472" y="639705"/>
+          <a:ext cx="6506304" cy="5577840"/>
         </p:xfrm>
         <a:graphic>
           <a:graphicData uri="http://schemas.openxmlformats.org/drawingml/2006/diagram">
@@ -9379,6 +10083,147 @@
           </a:graphicData>
         </a:graphic>
       </p:graphicFrame>
+      <p:pic>
+        <p:nvPicPr>
+          <p:cNvPr id="1026" name="Picture 2" descr="Distribution icon PNG and SVG Vector Free Download">
+            <a:extLst>
+              <a:ext uri="{FF2B5EF4-FFF2-40B4-BE49-F238E27FC236}">
+                <a16:creationId xmlns:a16="http://schemas.microsoft.com/office/drawing/2014/main" id="{3A3DBD15-0CCC-814D-9A7D-7E2624FEBA35}"/>
+              </a:ext>
+            </a:extLst>
+          </p:cNvPr>
+          <p:cNvPicPr>
+            <a:picLocks noChangeAspect="1" noChangeArrowheads="1"/>
+          </p:cNvPicPr>
+          <p:nvPr/>
+        </p:nvPicPr>
+        <p:blipFill>
+          <a:blip r:embed="rId7">
+            <a:extLst>
+              <a:ext uri="{28A0092B-C50C-407E-A947-70E740481C1C}">
+                <a14:useLocalDpi xmlns:a14="http://schemas.microsoft.com/office/drawing/2010/main" val="0"/>
+              </a:ext>
+            </a:extLst>
+          </a:blip>
+          <a:srcRect/>
+          <a:stretch>
+            <a:fillRect/>
+          </a:stretch>
+        </p:blipFill>
+        <p:spPr bwMode="auto">
+          <a:xfrm>
+            <a:off x="5084352" y="4776449"/>
+            <a:ext cx="1011648" cy="1011648"/>
+          </a:xfrm>
+          <a:prstGeom prst="rect">
+            <a:avLst/>
+          </a:prstGeom>
+          <a:noFill/>
+          <a:extLst>
+            <a:ext uri="{909E8E84-426E-40DD-AFC4-6F175D3DCCD1}">
+              <a14:hiddenFill xmlns:a14="http://schemas.microsoft.com/office/drawing/2010/main">
+                <a:solidFill>
+                  <a:srgbClr val="FFFFFF"/>
+                </a:solidFill>
+              </a14:hiddenFill>
+            </a:ext>
+          </a:extLst>
+        </p:spPr>
+      </p:pic>
+      <p:pic>
+        <p:nvPicPr>
+          <p:cNvPr id="1028" name="Picture 4" descr="Efficiency - Free miscellaneous icons">
+            <a:extLst>
+              <a:ext uri="{FF2B5EF4-FFF2-40B4-BE49-F238E27FC236}">
+                <a16:creationId xmlns:a16="http://schemas.microsoft.com/office/drawing/2014/main" id="{2F6C921F-DE6A-C24A-AE58-46C021FA1DB6}"/>
+              </a:ext>
+            </a:extLst>
+          </p:cNvPr>
+          <p:cNvPicPr>
+            <a:picLocks noChangeAspect="1" noChangeArrowheads="1"/>
+          </p:cNvPicPr>
+          <p:nvPr/>
+        </p:nvPicPr>
+        <p:blipFill>
+          <a:blip r:embed="rId8">
+            <a:extLst>
+              <a:ext uri="{28A0092B-C50C-407E-A947-70E740481C1C}">
+                <a14:useLocalDpi xmlns:a14="http://schemas.microsoft.com/office/drawing/2010/main" val="0"/>
+              </a:ext>
+            </a:extLst>
+          </a:blip>
+          <a:srcRect/>
+          <a:stretch>
+            <a:fillRect/>
+          </a:stretch>
+        </p:blipFill>
+        <p:spPr bwMode="auto">
+          <a:xfrm>
+            <a:off x="5221512" y="1146103"/>
+            <a:ext cx="807138" cy="807138"/>
+          </a:xfrm>
+          <a:prstGeom prst="rect">
+            <a:avLst/>
+          </a:prstGeom>
+          <a:noFill/>
+          <a:extLst>
+            <a:ext uri="{909E8E84-426E-40DD-AFC4-6F175D3DCCD1}">
+              <a14:hiddenFill xmlns:a14="http://schemas.microsoft.com/office/drawing/2010/main">
+                <a:solidFill>
+                  <a:srgbClr val="FFFFFF"/>
+                </a:solidFill>
+              </a14:hiddenFill>
+            </a:ext>
+          </a:extLst>
+        </p:spPr>
+      </p:pic>
+      <p:pic>
+        <p:nvPicPr>
+          <p:cNvPr id="1030" name="Picture 6" descr="Download SPEECH BUBBLE Free PNG transparent image and clipart">
+            <a:extLst>
+              <a:ext uri="{FF2B5EF4-FFF2-40B4-BE49-F238E27FC236}">
+                <a16:creationId xmlns:a16="http://schemas.microsoft.com/office/drawing/2014/main" id="{608B2326-82DD-9840-B9CF-5F3DC8F1470C}"/>
+              </a:ext>
+            </a:extLst>
+          </p:cNvPr>
+          <p:cNvPicPr>
+            <a:picLocks noChangeAspect="1" noChangeArrowheads="1"/>
+          </p:cNvPicPr>
+          <p:nvPr/>
+        </p:nvPicPr>
+        <p:blipFill>
+          <a:blip r:embed="rId9">
+            <a:extLst>
+              <a:ext uri="{28A0092B-C50C-407E-A947-70E740481C1C}">
+                <a14:useLocalDpi xmlns:a14="http://schemas.microsoft.com/office/drawing/2010/main" val="0"/>
+              </a:ext>
+            </a:extLst>
+          </a:blip>
+          <a:srcRect/>
+          <a:stretch>
+            <a:fillRect/>
+          </a:stretch>
+        </p:blipFill>
+        <p:spPr bwMode="auto">
+          <a:xfrm>
+            <a:off x="5062078" y="3063746"/>
+            <a:ext cx="1072608" cy="807138"/>
+          </a:xfrm>
+          <a:prstGeom prst="rect">
+            <a:avLst/>
+          </a:prstGeom>
+          <a:noFill/>
+          <a:extLst>
+            <a:ext uri="{909E8E84-426E-40DD-AFC4-6F175D3DCCD1}">
+              <a14:hiddenFill xmlns:a14="http://schemas.microsoft.com/office/drawing/2010/main">
+                <a:solidFill>
+                  <a:srgbClr val="FFFFFF"/>
+                </a:solidFill>
+              </a14:hiddenFill>
+            </a:ext>
+          </a:extLst>
+        </p:spPr>
+      </p:pic>
     </p:spTree>
     <p:extLst>
       <p:ext uri="{BB962C8B-B14F-4D97-AF65-F5344CB8AC3E}">

--- a/predicting_song_popularity_by_album_artwork.pptx
+++ b/predicting_song_popularity_by_album_artwork.pptx
@@ -1100,11 +1100,11 @@
           </a:r>
           <a:r>
             <a:rPr lang="en-US" sz="2400" b="1" dirty="0"/>
-            <a:t>reallocating resources away from album art creation</a:t>
+            <a:t>allocating resources away from album art creation</a:t>
           </a:r>
           <a:r>
             <a:rPr lang="en-US" sz="2400" dirty="0"/>
-            <a:t>, as artwork style doesn’t seem to affect popularity</a:t>
+            <a:t>, as artwork style doesn’t seem to affect popularity on Spotify</a:t>
           </a:r>
         </a:p>
       </dgm:t>
@@ -1652,11 +1652,11 @@
           </a:r>
           <a:r>
             <a:rPr lang="en-US" sz="2400" b="1" kern="1200" dirty="0"/>
-            <a:t>reallocating resources away from album art creation</a:t>
+            <a:t>allocating resources away from album art creation</a:t>
           </a:r>
           <a:r>
             <a:rPr lang="en-US" sz="2400" kern="1200" dirty="0"/>
-            <a:t>, as artwork style doesn’t seem to affect popularity</a:t>
+            <a:t>, as artwork style doesn’t seem to affect popularity on Spotify</a:t>
           </a:r>
         </a:p>
       </dsp:txBody>
@@ -7512,7 +7512,7 @@
         <p:spPr>
           <a:xfrm>
             <a:off x="1922592" y="1480930"/>
-            <a:ext cx="6010436" cy="3672027"/>
+            <a:ext cx="6010436" cy="4040639"/>
           </a:xfrm>
         </p:spPr>
         <p:txBody>
@@ -7527,10 +7527,13 @@
               <a:t>Predicting SONG POPULARITY on spotify using album artwork</a:t>
             </a:r>
             <a:br>
+              <a:rPr lang="en-US" sz="4800" b="1" dirty="0"/>
+            </a:br>
+            <a:br>
               <a:rPr lang="en-US" sz="4800" dirty="0"/>
             </a:br>
             <a:r>
-              <a:rPr lang="en-US" sz="4400" dirty="0"/>
+              <a:rPr lang="en-US" sz="4000" dirty="0"/>
               <a:t>FOR VISION RECORDS </a:t>
             </a:r>
             <a:endParaRPr lang="en-US" sz="4800" dirty="0"/>
@@ -7793,14 +7796,6 @@
 <file path=ppt/slides/slide2.xml><?xml version="1.0" encoding="utf-8"?>
 <p:sld xmlns:a="http://schemas.openxmlformats.org/drawingml/2006/main" xmlns:r="http://schemas.openxmlformats.org/officeDocument/2006/relationships" xmlns:p="http://schemas.openxmlformats.org/presentationml/2006/main">
   <p:cSld>
-    <p:bg>
-      <p:bgPr>
-        <a:solidFill>
-          <a:schemeClr val="bg2"/>
-        </a:solidFill>
-        <a:effectLst/>
-      </p:bgPr>
-    </p:bg>
     <p:spTree>
       <p:nvGrpSpPr>
         <p:cNvPr id="1" name=""/>
@@ -7815,121 +7810,6 @@
           <a:chExt cx="0" cy="0"/>
         </a:xfrm>
       </p:grpSpPr>
-      <p:sp>
-        <p:nvSpPr>
-          <p:cNvPr id="6151" name="Rectangle 6150">
-            <a:extLst>
-              <a:ext uri="{FF2B5EF4-FFF2-40B4-BE49-F238E27FC236}">
-                <a16:creationId xmlns:a16="http://schemas.microsoft.com/office/drawing/2014/main" id="{C5F79084-E805-48DA-8EAC-CD5FD493EEAD}"/>
-              </a:ext>
-              <a:ext uri="{C183D7F6-B498-43B3-948B-1728B52AA6E4}">
-                <adec:decorative xmlns:adec="http://schemas.microsoft.com/office/drawing/2017/decorative" val="1"/>
-              </a:ext>
-            </a:extLst>
-          </p:cNvPr>
-          <p:cNvSpPr>
-            <a:spLocks noGrp="1" noRot="1" noChangeAspect="1" noMove="1" noResize="1" noEditPoints="1" noAdjustHandles="1" noChangeArrowheads="1" noChangeShapeType="1" noTextEdit="1"/>
-          </p:cNvSpPr>
-          <p:nvPr>
-            <p:extLst>
-              <p:ext uri="{386F3935-93C4-4BCD-93E2-E3B085C9AB24}">
-                <p16:designElem xmlns:p16="http://schemas.microsoft.com/office/powerpoint/2015/main" val="1"/>
-              </p:ext>
-            </p:extLst>
-          </p:nvPr>
-        </p:nvSpPr>
-        <p:spPr>
-          <a:xfrm>
-            <a:off x="478095" y="376"/>
-            <a:ext cx="228600" cy="6858000"/>
-          </a:xfrm>
-          <a:prstGeom prst="rect">
-            <a:avLst/>
-          </a:prstGeom>
-          <a:solidFill>
-            <a:schemeClr val="tx2"/>
-          </a:solidFill>
-          <a:ln>
-            <a:noFill/>
-          </a:ln>
-        </p:spPr>
-        <p:style>
-          <a:lnRef idx="2">
-            <a:schemeClr val="accent1">
-              <a:shade val="50000"/>
-            </a:schemeClr>
-          </a:lnRef>
-          <a:fillRef idx="1">
-            <a:schemeClr val="accent1"/>
-          </a:fillRef>
-          <a:effectRef idx="0">
-            <a:schemeClr val="accent1"/>
-          </a:effectRef>
-          <a:fontRef idx="minor">
-            <a:schemeClr val="lt1"/>
-          </a:fontRef>
-        </p:style>
-      </p:sp>
-      <p:sp useBgFill="1">
-        <p:nvSpPr>
-          <p:cNvPr id="6153" name="Rectangle 6152">
-            <a:extLst>
-              <a:ext uri="{FF2B5EF4-FFF2-40B4-BE49-F238E27FC236}">
-                <a16:creationId xmlns:a16="http://schemas.microsoft.com/office/drawing/2014/main" id="{35383F2B-0D6A-4B1A-BA43-A65A34B3B2B3}"/>
-              </a:ext>
-              <a:ext uri="{C183D7F6-B498-43B3-948B-1728B52AA6E4}">
-                <adec:decorative xmlns:adec="http://schemas.microsoft.com/office/drawing/2017/decorative" val="1"/>
-              </a:ext>
-            </a:extLst>
-          </p:cNvPr>
-          <p:cNvSpPr>
-            <a:spLocks noGrp="1" noRot="1" noChangeAspect="1" noMove="1" noResize="1" noEditPoints="1" noAdjustHandles="1" noChangeArrowheads="1" noChangeShapeType="1" noTextEdit="1"/>
-          </p:cNvSpPr>
-          <p:nvPr>
-            <p:extLst>
-              <p:ext uri="{386F3935-93C4-4BCD-93E2-E3B085C9AB24}">
-                <p16:designElem xmlns:p16="http://schemas.microsoft.com/office/powerpoint/2015/main" val="1"/>
-              </p:ext>
-            </p:extLst>
-          </p:nvPr>
-        </p:nvSpPr>
-        <p:spPr>
-          <a:xfrm>
-            <a:off x="0" y="0"/>
-            <a:ext cx="12192000" cy="6858000"/>
-          </a:xfrm>
-          <a:prstGeom prst="rect">
-            <a:avLst/>
-          </a:prstGeom>
-          <a:ln>
-            <a:noFill/>
-          </a:ln>
-        </p:spPr>
-        <p:style>
-          <a:lnRef idx="2">
-            <a:schemeClr val="accent1">
-              <a:shade val="50000"/>
-            </a:schemeClr>
-          </a:lnRef>
-          <a:fillRef idx="1">
-            <a:schemeClr val="accent1"/>
-          </a:fillRef>
-          <a:effectRef idx="0">
-            <a:schemeClr val="accent1"/>
-          </a:effectRef>
-          <a:fontRef idx="minor">
-            <a:schemeClr val="lt1"/>
-          </a:fontRef>
-        </p:style>
-        <p:txBody>
-          <a:bodyPr rtlCol="0" anchor="ctr"/>
-          <a:lstStyle/>
-          <a:p>
-            <a:pPr algn="ctr"/>
-            <a:endParaRPr lang="en-US"/>
-          </a:p>
-        </p:txBody>
-      </p:sp>
       <p:pic>
         <p:nvPicPr>
           <p:cNvPr id="6146" name="Picture 2" descr="Vinyl Records Theme 19, HD wallpaper | Peakpx">
@@ -8051,6 +7931,16 @@
               </a:lnSpc>
             </a:pPr>
             <a:r>
+              <a:rPr lang="en-US" sz="2400" i="1" dirty="0">
+                <a:solidFill>
+                  <a:schemeClr val="bg1"/>
+                </a:solidFill>
+                <a:latin typeface="Abadi MT Condensed Light" panose="020B0306030101010103" pitchFamily="34" charset="77"/>
+                <a:cs typeface="Arial" panose="020B0604020202020204" pitchFamily="34" charset="0"/>
+              </a:rPr>
+              <a:t>”</a:t>
+            </a:r>
+            <a:r>
               <a:rPr lang="en-US" sz="2400" b="0" i="1" dirty="0">
                 <a:solidFill>
                   <a:schemeClr val="bg1"/>
@@ -8059,7 +7949,7 @@
                 <a:latin typeface="Abadi MT Condensed Light" panose="020B0306030101010103" pitchFamily="34" charset="77"/>
                 <a:cs typeface="Arial" panose="020B0604020202020204" pitchFamily="34" charset="0"/>
               </a:rPr>
-              <a:t>I try to explain that to my kids - the experience of going to a record store, flipping through racks and finding that album cover that intrigues you - but my kids don't want to know about it. They download the one song on the album they like, and pay their 99 cents.</a:t>
+              <a:t>I try to explain that to my kids - the experience of going to a record store, flipping through racks and finding that album cover that intrigues you - but my kids don't want to know about it. They download the one song on the album they like, and pay their 99 cents.”</a:t>
             </a:r>
           </a:p>
           <a:p>
@@ -8108,7 +7998,7 @@
     </p:spTree>
     <p:extLst>
       <p:ext uri="{BB962C8B-B14F-4D97-AF65-F5344CB8AC3E}">
-        <p14:creationId xmlns:p14="http://schemas.microsoft.com/office/powerpoint/2010/main" val="326684175"/>
+        <p14:creationId xmlns:p14="http://schemas.microsoft.com/office/powerpoint/2010/main" val="3262193983"/>
       </p:ext>
     </p:extLst>
   </p:cSld>
@@ -8398,15 +8288,7 @@
           <a:p>
             <a:r>
               <a:rPr lang="en-US" sz="2400" dirty="0"/>
-              <a:t>Efficiently </a:t>
-            </a:r>
-            <a:r>
-              <a:rPr lang="en-US" sz="2400" b="1" dirty="0"/>
-              <a:t>allocate resources </a:t>
-            </a:r>
-            <a:r>
-              <a:rPr lang="en-US" sz="2400" dirty="0"/>
-              <a:t>regarding album artwork creation</a:t>
+              <a:t>Determine how resources should be allocated towards album artwork creation</a:t>
             </a:r>
             <a:endParaRPr lang="en-US" sz="2400" b="1" dirty="0"/>
           </a:p>
@@ -8591,7 +8473,15 @@
                   <a:schemeClr val="tx1"/>
                 </a:solidFill>
               </a:rPr>
-              <a:t>Playlist highlights artists on independent labels</a:t>
+              <a:t>Playlist highlights artists </a:t>
+            </a:r>
+            <a:r>
+              <a:rPr lang="en-US" sz="1800" b="1" i="0" dirty="0">
+                <a:solidFill>
+                  <a:schemeClr val="tx1"/>
+                </a:solidFill>
+              </a:rPr>
+              <a:t>on independent labels</a:t>
             </a:r>
           </a:p>
           <a:p>
@@ -8602,7 +8492,23 @@
                   <a:schemeClr val="tx1"/>
                 </a:solidFill>
               </a:rPr>
-              <a:t>Use album artwork and popularity index of each track</a:t>
+              <a:t>Use album artwork and </a:t>
+            </a:r>
+            <a:r>
+              <a:rPr lang="en-US" sz="1800" b="1" i="0" dirty="0">
+                <a:solidFill>
+                  <a:schemeClr val="tx1"/>
+                </a:solidFill>
+              </a:rPr>
+              <a:t>popularity index </a:t>
+            </a:r>
+            <a:r>
+              <a:rPr lang="en-US" sz="1800" i="0" dirty="0">
+                <a:solidFill>
+                  <a:schemeClr val="tx1"/>
+                </a:solidFill>
+              </a:rPr>
+              <a:t>of each track</a:t>
             </a:r>
           </a:p>
           <a:p>
@@ -8619,7 +8525,7 @@
                   <a:schemeClr val="tx1"/>
                 </a:solidFill>
               </a:rPr>
-              <a:t>Determine if album art plays a role in track success, and if so which artwork style</a:t>
+              <a:t>Determine if album art plays a role in track success, and which artwork styles</a:t>
             </a:r>
           </a:p>
           <a:p>
@@ -8856,7 +8762,7 @@
             </a:r>
             <a:r>
               <a:rPr lang="en-US" b="1" dirty="0"/>
-              <a:t>100 as most popular</a:t>
+              <a:t>100 indicating popular</a:t>
             </a:r>
           </a:p>
           <a:p>
@@ -9519,8 +9425,8 @@
         </p:nvSpPr>
         <p:spPr>
           <a:xfrm>
-            <a:off x="5591909" y="2180496"/>
-            <a:ext cx="6018898" cy="4045683"/>
+            <a:off x="5591909" y="1828800"/>
+            <a:ext cx="6018898" cy="4397379"/>
           </a:xfrm>
         </p:spPr>
         <p:txBody>
@@ -9538,26 +9444,6 @@
               <a:rPr lang="en-US" dirty="0">
                 <a:latin typeface="+mj-lt"/>
               </a:rPr>
-              <a:t>Model </a:t>
-            </a:r>
-            <a:r>
-              <a:rPr lang="en-US" b="1" dirty="0">
-                <a:latin typeface="+mj-lt"/>
-              </a:rPr>
-              <a:t>did not find any relationship </a:t>
-            </a:r>
-            <a:r>
-              <a:rPr lang="en-US" dirty="0">
-                <a:latin typeface="+mj-lt"/>
-              </a:rPr>
-              <a:t>between album artwork and Spotify popularity</a:t>
-            </a:r>
-          </a:p>
-          <a:p>
-            <a:r>
-              <a:rPr lang="en-US" dirty="0">
-                <a:latin typeface="+mj-lt"/>
-              </a:rPr>
               <a:t>Model was within a 5-point threshold of predicting popularity </a:t>
             </a:r>
             <a:r>
@@ -9574,17 +9460,41 @@
             </a:r>
           </a:p>
           <a:p>
+            <a:endParaRPr lang="en-US" dirty="0">
+              <a:latin typeface="+mj-lt"/>
+            </a:endParaRPr>
+          </a:p>
+          <a:p>
             <a:r>
               <a:rPr lang="en-US" dirty="0">
                 <a:latin typeface="+mj-lt"/>
               </a:rPr>
-              <a:t>The model generated an </a:t>
+              <a:t>Generated a </a:t>
             </a:r>
             <a:r>
               <a:rPr lang="en-US" b="1" dirty="0">
                 <a:latin typeface="+mj-lt"/>
               </a:rPr>
-              <a:t>R-squared value of 0</a:t>
+              <a:t>Root Mean Squared Error of 12</a:t>
+            </a:r>
+          </a:p>
+          <a:p>
+            <a:endParaRPr lang="en-US" dirty="0">
+              <a:latin typeface="+mj-lt"/>
+            </a:endParaRPr>
+          </a:p>
+          <a:p>
+            <a:r>
+              <a:rPr lang="en-US" dirty="0">
+                <a:latin typeface="+mj-lt"/>
+              </a:rPr>
+              <a:t>Model generated a </a:t>
+            </a:r>
+            <a:r>
+              <a:rPr lang="en-US" b="1" dirty="0">
+                <a:latin typeface="+mj-lt"/>
+              </a:rPr>
+              <a:t>Coefficient of Determination value of 0</a:t>
             </a:r>
           </a:p>
           <a:p>
@@ -9593,20 +9503,17 @@
               <a:rPr lang="en-US" sz="1800" i="0" dirty="0">
                 <a:latin typeface="+mj-lt"/>
               </a:rPr>
-              <a:t>album artwork explains the popularity index about </a:t>
+              <a:t>artwork explains the popularity index about </a:t>
             </a:r>
             <a:r>
               <a:rPr lang="en-US" sz="1800" b="1" i="0" dirty="0">
                 <a:latin typeface="+mj-lt"/>
               </a:rPr>
-              <a:t>as efficiently as averaging the popularity index </a:t>
-            </a:r>
-            <a:r>
-              <a:rPr lang="en-US" sz="1800" i="0" dirty="0">
-                <a:latin typeface="+mj-lt"/>
-              </a:rPr>
-              <a:t>would</a:t>
-            </a:r>
+              <a:t>as efficiently as averaging the popularity index</a:t>
+            </a:r>
+            <a:endParaRPr lang="en-US" sz="1800" i="0" dirty="0">
+              <a:latin typeface="+mj-lt"/>
+            </a:endParaRPr>
           </a:p>
           <a:p>
             <a:endParaRPr lang="en-US" dirty="0">
@@ -10068,7 +9975,7 @@
           <p:nvPr>
             <p:extLst>
               <p:ext uri="{D42A27DB-BD31-4B8C-83A1-F6EECF244321}">
-                <p14:modId xmlns:p14="http://schemas.microsoft.com/office/powerpoint/2010/main" val="1560408939"/>
+                <p14:modId xmlns:p14="http://schemas.microsoft.com/office/powerpoint/2010/main" val="1562796128"/>
               </p:ext>
             </p:extLst>
           </p:nvPr>

--- a/predicting_song_popularity_by_album_artwork.pptx
+++ b/predicting_song_popularity_by_album_artwork.pptx
@@ -3827,7 +3827,7 @@
             <a:fld id="{B61BEF0D-F0BB-DE4B-95CE-6DB70DBA9567}" type="datetimeFigureOut">
               <a:rPr lang="en-US" smtClean="0"/>
               <a:pPr/>
-              <a:t>10/7/22</a:t>
+              <a:t>10/11/22</a:t>
             </a:fld>
             <a:endParaRPr lang="en-US" dirty="0"/>
           </a:p>
@@ -4159,7 +4159,7 @@
             <a:fld id="{B61BEF0D-F0BB-DE4B-95CE-6DB70DBA9567}" type="datetimeFigureOut">
               <a:rPr lang="en-US" smtClean="0"/>
               <a:pPr/>
-              <a:t>10/7/22</a:t>
+              <a:t>10/11/22</a:t>
             </a:fld>
             <a:endParaRPr lang="en-US" dirty="0"/>
           </a:p>
@@ -4341,7 +4341,7 @@
             <a:fld id="{B61BEF0D-F0BB-DE4B-95CE-6DB70DBA9567}" type="datetimeFigureOut">
               <a:rPr lang="en-US" smtClean="0"/>
               <a:pPr/>
-              <a:t>10/7/22</a:t>
+              <a:t>10/11/22</a:t>
             </a:fld>
             <a:endParaRPr lang="en-US" dirty="0"/>
           </a:p>
@@ -4513,7 +4513,7 @@
             <a:fld id="{B61BEF0D-F0BB-DE4B-95CE-6DB70DBA9567}" type="datetimeFigureOut">
               <a:rPr lang="en-US" smtClean="0"/>
               <a:pPr/>
-              <a:t>10/7/22</a:t>
+              <a:t>10/11/22</a:t>
             </a:fld>
             <a:endParaRPr lang="en-US" dirty="0"/>
           </a:p>
@@ -4792,7 +4792,7 @@
             <a:fld id="{B61BEF0D-F0BB-DE4B-95CE-6DB70DBA9567}" type="datetimeFigureOut">
               <a:rPr lang="en-US" smtClean="0"/>
               <a:pPr/>
-              <a:t>10/7/22</a:t>
+              <a:t>10/11/22</a:t>
             </a:fld>
             <a:endParaRPr lang="en-US" dirty="0"/>
           </a:p>
@@ -5188,7 +5188,7 @@
             <a:fld id="{B61BEF0D-F0BB-DE4B-95CE-6DB70DBA9567}" type="datetimeFigureOut">
               <a:rPr lang="en-US" smtClean="0"/>
               <a:pPr/>
-              <a:t>10/7/22</a:t>
+              <a:t>10/11/22</a:t>
             </a:fld>
             <a:endParaRPr lang="en-US" dirty="0"/>
           </a:p>
@@ -5672,7 +5672,7 @@
             <a:fld id="{B61BEF0D-F0BB-DE4B-95CE-6DB70DBA9567}" type="datetimeFigureOut">
               <a:rPr lang="en-US" smtClean="0"/>
               <a:pPr/>
-              <a:t>10/7/22</a:t>
+              <a:t>10/11/22</a:t>
             </a:fld>
             <a:endParaRPr lang="en-US" dirty="0"/>
           </a:p>
@@ -5792,7 +5792,7 @@
             <a:fld id="{B61BEF0D-F0BB-DE4B-95CE-6DB70DBA9567}" type="datetimeFigureOut">
               <a:rPr lang="en-US" smtClean="0"/>
               <a:pPr/>
-              <a:t>10/7/22</a:t>
+              <a:t>10/11/22</a:t>
             </a:fld>
             <a:endParaRPr lang="en-US" dirty="0"/>
           </a:p>
@@ -5889,7 +5889,7 @@
             <a:fld id="{B61BEF0D-F0BB-DE4B-95CE-6DB70DBA9567}" type="datetimeFigureOut">
               <a:rPr lang="en-US" smtClean="0"/>
               <a:pPr/>
-              <a:t>10/7/22</a:t>
+              <a:t>10/11/22</a:t>
             </a:fld>
             <a:endParaRPr lang="en-US" dirty="0"/>
           </a:p>
@@ -6237,7 +6237,7 @@
             <a:fld id="{B61BEF0D-F0BB-DE4B-95CE-6DB70DBA9567}" type="datetimeFigureOut">
               <a:rPr lang="en-US" smtClean="0"/>
               <a:pPr/>
-              <a:t>10/7/22</a:t>
+              <a:t>10/11/22</a:t>
             </a:fld>
             <a:endParaRPr lang="en-US" dirty="0"/>
           </a:p>
@@ -6632,7 +6632,7 @@
             <a:fld id="{B61BEF0D-F0BB-DE4B-95CE-6DB70DBA9567}" type="datetimeFigureOut">
               <a:rPr lang="en-US" smtClean="0"/>
               <a:pPr/>
-              <a:t>10/7/22</a:t>
+              <a:t>10/11/22</a:t>
             </a:fld>
             <a:endParaRPr lang="en-US" dirty="0"/>
           </a:p>
@@ -6912,7 +6912,7 @@
             <a:fld id="{B61BEF0D-F0BB-DE4B-95CE-6DB70DBA9567}" type="datetimeFigureOut">
               <a:rPr lang="en-US" smtClean="0"/>
               <a:pPr/>
-              <a:t>10/7/22</a:t>
+              <a:t>10/11/22</a:t>
             </a:fld>
             <a:endParaRPr lang="en-US" dirty="0"/>
           </a:p>
@@ -8841,7 +8841,7 @@
             </a:pPr>
             <a:r>
               <a:rPr lang="en-US" sz="1800" i="0" dirty="0"/>
-              <a:t>An image is 3 matrices of pixel values. </a:t>
+              <a:t>An image is matrix of pixel values. </a:t>
             </a:r>
           </a:p>
           <a:p>
@@ -8869,7 +8869,7 @@
             </a:pPr>
             <a:r>
               <a:rPr lang="en-US" sz="1800" i="0" dirty="0"/>
-              <a:t>Each matrix represents the Red, Green, Blue values</a:t>
+              <a:t>Depth of matrix represents the Red, Green, Blue values</a:t>
             </a:r>
           </a:p>
         </p:txBody>
